--- a/Dissertation_PowerPoint.pptx
+++ b/Dissertation_PowerPoint.pptx
@@ -5,7 +5,7 @@
     <p:sldMasterId id="2147483660" r:id="rId4"/>
   </p:sldMasterIdLst>
   <p:notesMasterIdLst>
-    <p:notesMasterId r:id="rId19"/>
+    <p:notesMasterId r:id="rId26"/>
   </p:notesMasterIdLst>
   <p:sldIdLst>
     <p:sldId id="256" r:id="rId5"/>
@@ -13,15 +13,22 @@
     <p:sldId id="259" r:id="rId7"/>
     <p:sldId id="264" r:id="rId8"/>
     <p:sldId id="260" r:id="rId9"/>
-    <p:sldId id="262" r:id="rId10"/>
-    <p:sldId id="263" r:id="rId11"/>
-    <p:sldId id="271" r:id="rId12"/>
+    <p:sldId id="271" r:id="rId10"/>
+    <p:sldId id="262" r:id="rId11"/>
+    <p:sldId id="276" r:id="rId12"/>
     <p:sldId id="265" r:id="rId13"/>
-    <p:sldId id="266" r:id="rId14"/>
-    <p:sldId id="267" r:id="rId15"/>
-    <p:sldId id="269" r:id="rId16"/>
-    <p:sldId id="270" r:id="rId17"/>
-    <p:sldId id="258" r:id="rId18"/>
+    <p:sldId id="277" r:id="rId14"/>
+    <p:sldId id="266" r:id="rId15"/>
+    <p:sldId id="278" r:id="rId16"/>
+    <p:sldId id="267" r:id="rId17"/>
+    <p:sldId id="263" r:id="rId18"/>
+    <p:sldId id="279" r:id="rId19"/>
+    <p:sldId id="269" r:id="rId20"/>
+    <p:sldId id="270" r:id="rId21"/>
+    <p:sldId id="280" r:id="rId22"/>
+    <p:sldId id="281" r:id="rId23"/>
+    <p:sldId id="282" r:id="rId24"/>
+    <p:sldId id="258" r:id="rId25"/>
   </p:sldIdLst>
   <p:sldSz cx="12192000" cy="6858000"/>
   <p:notesSz cx="6858000" cy="9144000"/>
@@ -127,21 +134,24 @@
           <p14:sldIdLst>
             <p14:sldId id="256"/>
             <p14:sldId id="257"/>
-          </p14:sldIdLst>
-        </p14:section>
-        <p14:section name="Untitled Section" id="{1360B896-1A5D-4A6E-8307-0736D18505C2}">
-          <p14:sldIdLst>
             <p14:sldId id="259"/>
             <p14:sldId id="264"/>
             <p14:sldId id="260"/>
+            <p14:sldId id="271"/>
             <p14:sldId id="262"/>
+            <p14:sldId id="276"/>
+            <p14:sldId id="265"/>
+            <p14:sldId id="277"/>
+            <p14:sldId id="266"/>
+            <p14:sldId id="278"/>
+            <p14:sldId id="267"/>
             <p14:sldId id="263"/>
-            <p14:sldId id="271"/>
-            <p14:sldId id="265"/>
-            <p14:sldId id="266"/>
-            <p14:sldId id="267"/>
+            <p14:sldId id="279"/>
             <p14:sldId id="269"/>
             <p14:sldId id="270"/>
+            <p14:sldId id="280"/>
+            <p14:sldId id="281"/>
+            <p14:sldId id="282"/>
             <p14:sldId id="258"/>
           </p14:sldIdLst>
         </p14:section>
@@ -152,6 +162,4383 @@
     </p:ext>
   </p:extLst>
 </p:presentation>
+</file>
+
+<file path=ppt/diagrams/colors1.xml><?xml version="1.0" encoding="utf-8"?>
+<dgm:colorsDef xmlns:dgm="http://schemas.openxmlformats.org/drawingml/2006/diagram" xmlns:a="http://schemas.openxmlformats.org/drawingml/2006/main" uniqueId="urn:microsoft.com/office/officeart/2005/8/colors/accent1_2">
+  <dgm:title val=""/>
+  <dgm:desc val=""/>
+  <dgm:catLst>
+    <dgm:cat type="accent1" pri="11200"/>
+  </dgm:catLst>
+  <dgm:styleLbl name="node0">
+    <dgm:fillClrLst meth="repeat">
+      <a:schemeClr val="accent1"/>
+    </dgm:fillClrLst>
+    <dgm:linClrLst meth="repeat">
+      <a:schemeClr val="lt1"/>
+    </dgm:linClrLst>
+    <dgm:effectClrLst/>
+    <dgm:txLinClrLst/>
+    <dgm:txFillClrLst/>
+    <dgm:txEffectClrLst/>
+  </dgm:styleLbl>
+  <dgm:styleLbl name="alignNode1">
+    <dgm:fillClrLst meth="repeat">
+      <a:schemeClr val="accent1"/>
+    </dgm:fillClrLst>
+    <dgm:linClrLst meth="repeat">
+      <a:schemeClr val="accent1"/>
+    </dgm:linClrLst>
+    <dgm:effectClrLst/>
+    <dgm:txLinClrLst/>
+    <dgm:txFillClrLst/>
+    <dgm:txEffectClrLst/>
+  </dgm:styleLbl>
+  <dgm:styleLbl name="node1">
+    <dgm:fillClrLst meth="repeat">
+      <a:schemeClr val="accent1"/>
+    </dgm:fillClrLst>
+    <dgm:linClrLst meth="repeat">
+      <a:schemeClr val="lt1"/>
+    </dgm:linClrLst>
+    <dgm:effectClrLst/>
+    <dgm:txLinClrLst/>
+    <dgm:txFillClrLst/>
+    <dgm:txEffectClrLst/>
+  </dgm:styleLbl>
+  <dgm:styleLbl name="lnNode1">
+    <dgm:fillClrLst meth="repeat">
+      <a:schemeClr val="accent1"/>
+    </dgm:fillClrLst>
+    <dgm:linClrLst meth="repeat">
+      <a:schemeClr val="lt1"/>
+    </dgm:linClrLst>
+    <dgm:effectClrLst/>
+    <dgm:txLinClrLst/>
+    <dgm:txFillClrLst/>
+    <dgm:txEffectClrLst/>
+  </dgm:styleLbl>
+  <dgm:styleLbl name="vennNode1">
+    <dgm:fillClrLst meth="repeat">
+      <a:schemeClr val="accent1">
+        <a:alpha val="50000"/>
+      </a:schemeClr>
+    </dgm:fillClrLst>
+    <dgm:linClrLst meth="repeat">
+      <a:schemeClr val="lt1"/>
+    </dgm:linClrLst>
+    <dgm:effectClrLst/>
+    <dgm:txLinClrLst/>
+    <dgm:txFillClrLst/>
+    <dgm:txEffectClrLst/>
+  </dgm:styleLbl>
+  <dgm:styleLbl name="node2">
+    <dgm:fillClrLst meth="repeat">
+      <a:schemeClr val="accent1"/>
+    </dgm:fillClrLst>
+    <dgm:linClrLst meth="repeat">
+      <a:schemeClr val="lt1"/>
+    </dgm:linClrLst>
+    <dgm:effectClrLst/>
+    <dgm:txLinClrLst/>
+    <dgm:txFillClrLst/>
+    <dgm:txEffectClrLst/>
+  </dgm:styleLbl>
+  <dgm:styleLbl name="node3">
+    <dgm:fillClrLst meth="repeat">
+      <a:schemeClr val="accent1"/>
+    </dgm:fillClrLst>
+    <dgm:linClrLst meth="repeat">
+      <a:schemeClr val="lt1"/>
+    </dgm:linClrLst>
+    <dgm:effectClrLst/>
+    <dgm:txLinClrLst/>
+    <dgm:txFillClrLst/>
+    <dgm:txEffectClrLst/>
+  </dgm:styleLbl>
+  <dgm:styleLbl name="node4">
+    <dgm:fillClrLst meth="repeat">
+      <a:schemeClr val="accent1"/>
+    </dgm:fillClrLst>
+    <dgm:linClrLst meth="repeat">
+      <a:schemeClr val="lt1"/>
+    </dgm:linClrLst>
+    <dgm:effectClrLst/>
+    <dgm:txLinClrLst/>
+    <dgm:txFillClrLst/>
+    <dgm:txEffectClrLst/>
+  </dgm:styleLbl>
+  <dgm:styleLbl name="fgImgPlace1">
+    <dgm:fillClrLst meth="repeat">
+      <a:schemeClr val="accent1">
+        <a:tint val="50000"/>
+      </a:schemeClr>
+    </dgm:fillClrLst>
+    <dgm:linClrLst meth="repeat">
+      <a:schemeClr val="lt1"/>
+    </dgm:linClrLst>
+    <dgm:effectClrLst/>
+    <dgm:txLinClrLst/>
+    <dgm:txFillClrLst meth="repeat">
+      <a:schemeClr val="lt1"/>
+    </dgm:txFillClrLst>
+    <dgm:txEffectClrLst/>
+  </dgm:styleLbl>
+  <dgm:styleLbl name="alignImgPlace1">
+    <dgm:fillClrLst meth="repeat">
+      <a:schemeClr val="accent1">
+        <a:tint val="50000"/>
+      </a:schemeClr>
+    </dgm:fillClrLst>
+    <dgm:linClrLst meth="repeat">
+      <a:schemeClr val="lt1"/>
+    </dgm:linClrLst>
+    <dgm:effectClrLst/>
+    <dgm:txLinClrLst/>
+    <dgm:txFillClrLst meth="repeat">
+      <a:schemeClr val="lt1"/>
+    </dgm:txFillClrLst>
+    <dgm:txEffectClrLst/>
+  </dgm:styleLbl>
+  <dgm:styleLbl name="bgImgPlace1">
+    <dgm:fillClrLst meth="repeat">
+      <a:schemeClr val="accent1">
+        <a:tint val="50000"/>
+      </a:schemeClr>
+    </dgm:fillClrLst>
+    <dgm:linClrLst meth="repeat">
+      <a:schemeClr val="lt1"/>
+    </dgm:linClrLst>
+    <dgm:effectClrLst/>
+    <dgm:txLinClrLst/>
+    <dgm:txFillClrLst meth="repeat">
+      <a:schemeClr val="lt1"/>
+    </dgm:txFillClrLst>
+    <dgm:txEffectClrLst/>
+  </dgm:styleLbl>
+  <dgm:styleLbl name="sibTrans2D1">
+    <dgm:fillClrLst meth="repeat">
+      <a:schemeClr val="accent1">
+        <a:tint val="60000"/>
+      </a:schemeClr>
+    </dgm:fillClrLst>
+    <dgm:linClrLst meth="repeat">
+      <a:schemeClr val="accent1">
+        <a:tint val="60000"/>
+      </a:schemeClr>
+    </dgm:linClrLst>
+    <dgm:effectClrLst/>
+    <dgm:txLinClrLst/>
+    <dgm:txFillClrLst/>
+    <dgm:txEffectClrLst/>
+  </dgm:styleLbl>
+  <dgm:styleLbl name="fgSibTrans2D1">
+    <dgm:fillClrLst meth="repeat">
+      <a:schemeClr val="accent1">
+        <a:tint val="60000"/>
+      </a:schemeClr>
+    </dgm:fillClrLst>
+    <dgm:linClrLst meth="repeat">
+      <a:schemeClr val="accent1">
+        <a:tint val="60000"/>
+      </a:schemeClr>
+    </dgm:linClrLst>
+    <dgm:effectClrLst/>
+    <dgm:txLinClrLst/>
+    <dgm:txFillClrLst/>
+    <dgm:txEffectClrLst/>
+  </dgm:styleLbl>
+  <dgm:styleLbl name="bgSibTrans2D1">
+    <dgm:fillClrLst meth="repeat">
+      <a:schemeClr val="accent1">
+        <a:tint val="60000"/>
+      </a:schemeClr>
+    </dgm:fillClrLst>
+    <dgm:linClrLst meth="repeat">
+      <a:schemeClr val="accent1">
+        <a:tint val="60000"/>
+      </a:schemeClr>
+    </dgm:linClrLst>
+    <dgm:effectClrLst/>
+    <dgm:txLinClrLst/>
+    <dgm:txFillClrLst/>
+    <dgm:txEffectClrLst/>
+  </dgm:styleLbl>
+  <dgm:styleLbl name="sibTrans1D1">
+    <dgm:fillClrLst meth="repeat">
+      <a:schemeClr val="accent1"/>
+    </dgm:fillClrLst>
+    <dgm:linClrLst meth="repeat">
+      <a:schemeClr val="accent1"/>
+    </dgm:linClrLst>
+    <dgm:effectClrLst/>
+    <dgm:txLinClrLst/>
+    <dgm:txFillClrLst meth="repeat">
+      <a:schemeClr val="tx1"/>
+    </dgm:txFillClrLst>
+    <dgm:txEffectClrLst/>
+  </dgm:styleLbl>
+  <dgm:styleLbl name="callout">
+    <dgm:fillClrLst meth="repeat">
+      <a:schemeClr val="accent1"/>
+    </dgm:fillClrLst>
+    <dgm:linClrLst meth="repeat">
+      <a:schemeClr val="accent1">
+        <a:tint val="50000"/>
+      </a:schemeClr>
+    </dgm:linClrLst>
+    <dgm:effectClrLst/>
+    <dgm:txLinClrLst/>
+    <dgm:txFillClrLst meth="repeat">
+      <a:schemeClr val="tx1"/>
+    </dgm:txFillClrLst>
+    <dgm:txEffectClrLst/>
+  </dgm:styleLbl>
+  <dgm:styleLbl name="asst0">
+    <dgm:fillClrLst meth="repeat">
+      <a:schemeClr val="accent1"/>
+    </dgm:fillClrLst>
+    <dgm:linClrLst meth="repeat">
+      <a:schemeClr val="lt1"/>
+    </dgm:linClrLst>
+    <dgm:effectClrLst/>
+    <dgm:txLinClrLst/>
+    <dgm:txFillClrLst/>
+    <dgm:txEffectClrLst/>
+  </dgm:styleLbl>
+  <dgm:styleLbl name="asst1">
+    <dgm:fillClrLst meth="repeat">
+      <a:schemeClr val="accent1"/>
+    </dgm:fillClrLst>
+    <dgm:linClrLst meth="repeat">
+      <a:schemeClr val="lt1"/>
+    </dgm:linClrLst>
+    <dgm:effectClrLst/>
+    <dgm:txLinClrLst/>
+    <dgm:txFillClrLst/>
+    <dgm:txEffectClrLst/>
+  </dgm:styleLbl>
+  <dgm:styleLbl name="asst2">
+    <dgm:fillClrLst meth="repeat">
+      <a:schemeClr val="accent1"/>
+    </dgm:fillClrLst>
+    <dgm:linClrLst meth="repeat">
+      <a:schemeClr val="lt1"/>
+    </dgm:linClrLst>
+    <dgm:effectClrLst/>
+    <dgm:txLinClrLst/>
+    <dgm:txFillClrLst/>
+    <dgm:txEffectClrLst/>
+  </dgm:styleLbl>
+  <dgm:styleLbl name="asst3">
+    <dgm:fillClrLst meth="repeat">
+      <a:schemeClr val="accent1"/>
+    </dgm:fillClrLst>
+    <dgm:linClrLst meth="repeat">
+      <a:schemeClr val="lt1"/>
+    </dgm:linClrLst>
+    <dgm:effectClrLst/>
+    <dgm:txLinClrLst/>
+    <dgm:txFillClrLst/>
+    <dgm:txEffectClrLst/>
+  </dgm:styleLbl>
+  <dgm:styleLbl name="asst4">
+    <dgm:fillClrLst meth="repeat">
+      <a:schemeClr val="accent1"/>
+    </dgm:fillClrLst>
+    <dgm:linClrLst meth="repeat">
+      <a:schemeClr val="lt1"/>
+    </dgm:linClrLst>
+    <dgm:effectClrLst/>
+    <dgm:txLinClrLst/>
+    <dgm:txFillClrLst/>
+    <dgm:txEffectClrLst/>
+  </dgm:styleLbl>
+  <dgm:styleLbl name="parChTrans2D1">
+    <dgm:fillClrLst meth="repeat">
+      <a:schemeClr val="accent1">
+        <a:tint val="60000"/>
+      </a:schemeClr>
+    </dgm:fillClrLst>
+    <dgm:linClrLst meth="repeat">
+      <a:schemeClr val="accent1">
+        <a:tint val="60000"/>
+      </a:schemeClr>
+    </dgm:linClrLst>
+    <dgm:effectClrLst/>
+    <dgm:txLinClrLst/>
+    <dgm:txFillClrLst meth="repeat">
+      <a:schemeClr val="lt1"/>
+    </dgm:txFillClrLst>
+    <dgm:txEffectClrLst/>
+  </dgm:styleLbl>
+  <dgm:styleLbl name="parChTrans2D2">
+    <dgm:fillClrLst meth="repeat">
+      <a:schemeClr val="accent1"/>
+    </dgm:fillClrLst>
+    <dgm:linClrLst meth="repeat">
+      <a:schemeClr val="accent1"/>
+    </dgm:linClrLst>
+    <dgm:effectClrLst/>
+    <dgm:txLinClrLst/>
+    <dgm:txFillClrLst meth="repeat">
+      <a:schemeClr val="lt1"/>
+    </dgm:txFillClrLst>
+    <dgm:txEffectClrLst/>
+  </dgm:styleLbl>
+  <dgm:styleLbl name="parChTrans2D3">
+    <dgm:fillClrLst meth="repeat">
+      <a:schemeClr val="accent1"/>
+    </dgm:fillClrLst>
+    <dgm:linClrLst meth="repeat">
+      <a:schemeClr val="accent1"/>
+    </dgm:linClrLst>
+    <dgm:effectClrLst/>
+    <dgm:txLinClrLst/>
+    <dgm:txFillClrLst meth="repeat">
+      <a:schemeClr val="lt1"/>
+    </dgm:txFillClrLst>
+    <dgm:txEffectClrLst/>
+  </dgm:styleLbl>
+  <dgm:styleLbl name="parChTrans2D4">
+    <dgm:fillClrLst meth="repeat">
+      <a:schemeClr val="accent1"/>
+    </dgm:fillClrLst>
+    <dgm:linClrLst meth="repeat">
+      <a:schemeClr val="accent1"/>
+    </dgm:linClrLst>
+    <dgm:effectClrLst/>
+    <dgm:txLinClrLst/>
+    <dgm:txFillClrLst meth="repeat">
+      <a:schemeClr val="lt1"/>
+    </dgm:txFillClrLst>
+    <dgm:txEffectClrLst/>
+  </dgm:styleLbl>
+  <dgm:styleLbl name="parChTrans1D1">
+    <dgm:fillClrLst meth="repeat">
+      <a:schemeClr val="accent1"/>
+    </dgm:fillClrLst>
+    <dgm:linClrLst meth="repeat">
+      <a:schemeClr val="accent1">
+        <a:shade val="60000"/>
+      </a:schemeClr>
+    </dgm:linClrLst>
+    <dgm:effectClrLst/>
+    <dgm:txLinClrLst/>
+    <dgm:txFillClrLst meth="repeat">
+      <a:schemeClr val="tx1"/>
+    </dgm:txFillClrLst>
+    <dgm:txEffectClrLst/>
+  </dgm:styleLbl>
+  <dgm:styleLbl name="parChTrans1D2">
+    <dgm:fillClrLst meth="repeat">
+      <a:schemeClr val="accent1"/>
+    </dgm:fillClrLst>
+    <dgm:linClrLst meth="repeat">
+      <a:schemeClr val="accent1">
+        <a:shade val="60000"/>
+      </a:schemeClr>
+    </dgm:linClrLst>
+    <dgm:effectClrLst/>
+    <dgm:txLinClrLst/>
+    <dgm:txFillClrLst meth="repeat">
+      <a:schemeClr val="tx1"/>
+    </dgm:txFillClrLst>
+    <dgm:txEffectClrLst/>
+  </dgm:styleLbl>
+  <dgm:styleLbl name="parChTrans1D3">
+    <dgm:fillClrLst meth="repeat">
+      <a:schemeClr val="accent1"/>
+    </dgm:fillClrLst>
+    <dgm:linClrLst meth="repeat">
+      <a:schemeClr val="accent1">
+        <a:shade val="80000"/>
+      </a:schemeClr>
+    </dgm:linClrLst>
+    <dgm:effectClrLst/>
+    <dgm:txLinClrLst/>
+    <dgm:txFillClrLst meth="repeat">
+      <a:schemeClr val="tx1"/>
+    </dgm:txFillClrLst>
+    <dgm:txEffectClrLst/>
+  </dgm:styleLbl>
+  <dgm:styleLbl name="parChTrans1D4">
+    <dgm:fillClrLst meth="repeat">
+      <a:schemeClr val="accent1"/>
+    </dgm:fillClrLst>
+    <dgm:linClrLst meth="repeat">
+      <a:schemeClr val="accent1">
+        <a:shade val="80000"/>
+      </a:schemeClr>
+    </dgm:linClrLst>
+    <dgm:effectClrLst/>
+    <dgm:txLinClrLst/>
+    <dgm:txFillClrLst meth="repeat">
+      <a:schemeClr val="tx1"/>
+    </dgm:txFillClrLst>
+    <dgm:txEffectClrLst/>
+  </dgm:styleLbl>
+  <dgm:styleLbl name="fgAcc1">
+    <dgm:fillClrLst meth="repeat">
+      <a:schemeClr val="lt1">
+        <a:alpha val="90000"/>
+      </a:schemeClr>
+    </dgm:fillClrLst>
+    <dgm:linClrLst meth="repeat">
+      <a:schemeClr val="accent1"/>
+    </dgm:linClrLst>
+    <dgm:effectClrLst/>
+    <dgm:txLinClrLst/>
+    <dgm:txFillClrLst meth="repeat">
+      <a:schemeClr val="dk1"/>
+    </dgm:txFillClrLst>
+    <dgm:txEffectClrLst/>
+  </dgm:styleLbl>
+  <dgm:styleLbl name="conFgAcc1">
+    <dgm:fillClrLst meth="repeat">
+      <a:schemeClr val="lt1">
+        <a:alpha val="90000"/>
+      </a:schemeClr>
+    </dgm:fillClrLst>
+    <dgm:linClrLst meth="repeat">
+      <a:schemeClr val="accent1"/>
+    </dgm:linClrLst>
+    <dgm:effectClrLst/>
+    <dgm:txLinClrLst/>
+    <dgm:txFillClrLst meth="repeat">
+      <a:schemeClr val="dk1"/>
+    </dgm:txFillClrLst>
+    <dgm:txEffectClrLst/>
+  </dgm:styleLbl>
+  <dgm:styleLbl name="alignAcc1">
+    <dgm:fillClrLst meth="repeat">
+      <a:schemeClr val="lt1">
+        <a:alpha val="90000"/>
+      </a:schemeClr>
+    </dgm:fillClrLst>
+    <dgm:linClrLst meth="repeat">
+      <a:schemeClr val="accent1"/>
+    </dgm:linClrLst>
+    <dgm:effectClrLst/>
+    <dgm:txLinClrLst/>
+    <dgm:txFillClrLst meth="repeat">
+      <a:schemeClr val="dk1"/>
+    </dgm:txFillClrLst>
+    <dgm:txEffectClrLst/>
+  </dgm:styleLbl>
+  <dgm:styleLbl name="trAlignAcc1">
+    <dgm:fillClrLst meth="repeat">
+      <a:schemeClr val="lt1">
+        <a:alpha val="40000"/>
+      </a:schemeClr>
+    </dgm:fillClrLst>
+    <dgm:linClrLst meth="repeat">
+      <a:schemeClr val="accent1"/>
+    </dgm:linClrLst>
+    <dgm:effectClrLst/>
+    <dgm:txLinClrLst/>
+    <dgm:txFillClrLst meth="repeat">
+      <a:schemeClr val="dk1"/>
+    </dgm:txFillClrLst>
+    <dgm:txEffectClrLst/>
+  </dgm:styleLbl>
+  <dgm:styleLbl name="bgAcc1">
+    <dgm:fillClrLst meth="repeat">
+      <a:schemeClr val="lt1">
+        <a:alpha val="90000"/>
+      </a:schemeClr>
+    </dgm:fillClrLst>
+    <dgm:linClrLst meth="repeat">
+      <a:schemeClr val="accent1"/>
+    </dgm:linClrLst>
+    <dgm:effectClrLst/>
+    <dgm:txLinClrLst/>
+    <dgm:txFillClrLst meth="repeat">
+      <a:schemeClr val="dk1"/>
+    </dgm:txFillClrLst>
+    <dgm:txEffectClrLst/>
+  </dgm:styleLbl>
+  <dgm:styleLbl name="solidFgAcc1">
+    <dgm:fillClrLst meth="repeat">
+      <a:schemeClr val="lt1"/>
+    </dgm:fillClrLst>
+    <dgm:linClrLst meth="repeat">
+      <a:schemeClr val="accent1"/>
+    </dgm:linClrLst>
+    <dgm:effectClrLst/>
+    <dgm:txLinClrLst/>
+    <dgm:txFillClrLst meth="repeat">
+      <a:schemeClr val="dk1"/>
+    </dgm:txFillClrLst>
+    <dgm:txEffectClrLst/>
+  </dgm:styleLbl>
+  <dgm:styleLbl name="solidAlignAcc1">
+    <dgm:fillClrLst meth="repeat">
+      <a:schemeClr val="lt1"/>
+    </dgm:fillClrLst>
+    <dgm:linClrLst meth="repeat">
+      <a:schemeClr val="accent1"/>
+    </dgm:linClrLst>
+    <dgm:effectClrLst/>
+    <dgm:txLinClrLst/>
+    <dgm:txFillClrLst meth="repeat">
+      <a:schemeClr val="dk1"/>
+    </dgm:txFillClrLst>
+    <dgm:txEffectClrLst/>
+  </dgm:styleLbl>
+  <dgm:styleLbl name="solidBgAcc1">
+    <dgm:fillClrLst meth="repeat">
+      <a:schemeClr val="lt1"/>
+    </dgm:fillClrLst>
+    <dgm:linClrLst meth="repeat">
+      <a:schemeClr val="accent1"/>
+    </dgm:linClrLst>
+    <dgm:effectClrLst/>
+    <dgm:txLinClrLst/>
+    <dgm:txFillClrLst meth="repeat">
+      <a:schemeClr val="dk1"/>
+    </dgm:txFillClrLst>
+    <dgm:txEffectClrLst/>
+  </dgm:styleLbl>
+  <dgm:styleLbl name="fgAccFollowNode1">
+    <dgm:fillClrLst meth="repeat">
+      <a:schemeClr val="accent1">
+        <a:alpha val="90000"/>
+        <a:tint val="40000"/>
+      </a:schemeClr>
+    </dgm:fillClrLst>
+    <dgm:linClrLst meth="repeat">
+      <a:schemeClr val="accent1">
+        <a:alpha val="90000"/>
+        <a:tint val="40000"/>
+      </a:schemeClr>
+    </dgm:linClrLst>
+    <dgm:effectClrLst/>
+    <dgm:txLinClrLst/>
+    <dgm:txFillClrLst meth="repeat">
+      <a:schemeClr val="dk1"/>
+    </dgm:txFillClrLst>
+    <dgm:txEffectClrLst/>
+  </dgm:styleLbl>
+  <dgm:styleLbl name="alignAccFollowNode1">
+    <dgm:fillClrLst meth="repeat">
+      <a:schemeClr val="accent1">
+        <a:alpha val="90000"/>
+        <a:tint val="40000"/>
+      </a:schemeClr>
+    </dgm:fillClrLst>
+    <dgm:linClrLst meth="repeat">
+      <a:schemeClr val="accent1">
+        <a:alpha val="90000"/>
+        <a:tint val="40000"/>
+      </a:schemeClr>
+    </dgm:linClrLst>
+    <dgm:effectClrLst/>
+    <dgm:txLinClrLst/>
+    <dgm:txFillClrLst meth="repeat">
+      <a:schemeClr val="dk1"/>
+    </dgm:txFillClrLst>
+    <dgm:txEffectClrLst/>
+  </dgm:styleLbl>
+  <dgm:styleLbl name="bgAccFollowNode1">
+    <dgm:fillClrLst meth="repeat">
+      <a:schemeClr val="accent1">
+        <a:alpha val="90000"/>
+        <a:tint val="40000"/>
+      </a:schemeClr>
+    </dgm:fillClrLst>
+    <dgm:linClrLst meth="repeat">
+      <a:schemeClr val="accent1">
+        <a:alpha val="90000"/>
+        <a:tint val="40000"/>
+      </a:schemeClr>
+    </dgm:linClrLst>
+    <dgm:effectClrLst/>
+    <dgm:txLinClrLst/>
+    <dgm:txFillClrLst meth="repeat">
+      <a:schemeClr val="dk1"/>
+    </dgm:txFillClrLst>
+    <dgm:txEffectClrLst/>
+  </dgm:styleLbl>
+  <dgm:styleLbl name="fgAcc0">
+    <dgm:fillClrLst meth="repeat">
+      <a:schemeClr val="lt1">
+        <a:alpha val="90000"/>
+      </a:schemeClr>
+    </dgm:fillClrLst>
+    <dgm:linClrLst meth="repeat">
+      <a:schemeClr val="accent1"/>
+    </dgm:linClrLst>
+    <dgm:effectClrLst/>
+    <dgm:txLinClrLst/>
+    <dgm:txFillClrLst meth="repeat">
+      <a:schemeClr val="dk1"/>
+    </dgm:txFillClrLst>
+    <dgm:txEffectClrLst/>
+  </dgm:styleLbl>
+  <dgm:styleLbl name="fgAcc2">
+    <dgm:fillClrLst meth="repeat">
+      <a:schemeClr val="lt1">
+        <a:alpha val="90000"/>
+      </a:schemeClr>
+    </dgm:fillClrLst>
+    <dgm:linClrLst meth="repeat">
+      <a:schemeClr val="accent1"/>
+    </dgm:linClrLst>
+    <dgm:effectClrLst/>
+    <dgm:txLinClrLst/>
+    <dgm:txFillClrLst meth="repeat">
+      <a:schemeClr val="dk1"/>
+    </dgm:txFillClrLst>
+    <dgm:txEffectClrLst/>
+  </dgm:styleLbl>
+  <dgm:styleLbl name="fgAcc3">
+    <dgm:fillClrLst meth="repeat">
+      <a:schemeClr val="lt1">
+        <a:alpha val="90000"/>
+      </a:schemeClr>
+    </dgm:fillClrLst>
+    <dgm:linClrLst meth="repeat">
+      <a:schemeClr val="accent1"/>
+    </dgm:linClrLst>
+    <dgm:effectClrLst/>
+    <dgm:txLinClrLst/>
+    <dgm:txFillClrLst meth="repeat">
+      <a:schemeClr val="dk1"/>
+    </dgm:txFillClrLst>
+    <dgm:txEffectClrLst/>
+  </dgm:styleLbl>
+  <dgm:styleLbl name="fgAcc4">
+    <dgm:fillClrLst meth="repeat">
+      <a:schemeClr val="lt1">
+        <a:alpha val="90000"/>
+      </a:schemeClr>
+    </dgm:fillClrLst>
+    <dgm:linClrLst meth="repeat">
+      <a:schemeClr val="accent1"/>
+    </dgm:linClrLst>
+    <dgm:effectClrLst/>
+    <dgm:txLinClrLst/>
+    <dgm:txFillClrLst meth="repeat">
+      <a:schemeClr val="dk1"/>
+    </dgm:txFillClrLst>
+    <dgm:txEffectClrLst/>
+  </dgm:styleLbl>
+  <dgm:styleLbl name="bgShp">
+    <dgm:fillClrLst meth="repeat">
+      <a:schemeClr val="accent1">
+        <a:tint val="40000"/>
+      </a:schemeClr>
+    </dgm:fillClrLst>
+    <dgm:linClrLst meth="repeat">
+      <a:schemeClr val="accent1"/>
+    </dgm:linClrLst>
+    <dgm:effectClrLst/>
+    <dgm:txLinClrLst/>
+    <dgm:txFillClrLst meth="repeat">
+      <a:schemeClr val="dk1"/>
+    </dgm:txFillClrLst>
+    <dgm:txEffectClrLst/>
+  </dgm:styleLbl>
+  <dgm:styleLbl name="dkBgShp">
+    <dgm:fillClrLst meth="repeat">
+      <a:schemeClr val="accent1">
+        <a:shade val="80000"/>
+      </a:schemeClr>
+    </dgm:fillClrLst>
+    <dgm:linClrLst meth="repeat">
+      <a:schemeClr val="accent1"/>
+    </dgm:linClrLst>
+    <dgm:effectClrLst/>
+    <dgm:txLinClrLst/>
+    <dgm:txFillClrLst meth="repeat">
+      <a:schemeClr val="lt1"/>
+    </dgm:txFillClrLst>
+    <dgm:txEffectClrLst/>
+  </dgm:styleLbl>
+  <dgm:styleLbl name="trBgShp">
+    <dgm:fillClrLst meth="repeat">
+      <a:schemeClr val="accent1">
+        <a:tint val="50000"/>
+        <a:alpha val="40000"/>
+      </a:schemeClr>
+    </dgm:fillClrLst>
+    <dgm:linClrLst meth="repeat">
+      <a:schemeClr val="accent1"/>
+    </dgm:linClrLst>
+    <dgm:effectClrLst/>
+    <dgm:txLinClrLst/>
+    <dgm:txFillClrLst meth="repeat">
+      <a:schemeClr val="lt1"/>
+    </dgm:txFillClrLst>
+    <dgm:txEffectClrLst/>
+  </dgm:styleLbl>
+  <dgm:styleLbl name="fgShp">
+    <dgm:fillClrLst meth="repeat">
+      <a:schemeClr val="accent1">
+        <a:tint val="60000"/>
+      </a:schemeClr>
+    </dgm:fillClrLst>
+    <dgm:linClrLst meth="repeat">
+      <a:schemeClr val="lt1"/>
+    </dgm:linClrLst>
+    <dgm:effectClrLst/>
+    <dgm:txLinClrLst/>
+    <dgm:txFillClrLst meth="repeat">
+      <a:schemeClr val="dk1"/>
+    </dgm:txFillClrLst>
+    <dgm:txEffectClrLst/>
+  </dgm:styleLbl>
+  <dgm:styleLbl name="revTx">
+    <dgm:fillClrLst meth="repeat">
+      <a:schemeClr val="lt1">
+        <a:alpha val="0"/>
+      </a:schemeClr>
+    </dgm:fillClrLst>
+    <dgm:linClrLst meth="repeat">
+      <a:schemeClr val="dk1">
+        <a:alpha val="0"/>
+      </a:schemeClr>
+    </dgm:linClrLst>
+    <dgm:effectClrLst/>
+    <dgm:txLinClrLst/>
+    <dgm:txFillClrLst meth="repeat">
+      <a:schemeClr val="tx1"/>
+    </dgm:txFillClrLst>
+    <dgm:txEffectClrLst/>
+  </dgm:styleLbl>
+</dgm:colorsDef>
+</file>
+
+<file path=ppt/diagrams/data1.xml><?xml version="1.0" encoding="utf-8"?>
+<dgm:dataModel xmlns:dgm="http://schemas.openxmlformats.org/drawingml/2006/diagram" xmlns:a="http://schemas.openxmlformats.org/drawingml/2006/main">
+  <dgm:ptLst>
+    <dgm:pt modelId="{44CB8261-8D5D-44A9-8541-3C0585FCE401}" type="doc">
+      <dgm:prSet loTypeId="urn:microsoft.com/office/officeart/2005/8/layout/hierarchy6" loCatId="hierarchy" qsTypeId="urn:microsoft.com/office/officeart/2005/8/quickstyle/simple1" qsCatId="simple" csTypeId="urn:microsoft.com/office/officeart/2005/8/colors/accent1_2" csCatId="accent1" phldr="1"/>
+      <dgm:spPr/>
+      <dgm:t>
+        <a:bodyPr/>
+        <a:lstStyle/>
+        <a:p>
+          <a:endParaRPr lang="en-US"/>
+        </a:p>
+      </dgm:t>
+    </dgm:pt>
+    <dgm:pt modelId="{B608153C-5F1A-4394-BB6C-35FCA989EA13}">
+      <dgm:prSet phldrT="[Text]"/>
+      <dgm:spPr/>
+      <dgm:t>
+        <a:bodyPr/>
+        <a:lstStyle/>
+        <a:p>
+          <a:r>
+            <a:rPr lang="en-US" dirty="0"/>
+            <a:t>15 participants</a:t>
+          </a:r>
+        </a:p>
+      </dgm:t>
+    </dgm:pt>
+    <dgm:pt modelId="{BA1D59CE-3F80-4712-8CE8-DFF809FE7BCC}" type="parTrans" cxnId="{DF763ED0-008A-4BD0-BCA3-6C6790486117}">
+      <dgm:prSet/>
+      <dgm:spPr/>
+      <dgm:t>
+        <a:bodyPr/>
+        <a:lstStyle/>
+        <a:p>
+          <a:endParaRPr lang="en-US"/>
+        </a:p>
+      </dgm:t>
+    </dgm:pt>
+    <dgm:pt modelId="{6486E586-8A7E-47F0-AEF2-789BD198B414}" type="sibTrans" cxnId="{DF763ED0-008A-4BD0-BCA3-6C6790486117}">
+      <dgm:prSet/>
+      <dgm:spPr/>
+      <dgm:t>
+        <a:bodyPr/>
+        <a:lstStyle/>
+        <a:p>
+          <a:endParaRPr lang="en-US"/>
+        </a:p>
+      </dgm:t>
+    </dgm:pt>
+    <dgm:pt modelId="{1B2E4120-465B-4EBA-A7A0-D6A77698E906}">
+      <dgm:prSet phldrT="[Text]"/>
+      <dgm:spPr/>
+      <dgm:t>
+        <a:bodyPr/>
+        <a:lstStyle/>
+        <a:p>
+          <a:r>
+            <a:rPr lang="en-US" b="1" dirty="0"/>
+            <a:t>ANT</a:t>
+          </a:r>
+          <a:br>
+            <a:rPr lang="en-US" dirty="0"/>
+          </a:br>
+          <a:r>
+            <a:rPr lang="en-US" dirty="0"/>
+            <a:t>T</a:t>
+          </a:r>
+          <a:r>
+            <a:rPr lang="en-US" baseline="-25000" dirty="0"/>
+            <a:t>1</a:t>
+          </a:r>
+          <a:r>
+            <a:rPr lang="en-US" dirty="0"/>
+            <a:t>, T</a:t>
+          </a:r>
+          <a:r>
+            <a:rPr lang="en-US" baseline="-25000" dirty="0"/>
+            <a:t>2</a:t>
+          </a:r>
+          <a:r>
+            <a:rPr lang="en-US" dirty="0"/>
+            <a:t>, T</a:t>
+          </a:r>
+          <a:r>
+            <a:rPr lang="en-US" baseline="-25000" dirty="0"/>
+            <a:t>3</a:t>
+          </a:r>
+          <a:r>
+            <a:rPr lang="en-US" dirty="0"/>
+            <a:t>, T</a:t>
+          </a:r>
+          <a:r>
+            <a:rPr lang="en-US" baseline="-25000" dirty="0"/>
+            <a:t>4</a:t>
+          </a:r>
+        </a:p>
+      </dgm:t>
+    </dgm:pt>
+    <dgm:pt modelId="{A400AA1E-9FDC-4C3B-A1D7-61356E969535}" type="parTrans" cxnId="{E31E1C12-6320-4D59-BCAE-604158369EBB}">
+      <dgm:prSet/>
+      <dgm:spPr/>
+      <dgm:t>
+        <a:bodyPr/>
+        <a:lstStyle/>
+        <a:p>
+          <a:endParaRPr lang="en-US"/>
+        </a:p>
+      </dgm:t>
+    </dgm:pt>
+    <dgm:pt modelId="{A5B3998C-AFE9-4DB5-8672-E1D9C635DFF9}" type="sibTrans" cxnId="{E31E1C12-6320-4D59-BCAE-604158369EBB}">
+      <dgm:prSet/>
+      <dgm:spPr/>
+      <dgm:t>
+        <a:bodyPr/>
+        <a:lstStyle/>
+        <a:p>
+          <a:endParaRPr lang="en-US"/>
+        </a:p>
+      </dgm:t>
+    </dgm:pt>
+    <dgm:pt modelId="{A06B4F95-3205-4CAB-96F6-60A44DDE7B51}">
+      <dgm:prSet phldrT="[Text]"/>
+      <dgm:spPr/>
+      <dgm:t>
+        <a:bodyPr/>
+        <a:lstStyle/>
+        <a:p>
+          <a:r>
+            <a:rPr lang="en-US" dirty="0"/>
+            <a:t>-Model fit</a:t>
+          </a:r>
+          <a:br>
+            <a:rPr lang="en-US" dirty="0"/>
+          </a:br>
+          <a:r>
+            <a:rPr lang="en-US" dirty="0"/>
+            <a:t>-Longitudinal</a:t>
+          </a:r>
+          <a:br>
+            <a:rPr lang="en-US" dirty="0"/>
+          </a:br>
+          <a:r>
+            <a:rPr lang="en-US" dirty="0"/>
+            <a:t>-Stress</a:t>
+          </a:r>
+        </a:p>
+      </dgm:t>
+    </dgm:pt>
+    <dgm:pt modelId="{4A9C0D9C-AD82-4EE6-86D8-30930BCE83B5}" type="parTrans" cxnId="{1B3724FF-88A3-4A0D-A8C0-F57C17D69645}">
+      <dgm:prSet/>
+      <dgm:spPr/>
+      <dgm:t>
+        <a:bodyPr/>
+        <a:lstStyle/>
+        <a:p>
+          <a:endParaRPr lang="en-US"/>
+        </a:p>
+      </dgm:t>
+    </dgm:pt>
+    <dgm:pt modelId="{A39E03AA-BEB4-402B-8F7E-979330102CED}" type="sibTrans" cxnId="{1B3724FF-88A3-4A0D-A8C0-F57C17D69645}">
+      <dgm:prSet/>
+      <dgm:spPr/>
+      <dgm:t>
+        <a:bodyPr/>
+        <a:lstStyle/>
+        <a:p>
+          <a:endParaRPr lang="en-US"/>
+        </a:p>
+      </dgm:t>
+    </dgm:pt>
+    <dgm:pt modelId="{1DD46D84-708E-4790-A5EE-3591153D3479}">
+      <dgm:prSet phldrT="[Text]"/>
+      <dgm:spPr/>
+      <dgm:t>
+        <a:bodyPr/>
+        <a:lstStyle/>
+        <a:p>
+          <a:r>
+            <a:rPr lang="en-US" b="1" dirty="0"/>
+            <a:t>OSARI</a:t>
+          </a:r>
+          <a:br>
+            <a:rPr lang="en-US" dirty="0"/>
+          </a:br>
+          <a:r>
+            <a:rPr lang="en-US" dirty="0"/>
+            <a:t>T</a:t>
+          </a:r>
+          <a:r>
+            <a:rPr lang="en-US" baseline="-25000" dirty="0"/>
+            <a:t>1</a:t>
+          </a:r>
+          <a:r>
+            <a:rPr lang="en-US" dirty="0"/>
+            <a:t>, T</a:t>
+          </a:r>
+          <a:r>
+            <a:rPr lang="en-US" baseline="-25000" dirty="0"/>
+            <a:t>2</a:t>
+          </a:r>
+          <a:r>
+            <a:rPr lang="en-US" dirty="0"/>
+            <a:t>, T</a:t>
+          </a:r>
+          <a:r>
+            <a:rPr lang="en-US" baseline="-25000" dirty="0"/>
+            <a:t>3</a:t>
+          </a:r>
+          <a:r>
+            <a:rPr lang="en-US" dirty="0"/>
+            <a:t>, T</a:t>
+          </a:r>
+          <a:r>
+            <a:rPr lang="en-US" baseline="-25000" dirty="0"/>
+            <a:t>4</a:t>
+          </a:r>
+          <a:endParaRPr lang="en-US" dirty="0"/>
+        </a:p>
+      </dgm:t>
+    </dgm:pt>
+    <dgm:pt modelId="{CBEF3B9A-46A5-4232-818E-DECC96B53EA4}" type="parTrans" cxnId="{E52866B2-112E-4C60-AC51-ABBD6054F16C}">
+      <dgm:prSet/>
+      <dgm:spPr/>
+      <dgm:t>
+        <a:bodyPr/>
+        <a:lstStyle/>
+        <a:p>
+          <a:endParaRPr lang="en-US"/>
+        </a:p>
+      </dgm:t>
+    </dgm:pt>
+    <dgm:pt modelId="{B7687EF4-F99A-433C-A6B1-27DD0AE7EBC1}" type="sibTrans" cxnId="{E52866B2-112E-4C60-AC51-ABBD6054F16C}">
+      <dgm:prSet/>
+      <dgm:spPr/>
+      <dgm:t>
+        <a:bodyPr/>
+        <a:lstStyle/>
+        <a:p>
+          <a:endParaRPr lang="en-US"/>
+        </a:p>
+      </dgm:t>
+    </dgm:pt>
+    <dgm:pt modelId="{873C2BB3-CA79-4C7D-B94C-7FDD70DD57AE}">
+      <dgm:prSet phldrT="[Text]"/>
+      <dgm:spPr/>
+      <dgm:t>
+        <a:bodyPr/>
+        <a:lstStyle/>
+        <a:p>
+          <a:r>
+            <a:rPr lang="en-US" b="1" u="none" dirty="0"/>
+            <a:t>DNB</a:t>
+          </a:r>
+          <a:br>
+            <a:rPr lang="en-US" dirty="0"/>
+          </a:br>
+          <a:r>
+            <a:rPr lang="en-US" dirty="0"/>
+            <a:t>T</a:t>
+          </a:r>
+          <a:r>
+            <a:rPr lang="en-US" baseline="-25000" dirty="0"/>
+            <a:t>1</a:t>
+          </a:r>
+          <a:r>
+            <a:rPr lang="en-US" dirty="0"/>
+            <a:t>, T</a:t>
+          </a:r>
+          <a:r>
+            <a:rPr lang="en-US" baseline="-25000" dirty="0"/>
+            <a:t>2</a:t>
+          </a:r>
+          <a:r>
+            <a:rPr lang="en-US" dirty="0"/>
+            <a:t>, T</a:t>
+          </a:r>
+          <a:r>
+            <a:rPr lang="en-US" baseline="-25000" dirty="0"/>
+            <a:t>3</a:t>
+          </a:r>
+          <a:r>
+            <a:rPr lang="en-US" dirty="0"/>
+            <a:t>, T</a:t>
+          </a:r>
+          <a:r>
+            <a:rPr lang="en-US" baseline="-25000" dirty="0"/>
+            <a:t>4</a:t>
+          </a:r>
+          <a:endParaRPr lang="en-US" dirty="0"/>
+        </a:p>
+      </dgm:t>
+    </dgm:pt>
+    <dgm:pt modelId="{71725EAD-40FE-4CA4-83F0-CB7984DE8E5F}" type="parTrans" cxnId="{3C924F7F-A5BC-4F0B-AB8B-F2D3F2577E08}">
+      <dgm:prSet/>
+      <dgm:spPr/>
+      <dgm:t>
+        <a:bodyPr/>
+        <a:lstStyle/>
+        <a:p>
+          <a:endParaRPr lang="en-US"/>
+        </a:p>
+      </dgm:t>
+    </dgm:pt>
+    <dgm:pt modelId="{E2F10249-B9EA-46D1-A3A4-212CA930546A}" type="sibTrans" cxnId="{3C924F7F-A5BC-4F0B-AB8B-F2D3F2577E08}">
+      <dgm:prSet/>
+      <dgm:spPr/>
+      <dgm:t>
+        <a:bodyPr/>
+        <a:lstStyle/>
+        <a:p>
+          <a:endParaRPr lang="en-US"/>
+        </a:p>
+      </dgm:t>
+    </dgm:pt>
+    <dgm:pt modelId="{301019BD-9BA0-42F8-84A6-9FD310371C0D}">
+      <dgm:prSet phldrT="[Text]"/>
+      <dgm:spPr/>
+      <dgm:t>
+        <a:bodyPr/>
+        <a:lstStyle/>
+        <a:p>
+          <a:r>
+            <a:rPr lang="en-US" dirty="0"/>
+            <a:t>-Model fit</a:t>
+          </a:r>
+          <a:br>
+            <a:rPr lang="en-US" dirty="0"/>
+          </a:br>
+          <a:r>
+            <a:rPr lang="en-US" dirty="0"/>
+            <a:t>-Longitudinal</a:t>
+          </a:r>
+          <a:br>
+            <a:rPr lang="en-US" dirty="0"/>
+          </a:br>
+          <a:r>
+            <a:rPr lang="en-US" dirty="0"/>
+            <a:t>-Stress</a:t>
+          </a:r>
+        </a:p>
+      </dgm:t>
+    </dgm:pt>
+    <dgm:pt modelId="{6B7FCB17-DB24-4034-856C-61FB1F77D3A2}" type="parTrans" cxnId="{84E8349E-20ED-4C46-B50A-32B1ECB0BDCF}">
+      <dgm:prSet/>
+      <dgm:spPr/>
+      <dgm:t>
+        <a:bodyPr/>
+        <a:lstStyle/>
+        <a:p>
+          <a:endParaRPr lang="en-US"/>
+        </a:p>
+      </dgm:t>
+    </dgm:pt>
+    <dgm:pt modelId="{5262A437-9B9D-4D1B-9461-7B6A36700D1C}" type="sibTrans" cxnId="{84E8349E-20ED-4C46-B50A-32B1ECB0BDCF}">
+      <dgm:prSet/>
+      <dgm:spPr/>
+      <dgm:t>
+        <a:bodyPr/>
+        <a:lstStyle/>
+        <a:p>
+          <a:endParaRPr lang="en-US"/>
+        </a:p>
+      </dgm:t>
+    </dgm:pt>
+    <dgm:pt modelId="{4BDB590E-2EB8-4F71-B5AE-E62D22E3D648}">
+      <dgm:prSet phldrT="[Text]"/>
+      <dgm:spPr/>
+      <dgm:t>
+        <a:bodyPr/>
+        <a:lstStyle/>
+        <a:p>
+          <a:r>
+            <a:rPr lang="en-US" dirty="0"/>
+            <a:t>Recruitment</a:t>
+          </a:r>
+        </a:p>
+      </dgm:t>
+    </dgm:pt>
+    <dgm:pt modelId="{B73A34DC-927B-48A9-9D53-B319AE8FCFD9}" type="parTrans" cxnId="{7662A95F-E7EB-4B35-B31D-A944CD3909E0}">
+      <dgm:prSet/>
+      <dgm:spPr/>
+      <dgm:t>
+        <a:bodyPr/>
+        <a:lstStyle/>
+        <a:p>
+          <a:endParaRPr lang="en-US"/>
+        </a:p>
+      </dgm:t>
+    </dgm:pt>
+    <dgm:pt modelId="{AFB982D4-5D00-49A9-9D5C-D0F7C20FAB1F}" type="sibTrans" cxnId="{7662A95F-E7EB-4B35-B31D-A944CD3909E0}">
+      <dgm:prSet/>
+      <dgm:spPr/>
+      <dgm:t>
+        <a:bodyPr/>
+        <a:lstStyle/>
+        <a:p>
+          <a:endParaRPr lang="en-US"/>
+        </a:p>
+      </dgm:t>
+    </dgm:pt>
+    <dgm:pt modelId="{33622A0B-ACB5-4E4F-A871-9A82569E45AB}">
+      <dgm:prSet phldrT="[Text]"/>
+      <dgm:spPr/>
+      <dgm:t>
+        <a:bodyPr/>
+        <a:lstStyle/>
+        <a:p>
+          <a:r>
+            <a:rPr lang="en-US" dirty="0"/>
+            <a:t>Data Collection</a:t>
+          </a:r>
+        </a:p>
+      </dgm:t>
+    </dgm:pt>
+    <dgm:pt modelId="{112DD034-9E4F-42AE-ABF7-49D22E327F75}" type="parTrans" cxnId="{A0BF3138-8723-449E-B62C-D057F74D2D65}">
+      <dgm:prSet/>
+      <dgm:spPr/>
+      <dgm:t>
+        <a:bodyPr/>
+        <a:lstStyle/>
+        <a:p>
+          <a:endParaRPr lang="en-US"/>
+        </a:p>
+      </dgm:t>
+    </dgm:pt>
+    <dgm:pt modelId="{F6E4D136-5F8C-48DC-B3F9-2338A0D3D0CC}" type="sibTrans" cxnId="{A0BF3138-8723-449E-B62C-D057F74D2D65}">
+      <dgm:prSet/>
+      <dgm:spPr/>
+      <dgm:t>
+        <a:bodyPr/>
+        <a:lstStyle/>
+        <a:p>
+          <a:endParaRPr lang="en-US"/>
+        </a:p>
+      </dgm:t>
+    </dgm:pt>
+    <dgm:pt modelId="{0A3800F0-2E3E-4181-BD05-DDE5D03737E0}">
+      <dgm:prSet phldrT="[Text]"/>
+      <dgm:spPr/>
+      <dgm:t>
+        <a:bodyPr/>
+        <a:lstStyle/>
+        <a:p>
+          <a:r>
+            <a:rPr lang="en-US" dirty="0"/>
+            <a:t>Analysis</a:t>
+          </a:r>
+        </a:p>
+      </dgm:t>
+    </dgm:pt>
+    <dgm:pt modelId="{1E366CF4-CFBC-4B81-BADE-72FD1ABF1435}" type="parTrans" cxnId="{609C1183-F222-423E-8A3B-227FA85FAD86}">
+      <dgm:prSet/>
+      <dgm:spPr/>
+      <dgm:t>
+        <a:bodyPr/>
+        <a:lstStyle/>
+        <a:p>
+          <a:endParaRPr lang="en-US"/>
+        </a:p>
+      </dgm:t>
+    </dgm:pt>
+    <dgm:pt modelId="{D0B2BC0C-1549-4BD8-954A-95B35D701878}" type="sibTrans" cxnId="{609C1183-F222-423E-8A3B-227FA85FAD86}">
+      <dgm:prSet/>
+      <dgm:spPr/>
+      <dgm:t>
+        <a:bodyPr/>
+        <a:lstStyle/>
+        <a:p>
+          <a:endParaRPr lang="en-US"/>
+        </a:p>
+      </dgm:t>
+    </dgm:pt>
+    <dgm:pt modelId="{68644EF1-B414-4134-A9D7-E8AC8FF6605C}">
+      <dgm:prSet phldrT="[Text]"/>
+      <dgm:spPr/>
+      <dgm:t>
+        <a:bodyPr/>
+        <a:lstStyle/>
+        <a:p>
+          <a:r>
+            <a:rPr lang="en-US" dirty="0"/>
+            <a:t>-Model fit</a:t>
+          </a:r>
+          <a:br>
+            <a:rPr lang="en-US" dirty="0"/>
+          </a:br>
+          <a:r>
+            <a:rPr lang="en-US" dirty="0"/>
+            <a:t>-Longitudinal</a:t>
+          </a:r>
+          <a:br>
+            <a:rPr lang="en-US" dirty="0"/>
+          </a:br>
+          <a:r>
+            <a:rPr lang="en-US" dirty="0"/>
+            <a:t>-Stress</a:t>
+          </a:r>
+        </a:p>
+      </dgm:t>
+    </dgm:pt>
+    <dgm:pt modelId="{502846D3-11ED-4D2D-823B-51E7F4AEBDAF}" type="parTrans" cxnId="{A74E6376-CBA8-4FAD-A7D4-A046436C2169}">
+      <dgm:prSet/>
+      <dgm:spPr/>
+    </dgm:pt>
+    <dgm:pt modelId="{A551C66B-E27A-43D8-8448-07880D1571A4}" type="sibTrans" cxnId="{A74E6376-CBA8-4FAD-A7D4-A046436C2169}">
+      <dgm:prSet/>
+      <dgm:spPr/>
+    </dgm:pt>
+    <dgm:pt modelId="{6EE63FEF-9040-4368-B59E-9DD976AF5203}" type="pres">
+      <dgm:prSet presAssocID="{44CB8261-8D5D-44A9-8541-3C0585FCE401}" presName="mainComposite" presStyleCnt="0">
+        <dgm:presLayoutVars>
+          <dgm:chPref val="1"/>
+          <dgm:dir/>
+          <dgm:animOne val="branch"/>
+          <dgm:animLvl val="lvl"/>
+          <dgm:resizeHandles val="exact"/>
+        </dgm:presLayoutVars>
+      </dgm:prSet>
+      <dgm:spPr/>
+    </dgm:pt>
+    <dgm:pt modelId="{E83AF249-6990-4673-B500-C293CC6B3331}" type="pres">
+      <dgm:prSet presAssocID="{44CB8261-8D5D-44A9-8541-3C0585FCE401}" presName="hierFlow" presStyleCnt="0"/>
+      <dgm:spPr/>
+    </dgm:pt>
+    <dgm:pt modelId="{03E97554-329F-440C-A6AC-BB160597E8AA}" type="pres">
+      <dgm:prSet presAssocID="{44CB8261-8D5D-44A9-8541-3C0585FCE401}" presName="firstBuf" presStyleCnt="0"/>
+      <dgm:spPr/>
+    </dgm:pt>
+    <dgm:pt modelId="{C26C0E8E-4D56-4CDB-9822-651F4174423A}" type="pres">
+      <dgm:prSet presAssocID="{44CB8261-8D5D-44A9-8541-3C0585FCE401}" presName="hierChild1" presStyleCnt="0">
+        <dgm:presLayoutVars>
+          <dgm:chPref val="1"/>
+          <dgm:animOne val="branch"/>
+          <dgm:animLvl val="lvl"/>
+        </dgm:presLayoutVars>
+      </dgm:prSet>
+      <dgm:spPr/>
+    </dgm:pt>
+    <dgm:pt modelId="{FC42EE91-8CD6-4BF8-9A7D-5FA6DDF14A18}" type="pres">
+      <dgm:prSet presAssocID="{B608153C-5F1A-4394-BB6C-35FCA989EA13}" presName="Name14" presStyleCnt="0"/>
+      <dgm:spPr/>
+    </dgm:pt>
+    <dgm:pt modelId="{9E3F68CE-96E9-4AE6-AFC1-8B56F89246F5}" type="pres">
+      <dgm:prSet presAssocID="{B608153C-5F1A-4394-BB6C-35FCA989EA13}" presName="level1Shape" presStyleLbl="node0" presStyleIdx="0" presStyleCnt="1">
+        <dgm:presLayoutVars>
+          <dgm:chPref val="3"/>
+        </dgm:presLayoutVars>
+      </dgm:prSet>
+      <dgm:spPr/>
+    </dgm:pt>
+    <dgm:pt modelId="{C1076CC9-E09E-47A1-9A94-CB5B69CD50DA}" type="pres">
+      <dgm:prSet presAssocID="{B608153C-5F1A-4394-BB6C-35FCA989EA13}" presName="hierChild2" presStyleCnt="0"/>
+      <dgm:spPr/>
+    </dgm:pt>
+    <dgm:pt modelId="{71DA84F3-AC65-4105-B36D-F5DB62821FFB}" type="pres">
+      <dgm:prSet presAssocID="{A400AA1E-9FDC-4C3B-A1D7-61356E969535}" presName="Name19" presStyleLbl="parChTrans1D2" presStyleIdx="0" presStyleCnt="3"/>
+      <dgm:spPr/>
+    </dgm:pt>
+    <dgm:pt modelId="{A15C7B54-45F0-4A07-B7DD-78DC117F9B26}" type="pres">
+      <dgm:prSet presAssocID="{1B2E4120-465B-4EBA-A7A0-D6A77698E906}" presName="Name21" presStyleCnt="0"/>
+      <dgm:spPr/>
+    </dgm:pt>
+    <dgm:pt modelId="{9E2BB173-E137-444B-912A-56455E8A6D90}" type="pres">
+      <dgm:prSet presAssocID="{1B2E4120-465B-4EBA-A7A0-D6A77698E906}" presName="level2Shape" presStyleLbl="node2" presStyleIdx="0" presStyleCnt="3" custScaleX="125571" custLinFactNeighborY="8281"/>
+      <dgm:spPr/>
+    </dgm:pt>
+    <dgm:pt modelId="{9548D0A7-B59A-4F2C-BCCB-42A9F766A701}" type="pres">
+      <dgm:prSet presAssocID="{1B2E4120-465B-4EBA-A7A0-D6A77698E906}" presName="hierChild3" presStyleCnt="0"/>
+      <dgm:spPr/>
+    </dgm:pt>
+    <dgm:pt modelId="{AC6CBD40-2846-49C8-A4F3-AF2D1FBF1F67}" type="pres">
+      <dgm:prSet presAssocID="{4A9C0D9C-AD82-4EE6-86D8-30930BCE83B5}" presName="Name19" presStyleLbl="parChTrans1D3" presStyleIdx="0" presStyleCnt="3"/>
+      <dgm:spPr/>
+    </dgm:pt>
+    <dgm:pt modelId="{7B98B689-7158-451C-A66C-8A943B300EFA}" type="pres">
+      <dgm:prSet presAssocID="{A06B4F95-3205-4CAB-96F6-60A44DDE7B51}" presName="Name21" presStyleCnt="0"/>
+      <dgm:spPr/>
+    </dgm:pt>
+    <dgm:pt modelId="{ECAD4D8A-1BA0-4B88-A865-2DB0D6C82B8D}" type="pres">
+      <dgm:prSet presAssocID="{A06B4F95-3205-4CAB-96F6-60A44DDE7B51}" presName="level2Shape" presStyleLbl="node3" presStyleIdx="0" presStyleCnt="3" custScaleX="125571" custLinFactNeighborY="8281"/>
+      <dgm:spPr/>
+    </dgm:pt>
+    <dgm:pt modelId="{A4E72397-E75B-4E8F-ACFB-59BBF53F694A}" type="pres">
+      <dgm:prSet presAssocID="{A06B4F95-3205-4CAB-96F6-60A44DDE7B51}" presName="hierChild3" presStyleCnt="0"/>
+      <dgm:spPr/>
+    </dgm:pt>
+    <dgm:pt modelId="{73C42B6D-41B0-4D45-A3BA-B78D32C01175}" type="pres">
+      <dgm:prSet presAssocID="{CBEF3B9A-46A5-4232-818E-DECC96B53EA4}" presName="Name19" presStyleLbl="parChTrans1D2" presStyleIdx="1" presStyleCnt="3"/>
+      <dgm:spPr/>
+    </dgm:pt>
+    <dgm:pt modelId="{2700F92F-0826-4BFA-8678-969DEABB348A}" type="pres">
+      <dgm:prSet presAssocID="{1DD46D84-708E-4790-A5EE-3591153D3479}" presName="Name21" presStyleCnt="0"/>
+      <dgm:spPr/>
+    </dgm:pt>
+    <dgm:pt modelId="{5DCF48DF-9F58-4CD1-BF46-7E0170416564}" type="pres">
+      <dgm:prSet presAssocID="{1DD46D84-708E-4790-A5EE-3591153D3479}" presName="level2Shape" presStyleLbl="node2" presStyleIdx="1" presStyleCnt="3" custScaleX="125571" custLinFactNeighborY="8281"/>
+      <dgm:spPr/>
+    </dgm:pt>
+    <dgm:pt modelId="{B67B9999-F97C-4678-B814-986730C73A17}" type="pres">
+      <dgm:prSet presAssocID="{1DD46D84-708E-4790-A5EE-3591153D3479}" presName="hierChild3" presStyleCnt="0"/>
+      <dgm:spPr/>
+    </dgm:pt>
+    <dgm:pt modelId="{01371829-483F-4C6E-A8C8-E393508F8D52}" type="pres">
+      <dgm:prSet presAssocID="{502846D3-11ED-4D2D-823B-51E7F4AEBDAF}" presName="Name19" presStyleLbl="parChTrans1D3" presStyleIdx="1" presStyleCnt="3"/>
+      <dgm:spPr/>
+    </dgm:pt>
+    <dgm:pt modelId="{6AD38B29-96C0-4A45-B22E-3352F68DD7C1}" type="pres">
+      <dgm:prSet presAssocID="{68644EF1-B414-4134-A9D7-E8AC8FF6605C}" presName="Name21" presStyleCnt="0"/>
+      <dgm:spPr/>
+    </dgm:pt>
+    <dgm:pt modelId="{CD724AB6-701F-453F-9D03-67770BBB3411}" type="pres">
+      <dgm:prSet presAssocID="{68644EF1-B414-4134-A9D7-E8AC8FF6605C}" presName="level2Shape" presStyleLbl="node3" presStyleIdx="1" presStyleCnt="3" custScaleX="125571" custLinFactNeighborY="8281"/>
+      <dgm:spPr/>
+    </dgm:pt>
+    <dgm:pt modelId="{2C9E1A5E-04DC-40D9-9BE2-492778DFD501}" type="pres">
+      <dgm:prSet presAssocID="{68644EF1-B414-4134-A9D7-E8AC8FF6605C}" presName="hierChild3" presStyleCnt="0"/>
+      <dgm:spPr/>
+    </dgm:pt>
+    <dgm:pt modelId="{DB35CE40-1BCB-4D28-B7AB-EFE2EB0715F5}" type="pres">
+      <dgm:prSet presAssocID="{71725EAD-40FE-4CA4-83F0-CB7984DE8E5F}" presName="Name19" presStyleLbl="parChTrans1D2" presStyleIdx="2" presStyleCnt="3"/>
+      <dgm:spPr/>
+    </dgm:pt>
+    <dgm:pt modelId="{DC9C9DD0-E1E1-4818-B6C1-CACF22E5DF09}" type="pres">
+      <dgm:prSet presAssocID="{873C2BB3-CA79-4C7D-B94C-7FDD70DD57AE}" presName="Name21" presStyleCnt="0"/>
+      <dgm:spPr/>
+    </dgm:pt>
+    <dgm:pt modelId="{027FDAA8-24BB-409C-B310-051758028F0F}" type="pres">
+      <dgm:prSet presAssocID="{873C2BB3-CA79-4C7D-B94C-7FDD70DD57AE}" presName="level2Shape" presStyleLbl="node2" presStyleIdx="2" presStyleCnt="3" custScaleX="125571" custLinFactNeighborY="8281"/>
+      <dgm:spPr/>
+    </dgm:pt>
+    <dgm:pt modelId="{56435C96-CB4B-4C7C-849F-F553CF3FE10B}" type="pres">
+      <dgm:prSet presAssocID="{873C2BB3-CA79-4C7D-B94C-7FDD70DD57AE}" presName="hierChild3" presStyleCnt="0"/>
+      <dgm:spPr/>
+    </dgm:pt>
+    <dgm:pt modelId="{08EA7D92-0FD5-4C3F-9EE2-341E6168AEE7}" type="pres">
+      <dgm:prSet presAssocID="{6B7FCB17-DB24-4034-856C-61FB1F77D3A2}" presName="Name19" presStyleLbl="parChTrans1D3" presStyleIdx="2" presStyleCnt="3"/>
+      <dgm:spPr/>
+    </dgm:pt>
+    <dgm:pt modelId="{83EB1FB2-FC68-4A51-8A1E-1E28EAE3FD3F}" type="pres">
+      <dgm:prSet presAssocID="{301019BD-9BA0-42F8-84A6-9FD310371C0D}" presName="Name21" presStyleCnt="0"/>
+      <dgm:spPr/>
+    </dgm:pt>
+    <dgm:pt modelId="{7DC0006D-CB18-46A0-A977-6648E670EDC1}" type="pres">
+      <dgm:prSet presAssocID="{301019BD-9BA0-42F8-84A6-9FD310371C0D}" presName="level2Shape" presStyleLbl="node3" presStyleIdx="2" presStyleCnt="3" custScaleX="125571" custLinFactNeighborY="8281"/>
+      <dgm:spPr/>
+    </dgm:pt>
+    <dgm:pt modelId="{E297A865-9B86-4D17-8EFA-4E271A7CA13E}" type="pres">
+      <dgm:prSet presAssocID="{301019BD-9BA0-42F8-84A6-9FD310371C0D}" presName="hierChild3" presStyleCnt="0"/>
+      <dgm:spPr/>
+    </dgm:pt>
+    <dgm:pt modelId="{BA9924A6-5E7A-401E-9820-BCCDAEAA45F8}" type="pres">
+      <dgm:prSet presAssocID="{44CB8261-8D5D-44A9-8541-3C0585FCE401}" presName="bgShapesFlow" presStyleCnt="0"/>
+      <dgm:spPr/>
+    </dgm:pt>
+    <dgm:pt modelId="{5A02C3ED-F80E-4D28-88EC-4CBF9FDDD5A8}" type="pres">
+      <dgm:prSet presAssocID="{4BDB590E-2EB8-4F71-B5AE-E62D22E3D648}" presName="rectComp" presStyleCnt="0"/>
+      <dgm:spPr/>
+    </dgm:pt>
+    <dgm:pt modelId="{05BBA01A-25A7-460A-9B98-093BA71B0C2B}" type="pres">
+      <dgm:prSet presAssocID="{4BDB590E-2EB8-4F71-B5AE-E62D22E3D648}" presName="bgRect" presStyleLbl="bgShp" presStyleIdx="0" presStyleCnt="3"/>
+      <dgm:spPr/>
+    </dgm:pt>
+    <dgm:pt modelId="{A7962C83-BDA1-49AB-9E06-7C7B14D1B9C8}" type="pres">
+      <dgm:prSet presAssocID="{4BDB590E-2EB8-4F71-B5AE-E62D22E3D648}" presName="bgRectTx" presStyleLbl="bgShp" presStyleIdx="0" presStyleCnt="3">
+        <dgm:presLayoutVars>
+          <dgm:bulletEnabled val="1"/>
+        </dgm:presLayoutVars>
+      </dgm:prSet>
+      <dgm:spPr/>
+    </dgm:pt>
+    <dgm:pt modelId="{C63DE214-E540-4523-8928-CD65EEAF2E6C}" type="pres">
+      <dgm:prSet presAssocID="{4BDB590E-2EB8-4F71-B5AE-E62D22E3D648}" presName="spComp" presStyleCnt="0"/>
+      <dgm:spPr/>
+    </dgm:pt>
+    <dgm:pt modelId="{DE28B1C8-BD4B-4F7F-922B-39D07768AE56}" type="pres">
+      <dgm:prSet presAssocID="{4BDB590E-2EB8-4F71-B5AE-E62D22E3D648}" presName="vSp" presStyleCnt="0"/>
+      <dgm:spPr/>
+    </dgm:pt>
+    <dgm:pt modelId="{11493036-9E3A-4477-952A-2BB8DFD84DCA}" type="pres">
+      <dgm:prSet presAssocID="{33622A0B-ACB5-4E4F-A871-9A82569E45AB}" presName="rectComp" presStyleCnt="0"/>
+      <dgm:spPr/>
+    </dgm:pt>
+    <dgm:pt modelId="{CE3E070E-73BF-45D3-80C3-759801C3B910}" type="pres">
+      <dgm:prSet presAssocID="{33622A0B-ACB5-4E4F-A871-9A82569E45AB}" presName="bgRect" presStyleLbl="bgShp" presStyleIdx="1" presStyleCnt="3"/>
+      <dgm:spPr/>
+    </dgm:pt>
+    <dgm:pt modelId="{810E4820-0E45-45C8-9428-70BAFBA145DB}" type="pres">
+      <dgm:prSet presAssocID="{33622A0B-ACB5-4E4F-A871-9A82569E45AB}" presName="bgRectTx" presStyleLbl="bgShp" presStyleIdx="1" presStyleCnt="3">
+        <dgm:presLayoutVars>
+          <dgm:bulletEnabled val="1"/>
+        </dgm:presLayoutVars>
+      </dgm:prSet>
+      <dgm:spPr/>
+    </dgm:pt>
+    <dgm:pt modelId="{2F43EF7B-966D-49A6-9561-5D06629EB363}" type="pres">
+      <dgm:prSet presAssocID="{33622A0B-ACB5-4E4F-A871-9A82569E45AB}" presName="spComp" presStyleCnt="0"/>
+      <dgm:spPr/>
+    </dgm:pt>
+    <dgm:pt modelId="{5C80895C-621A-416C-BB37-A5A1F03F013D}" type="pres">
+      <dgm:prSet presAssocID="{33622A0B-ACB5-4E4F-A871-9A82569E45AB}" presName="vSp" presStyleCnt="0"/>
+      <dgm:spPr/>
+    </dgm:pt>
+    <dgm:pt modelId="{3547926F-A05C-4288-9DAA-8CE835C9D5E4}" type="pres">
+      <dgm:prSet presAssocID="{0A3800F0-2E3E-4181-BD05-DDE5D03737E0}" presName="rectComp" presStyleCnt="0"/>
+      <dgm:spPr/>
+    </dgm:pt>
+    <dgm:pt modelId="{2DB21C02-F622-44A0-9A38-92ABA044750A}" type="pres">
+      <dgm:prSet presAssocID="{0A3800F0-2E3E-4181-BD05-DDE5D03737E0}" presName="bgRect" presStyleLbl="bgShp" presStyleIdx="2" presStyleCnt="3"/>
+      <dgm:spPr/>
+    </dgm:pt>
+    <dgm:pt modelId="{5E7F1FAB-B1E7-4277-BB0F-595DE8D5EE36}" type="pres">
+      <dgm:prSet presAssocID="{0A3800F0-2E3E-4181-BD05-DDE5D03737E0}" presName="bgRectTx" presStyleLbl="bgShp" presStyleIdx="2" presStyleCnt="3">
+        <dgm:presLayoutVars>
+          <dgm:bulletEnabled val="1"/>
+        </dgm:presLayoutVars>
+      </dgm:prSet>
+      <dgm:spPr/>
+    </dgm:pt>
+  </dgm:ptLst>
+  <dgm:cxnLst>
+    <dgm:cxn modelId="{E31E1C12-6320-4D59-BCAE-604158369EBB}" srcId="{B608153C-5F1A-4394-BB6C-35FCA989EA13}" destId="{1B2E4120-465B-4EBA-A7A0-D6A77698E906}" srcOrd="0" destOrd="0" parTransId="{A400AA1E-9FDC-4C3B-A1D7-61356E969535}" sibTransId="{A5B3998C-AFE9-4DB5-8672-E1D9C635DFF9}"/>
+    <dgm:cxn modelId="{F117CB1A-7C25-4158-B659-00297E3F345A}" type="presOf" srcId="{CBEF3B9A-46A5-4232-818E-DECC96B53EA4}" destId="{73C42B6D-41B0-4D45-A3BA-B78D32C01175}" srcOrd="0" destOrd="0" presId="urn:microsoft.com/office/officeart/2005/8/layout/hierarchy6"/>
+    <dgm:cxn modelId="{31CF8E22-2712-4A1E-8BD3-E0E6CBEB5F3A}" type="presOf" srcId="{4BDB590E-2EB8-4F71-B5AE-E62D22E3D648}" destId="{A7962C83-BDA1-49AB-9E06-7C7B14D1B9C8}" srcOrd="1" destOrd="0" presId="urn:microsoft.com/office/officeart/2005/8/layout/hierarchy6"/>
+    <dgm:cxn modelId="{A0BF3138-8723-449E-B62C-D057F74D2D65}" srcId="{44CB8261-8D5D-44A9-8541-3C0585FCE401}" destId="{33622A0B-ACB5-4E4F-A871-9A82569E45AB}" srcOrd="2" destOrd="0" parTransId="{112DD034-9E4F-42AE-ABF7-49D22E327F75}" sibTransId="{F6E4D136-5F8C-48DC-B3F9-2338A0D3D0CC}"/>
+    <dgm:cxn modelId="{4DA6413E-0E3B-44A7-A408-E0811DD09138}" type="presOf" srcId="{1B2E4120-465B-4EBA-A7A0-D6A77698E906}" destId="{9E2BB173-E137-444B-912A-56455E8A6D90}" srcOrd="0" destOrd="0" presId="urn:microsoft.com/office/officeart/2005/8/layout/hierarchy6"/>
+    <dgm:cxn modelId="{7A30BB5C-4D73-4AB8-BFFD-640C03FC4AB2}" type="presOf" srcId="{502846D3-11ED-4D2D-823B-51E7F4AEBDAF}" destId="{01371829-483F-4C6E-A8C8-E393508F8D52}" srcOrd="0" destOrd="0" presId="urn:microsoft.com/office/officeart/2005/8/layout/hierarchy6"/>
+    <dgm:cxn modelId="{7662A95F-E7EB-4B35-B31D-A944CD3909E0}" srcId="{44CB8261-8D5D-44A9-8541-3C0585FCE401}" destId="{4BDB590E-2EB8-4F71-B5AE-E62D22E3D648}" srcOrd="1" destOrd="0" parTransId="{B73A34DC-927B-48A9-9D53-B319AE8FCFD9}" sibTransId="{AFB982D4-5D00-49A9-9D5C-D0F7C20FAB1F}"/>
+    <dgm:cxn modelId="{C87E5D45-A5E3-41CB-AA55-B4CA322AABB1}" type="presOf" srcId="{44CB8261-8D5D-44A9-8541-3C0585FCE401}" destId="{6EE63FEF-9040-4368-B59E-9DD976AF5203}" srcOrd="0" destOrd="0" presId="urn:microsoft.com/office/officeart/2005/8/layout/hierarchy6"/>
+    <dgm:cxn modelId="{ACA9A875-9C03-42E2-99B8-6469E5FF9C74}" type="presOf" srcId="{0A3800F0-2E3E-4181-BD05-DDE5D03737E0}" destId="{2DB21C02-F622-44A0-9A38-92ABA044750A}" srcOrd="0" destOrd="0" presId="urn:microsoft.com/office/officeart/2005/8/layout/hierarchy6"/>
+    <dgm:cxn modelId="{A74E6376-CBA8-4FAD-A7D4-A046436C2169}" srcId="{1DD46D84-708E-4790-A5EE-3591153D3479}" destId="{68644EF1-B414-4134-A9D7-E8AC8FF6605C}" srcOrd="0" destOrd="0" parTransId="{502846D3-11ED-4D2D-823B-51E7F4AEBDAF}" sibTransId="{A551C66B-E27A-43D8-8448-07880D1571A4}"/>
+    <dgm:cxn modelId="{DB59C057-507B-4095-8177-58C45093A685}" type="presOf" srcId="{6B7FCB17-DB24-4034-856C-61FB1F77D3A2}" destId="{08EA7D92-0FD5-4C3F-9EE2-341E6168AEE7}" srcOrd="0" destOrd="0" presId="urn:microsoft.com/office/officeart/2005/8/layout/hierarchy6"/>
+    <dgm:cxn modelId="{6AF33E7E-7F76-4483-95B1-EC5EA1F7BBB9}" type="presOf" srcId="{873C2BB3-CA79-4C7D-B94C-7FDD70DD57AE}" destId="{027FDAA8-24BB-409C-B310-051758028F0F}" srcOrd="0" destOrd="0" presId="urn:microsoft.com/office/officeart/2005/8/layout/hierarchy6"/>
+    <dgm:cxn modelId="{3C924F7F-A5BC-4F0B-AB8B-F2D3F2577E08}" srcId="{B608153C-5F1A-4394-BB6C-35FCA989EA13}" destId="{873C2BB3-CA79-4C7D-B94C-7FDD70DD57AE}" srcOrd="2" destOrd="0" parTransId="{71725EAD-40FE-4CA4-83F0-CB7984DE8E5F}" sibTransId="{E2F10249-B9EA-46D1-A3A4-212CA930546A}"/>
+    <dgm:cxn modelId="{609C1183-F222-423E-8A3B-227FA85FAD86}" srcId="{44CB8261-8D5D-44A9-8541-3C0585FCE401}" destId="{0A3800F0-2E3E-4181-BD05-DDE5D03737E0}" srcOrd="3" destOrd="0" parTransId="{1E366CF4-CFBC-4B81-BADE-72FD1ABF1435}" sibTransId="{D0B2BC0C-1549-4BD8-954A-95B35D701878}"/>
+    <dgm:cxn modelId="{578F8F90-1E43-4C0F-B7EA-34BECD331246}" type="presOf" srcId="{301019BD-9BA0-42F8-84A6-9FD310371C0D}" destId="{7DC0006D-CB18-46A0-A977-6648E670EDC1}" srcOrd="0" destOrd="0" presId="urn:microsoft.com/office/officeart/2005/8/layout/hierarchy6"/>
+    <dgm:cxn modelId="{73876194-25D6-44D0-9779-CFB35F50EA5E}" type="presOf" srcId="{68644EF1-B414-4134-A9D7-E8AC8FF6605C}" destId="{CD724AB6-701F-453F-9D03-67770BBB3411}" srcOrd="0" destOrd="0" presId="urn:microsoft.com/office/officeart/2005/8/layout/hierarchy6"/>
+    <dgm:cxn modelId="{84E8349E-20ED-4C46-B50A-32B1ECB0BDCF}" srcId="{873C2BB3-CA79-4C7D-B94C-7FDD70DD57AE}" destId="{301019BD-9BA0-42F8-84A6-9FD310371C0D}" srcOrd="0" destOrd="0" parTransId="{6B7FCB17-DB24-4034-856C-61FB1F77D3A2}" sibTransId="{5262A437-9B9D-4D1B-9461-7B6A36700D1C}"/>
+    <dgm:cxn modelId="{DB45839F-647A-4ED5-A199-38463A762803}" type="presOf" srcId="{0A3800F0-2E3E-4181-BD05-DDE5D03737E0}" destId="{5E7F1FAB-B1E7-4277-BB0F-595DE8D5EE36}" srcOrd="1" destOrd="0" presId="urn:microsoft.com/office/officeart/2005/8/layout/hierarchy6"/>
+    <dgm:cxn modelId="{031213A1-7F2A-4A72-B8F2-CB2F494D0E6B}" type="presOf" srcId="{4A9C0D9C-AD82-4EE6-86D8-30930BCE83B5}" destId="{AC6CBD40-2846-49C8-A4F3-AF2D1FBF1F67}" srcOrd="0" destOrd="0" presId="urn:microsoft.com/office/officeart/2005/8/layout/hierarchy6"/>
+    <dgm:cxn modelId="{F181E8A7-987F-4912-996C-6FFC8BBE1381}" type="presOf" srcId="{4BDB590E-2EB8-4F71-B5AE-E62D22E3D648}" destId="{05BBA01A-25A7-460A-9B98-093BA71B0C2B}" srcOrd="0" destOrd="0" presId="urn:microsoft.com/office/officeart/2005/8/layout/hierarchy6"/>
+    <dgm:cxn modelId="{E52866B2-112E-4C60-AC51-ABBD6054F16C}" srcId="{B608153C-5F1A-4394-BB6C-35FCA989EA13}" destId="{1DD46D84-708E-4790-A5EE-3591153D3479}" srcOrd="1" destOrd="0" parTransId="{CBEF3B9A-46A5-4232-818E-DECC96B53EA4}" sibTransId="{B7687EF4-F99A-433C-A6B1-27DD0AE7EBC1}"/>
+    <dgm:cxn modelId="{5624DAB2-2E9A-4AE1-AD3C-99CB380117A0}" type="presOf" srcId="{A400AA1E-9FDC-4C3B-A1D7-61356E969535}" destId="{71DA84F3-AC65-4105-B36D-F5DB62821FFB}" srcOrd="0" destOrd="0" presId="urn:microsoft.com/office/officeart/2005/8/layout/hierarchy6"/>
+    <dgm:cxn modelId="{C1B14FBE-6646-4978-AEC6-6B6E79DF756C}" type="presOf" srcId="{B608153C-5F1A-4394-BB6C-35FCA989EA13}" destId="{9E3F68CE-96E9-4AE6-AFC1-8B56F89246F5}" srcOrd="0" destOrd="0" presId="urn:microsoft.com/office/officeart/2005/8/layout/hierarchy6"/>
+    <dgm:cxn modelId="{D224CEBE-28A9-407B-A332-949658F39EFE}" type="presOf" srcId="{A06B4F95-3205-4CAB-96F6-60A44DDE7B51}" destId="{ECAD4D8A-1BA0-4B88-A865-2DB0D6C82B8D}" srcOrd="0" destOrd="0" presId="urn:microsoft.com/office/officeart/2005/8/layout/hierarchy6"/>
+    <dgm:cxn modelId="{1E464DC0-683C-4A25-B7C2-E470D27D3ABD}" type="presOf" srcId="{1DD46D84-708E-4790-A5EE-3591153D3479}" destId="{5DCF48DF-9F58-4CD1-BF46-7E0170416564}" srcOrd="0" destOrd="0" presId="urn:microsoft.com/office/officeart/2005/8/layout/hierarchy6"/>
+    <dgm:cxn modelId="{979D26C6-499F-4228-A0A0-B10251D18C14}" type="presOf" srcId="{71725EAD-40FE-4CA4-83F0-CB7984DE8E5F}" destId="{DB35CE40-1BCB-4D28-B7AB-EFE2EB0715F5}" srcOrd="0" destOrd="0" presId="urn:microsoft.com/office/officeart/2005/8/layout/hierarchy6"/>
+    <dgm:cxn modelId="{DF763ED0-008A-4BD0-BCA3-6C6790486117}" srcId="{44CB8261-8D5D-44A9-8541-3C0585FCE401}" destId="{B608153C-5F1A-4394-BB6C-35FCA989EA13}" srcOrd="0" destOrd="0" parTransId="{BA1D59CE-3F80-4712-8CE8-DFF809FE7BCC}" sibTransId="{6486E586-8A7E-47F0-AEF2-789BD198B414}"/>
+    <dgm:cxn modelId="{46715CDC-4B97-40C6-95E2-9026343C4C4E}" type="presOf" srcId="{33622A0B-ACB5-4E4F-A871-9A82569E45AB}" destId="{810E4820-0E45-45C8-9428-70BAFBA145DB}" srcOrd="1" destOrd="0" presId="urn:microsoft.com/office/officeart/2005/8/layout/hierarchy6"/>
+    <dgm:cxn modelId="{1B3724FF-88A3-4A0D-A8C0-F57C17D69645}" srcId="{1B2E4120-465B-4EBA-A7A0-D6A77698E906}" destId="{A06B4F95-3205-4CAB-96F6-60A44DDE7B51}" srcOrd="0" destOrd="0" parTransId="{4A9C0D9C-AD82-4EE6-86D8-30930BCE83B5}" sibTransId="{A39E03AA-BEB4-402B-8F7E-979330102CED}"/>
+    <dgm:cxn modelId="{51509FFF-B632-418B-A4C9-878EF874334B}" type="presOf" srcId="{33622A0B-ACB5-4E4F-A871-9A82569E45AB}" destId="{CE3E070E-73BF-45D3-80C3-759801C3B910}" srcOrd="0" destOrd="0" presId="urn:microsoft.com/office/officeart/2005/8/layout/hierarchy6"/>
+    <dgm:cxn modelId="{A9312976-82B7-4207-8657-45C899D5ABAE}" type="presParOf" srcId="{6EE63FEF-9040-4368-B59E-9DD976AF5203}" destId="{E83AF249-6990-4673-B500-C293CC6B3331}" srcOrd="0" destOrd="0" presId="urn:microsoft.com/office/officeart/2005/8/layout/hierarchy6"/>
+    <dgm:cxn modelId="{3827F213-7242-4FF3-AC82-5F775F992F6C}" type="presParOf" srcId="{E83AF249-6990-4673-B500-C293CC6B3331}" destId="{03E97554-329F-440C-A6AC-BB160597E8AA}" srcOrd="0" destOrd="0" presId="urn:microsoft.com/office/officeart/2005/8/layout/hierarchy6"/>
+    <dgm:cxn modelId="{FAE1224E-E80D-4F4D-8CA9-BAEBDBEE56E5}" type="presParOf" srcId="{E83AF249-6990-4673-B500-C293CC6B3331}" destId="{C26C0E8E-4D56-4CDB-9822-651F4174423A}" srcOrd="1" destOrd="0" presId="urn:microsoft.com/office/officeart/2005/8/layout/hierarchy6"/>
+    <dgm:cxn modelId="{547DEAA6-D330-47B4-8418-8149E4ED0D07}" type="presParOf" srcId="{C26C0E8E-4D56-4CDB-9822-651F4174423A}" destId="{FC42EE91-8CD6-4BF8-9A7D-5FA6DDF14A18}" srcOrd="0" destOrd="0" presId="urn:microsoft.com/office/officeart/2005/8/layout/hierarchy6"/>
+    <dgm:cxn modelId="{2C0835DB-7BC4-4FA1-85CF-339801776C40}" type="presParOf" srcId="{FC42EE91-8CD6-4BF8-9A7D-5FA6DDF14A18}" destId="{9E3F68CE-96E9-4AE6-AFC1-8B56F89246F5}" srcOrd="0" destOrd="0" presId="urn:microsoft.com/office/officeart/2005/8/layout/hierarchy6"/>
+    <dgm:cxn modelId="{EBA8BEF5-82E3-4A75-A0F4-98FCF2CF9B21}" type="presParOf" srcId="{FC42EE91-8CD6-4BF8-9A7D-5FA6DDF14A18}" destId="{C1076CC9-E09E-47A1-9A94-CB5B69CD50DA}" srcOrd="1" destOrd="0" presId="urn:microsoft.com/office/officeart/2005/8/layout/hierarchy6"/>
+    <dgm:cxn modelId="{6CDEE698-BE6C-420D-ADC5-24F0A0EC4CD5}" type="presParOf" srcId="{C1076CC9-E09E-47A1-9A94-CB5B69CD50DA}" destId="{71DA84F3-AC65-4105-B36D-F5DB62821FFB}" srcOrd="0" destOrd="0" presId="urn:microsoft.com/office/officeart/2005/8/layout/hierarchy6"/>
+    <dgm:cxn modelId="{79E20F4F-1299-4893-B294-EBECE76D922B}" type="presParOf" srcId="{C1076CC9-E09E-47A1-9A94-CB5B69CD50DA}" destId="{A15C7B54-45F0-4A07-B7DD-78DC117F9B26}" srcOrd="1" destOrd="0" presId="urn:microsoft.com/office/officeart/2005/8/layout/hierarchy6"/>
+    <dgm:cxn modelId="{1606E265-AC41-4D03-9D12-15741E08E319}" type="presParOf" srcId="{A15C7B54-45F0-4A07-B7DD-78DC117F9B26}" destId="{9E2BB173-E137-444B-912A-56455E8A6D90}" srcOrd="0" destOrd="0" presId="urn:microsoft.com/office/officeart/2005/8/layout/hierarchy6"/>
+    <dgm:cxn modelId="{5FA300D7-0E37-44BE-8736-15302A1A05A2}" type="presParOf" srcId="{A15C7B54-45F0-4A07-B7DD-78DC117F9B26}" destId="{9548D0A7-B59A-4F2C-BCCB-42A9F766A701}" srcOrd="1" destOrd="0" presId="urn:microsoft.com/office/officeart/2005/8/layout/hierarchy6"/>
+    <dgm:cxn modelId="{989947F9-FF20-449A-A566-BE5EDCE181E8}" type="presParOf" srcId="{9548D0A7-B59A-4F2C-BCCB-42A9F766A701}" destId="{AC6CBD40-2846-49C8-A4F3-AF2D1FBF1F67}" srcOrd="0" destOrd="0" presId="urn:microsoft.com/office/officeart/2005/8/layout/hierarchy6"/>
+    <dgm:cxn modelId="{7FB7B721-8360-4FFA-B752-E00DD0A50719}" type="presParOf" srcId="{9548D0A7-B59A-4F2C-BCCB-42A9F766A701}" destId="{7B98B689-7158-451C-A66C-8A943B300EFA}" srcOrd="1" destOrd="0" presId="urn:microsoft.com/office/officeart/2005/8/layout/hierarchy6"/>
+    <dgm:cxn modelId="{202FAC39-E73A-4468-B89A-5E3139B45398}" type="presParOf" srcId="{7B98B689-7158-451C-A66C-8A943B300EFA}" destId="{ECAD4D8A-1BA0-4B88-A865-2DB0D6C82B8D}" srcOrd="0" destOrd="0" presId="urn:microsoft.com/office/officeart/2005/8/layout/hierarchy6"/>
+    <dgm:cxn modelId="{0F228426-9D85-46B3-8DB8-3B9F742C2718}" type="presParOf" srcId="{7B98B689-7158-451C-A66C-8A943B300EFA}" destId="{A4E72397-E75B-4E8F-ACFB-59BBF53F694A}" srcOrd="1" destOrd="0" presId="urn:microsoft.com/office/officeart/2005/8/layout/hierarchy6"/>
+    <dgm:cxn modelId="{52EE600A-46A1-42F7-A8A0-5C4B5A031F5E}" type="presParOf" srcId="{C1076CC9-E09E-47A1-9A94-CB5B69CD50DA}" destId="{73C42B6D-41B0-4D45-A3BA-B78D32C01175}" srcOrd="2" destOrd="0" presId="urn:microsoft.com/office/officeart/2005/8/layout/hierarchy6"/>
+    <dgm:cxn modelId="{046EC14F-BAD0-4CA1-9340-110002ABCD15}" type="presParOf" srcId="{C1076CC9-E09E-47A1-9A94-CB5B69CD50DA}" destId="{2700F92F-0826-4BFA-8678-969DEABB348A}" srcOrd="3" destOrd="0" presId="urn:microsoft.com/office/officeart/2005/8/layout/hierarchy6"/>
+    <dgm:cxn modelId="{37D0A335-D73B-4E7C-ADAC-68C8AFAED1C1}" type="presParOf" srcId="{2700F92F-0826-4BFA-8678-969DEABB348A}" destId="{5DCF48DF-9F58-4CD1-BF46-7E0170416564}" srcOrd="0" destOrd="0" presId="urn:microsoft.com/office/officeart/2005/8/layout/hierarchy6"/>
+    <dgm:cxn modelId="{A55367D5-740A-49B0-BDCF-337365DB511A}" type="presParOf" srcId="{2700F92F-0826-4BFA-8678-969DEABB348A}" destId="{B67B9999-F97C-4678-B814-986730C73A17}" srcOrd="1" destOrd="0" presId="urn:microsoft.com/office/officeart/2005/8/layout/hierarchy6"/>
+    <dgm:cxn modelId="{B07E4F11-50D8-4D6A-A1B3-426829D517D2}" type="presParOf" srcId="{B67B9999-F97C-4678-B814-986730C73A17}" destId="{01371829-483F-4C6E-A8C8-E393508F8D52}" srcOrd="0" destOrd="0" presId="urn:microsoft.com/office/officeart/2005/8/layout/hierarchy6"/>
+    <dgm:cxn modelId="{C275D1D8-9BA2-4B3B-855A-C5BCE25BF34D}" type="presParOf" srcId="{B67B9999-F97C-4678-B814-986730C73A17}" destId="{6AD38B29-96C0-4A45-B22E-3352F68DD7C1}" srcOrd="1" destOrd="0" presId="urn:microsoft.com/office/officeart/2005/8/layout/hierarchy6"/>
+    <dgm:cxn modelId="{1E21B16E-F143-4F18-95B7-D8E916AE3DF4}" type="presParOf" srcId="{6AD38B29-96C0-4A45-B22E-3352F68DD7C1}" destId="{CD724AB6-701F-453F-9D03-67770BBB3411}" srcOrd="0" destOrd="0" presId="urn:microsoft.com/office/officeart/2005/8/layout/hierarchy6"/>
+    <dgm:cxn modelId="{4FAF5AEA-1E48-4FAF-92C3-7AF34D190ED6}" type="presParOf" srcId="{6AD38B29-96C0-4A45-B22E-3352F68DD7C1}" destId="{2C9E1A5E-04DC-40D9-9BE2-492778DFD501}" srcOrd="1" destOrd="0" presId="urn:microsoft.com/office/officeart/2005/8/layout/hierarchy6"/>
+    <dgm:cxn modelId="{6016DF55-29E9-455E-A0DF-AF7C57B7276E}" type="presParOf" srcId="{C1076CC9-E09E-47A1-9A94-CB5B69CD50DA}" destId="{DB35CE40-1BCB-4D28-B7AB-EFE2EB0715F5}" srcOrd="4" destOrd="0" presId="urn:microsoft.com/office/officeart/2005/8/layout/hierarchy6"/>
+    <dgm:cxn modelId="{E20D3504-DB65-45C7-936F-918A653A06CD}" type="presParOf" srcId="{C1076CC9-E09E-47A1-9A94-CB5B69CD50DA}" destId="{DC9C9DD0-E1E1-4818-B6C1-CACF22E5DF09}" srcOrd="5" destOrd="0" presId="urn:microsoft.com/office/officeart/2005/8/layout/hierarchy6"/>
+    <dgm:cxn modelId="{7870B079-FE87-4102-AA59-8D5FB71B7B6B}" type="presParOf" srcId="{DC9C9DD0-E1E1-4818-B6C1-CACF22E5DF09}" destId="{027FDAA8-24BB-409C-B310-051758028F0F}" srcOrd="0" destOrd="0" presId="urn:microsoft.com/office/officeart/2005/8/layout/hierarchy6"/>
+    <dgm:cxn modelId="{C56F321D-3A85-4601-B146-861394096B4A}" type="presParOf" srcId="{DC9C9DD0-E1E1-4818-B6C1-CACF22E5DF09}" destId="{56435C96-CB4B-4C7C-849F-F553CF3FE10B}" srcOrd="1" destOrd="0" presId="urn:microsoft.com/office/officeart/2005/8/layout/hierarchy6"/>
+    <dgm:cxn modelId="{D2578A9A-5279-47DF-9371-D1BD77DFD30D}" type="presParOf" srcId="{56435C96-CB4B-4C7C-849F-F553CF3FE10B}" destId="{08EA7D92-0FD5-4C3F-9EE2-341E6168AEE7}" srcOrd="0" destOrd="0" presId="urn:microsoft.com/office/officeart/2005/8/layout/hierarchy6"/>
+    <dgm:cxn modelId="{9FCF037B-6541-4C90-9DED-5FFDE2AFFBC0}" type="presParOf" srcId="{56435C96-CB4B-4C7C-849F-F553CF3FE10B}" destId="{83EB1FB2-FC68-4A51-8A1E-1E28EAE3FD3F}" srcOrd="1" destOrd="0" presId="urn:microsoft.com/office/officeart/2005/8/layout/hierarchy6"/>
+    <dgm:cxn modelId="{A879A573-13CE-4759-BA75-2AB93A886F41}" type="presParOf" srcId="{83EB1FB2-FC68-4A51-8A1E-1E28EAE3FD3F}" destId="{7DC0006D-CB18-46A0-A977-6648E670EDC1}" srcOrd="0" destOrd="0" presId="urn:microsoft.com/office/officeart/2005/8/layout/hierarchy6"/>
+    <dgm:cxn modelId="{4E361A99-65E0-4A8E-A6D6-CF5D850C260B}" type="presParOf" srcId="{83EB1FB2-FC68-4A51-8A1E-1E28EAE3FD3F}" destId="{E297A865-9B86-4D17-8EFA-4E271A7CA13E}" srcOrd="1" destOrd="0" presId="urn:microsoft.com/office/officeart/2005/8/layout/hierarchy6"/>
+    <dgm:cxn modelId="{FB1900D1-19FF-4D89-8A7D-54B032CA1762}" type="presParOf" srcId="{6EE63FEF-9040-4368-B59E-9DD976AF5203}" destId="{BA9924A6-5E7A-401E-9820-BCCDAEAA45F8}" srcOrd="1" destOrd="0" presId="urn:microsoft.com/office/officeart/2005/8/layout/hierarchy6"/>
+    <dgm:cxn modelId="{AF8F758A-1199-4873-9D11-03D7CE7B6F55}" type="presParOf" srcId="{BA9924A6-5E7A-401E-9820-BCCDAEAA45F8}" destId="{5A02C3ED-F80E-4D28-88EC-4CBF9FDDD5A8}" srcOrd="0" destOrd="0" presId="urn:microsoft.com/office/officeart/2005/8/layout/hierarchy6"/>
+    <dgm:cxn modelId="{DDDF4571-7332-4864-8CBE-C223F3D07AB0}" type="presParOf" srcId="{5A02C3ED-F80E-4D28-88EC-4CBF9FDDD5A8}" destId="{05BBA01A-25A7-460A-9B98-093BA71B0C2B}" srcOrd="0" destOrd="0" presId="urn:microsoft.com/office/officeart/2005/8/layout/hierarchy6"/>
+    <dgm:cxn modelId="{E2C62E2F-EDA2-4FF8-95B1-3CCF11266891}" type="presParOf" srcId="{5A02C3ED-F80E-4D28-88EC-4CBF9FDDD5A8}" destId="{A7962C83-BDA1-49AB-9E06-7C7B14D1B9C8}" srcOrd="1" destOrd="0" presId="urn:microsoft.com/office/officeart/2005/8/layout/hierarchy6"/>
+    <dgm:cxn modelId="{B2B71E50-4A6F-4094-8856-27BA0C68A8DE}" type="presParOf" srcId="{BA9924A6-5E7A-401E-9820-BCCDAEAA45F8}" destId="{C63DE214-E540-4523-8928-CD65EEAF2E6C}" srcOrd="1" destOrd="0" presId="urn:microsoft.com/office/officeart/2005/8/layout/hierarchy6"/>
+    <dgm:cxn modelId="{5836828C-BE10-4164-9BEB-496115B45120}" type="presParOf" srcId="{C63DE214-E540-4523-8928-CD65EEAF2E6C}" destId="{DE28B1C8-BD4B-4F7F-922B-39D07768AE56}" srcOrd="0" destOrd="0" presId="urn:microsoft.com/office/officeart/2005/8/layout/hierarchy6"/>
+    <dgm:cxn modelId="{6733F42E-5E07-462B-B19D-68ED3D6792AF}" type="presParOf" srcId="{BA9924A6-5E7A-401E-9820-BCCDAEAA45F8}" destId="{11493036-9E3A-4477-952A-2BB8DFD84DCA}" srcOrd="2" destOrd="0" presId="urn:microsoft.com/office/officeart/2005/8/layout/hierarchy6"/>
+    <dgm:cxn modelId="{91E2A610-3456-48F1-8222-4A1DEA5825A7}" type="presParOf" srcId="{11493036-9E3A-4477-952A-2BB8DFD84DCA}" destId="{CE3E070E-73BF-45D3-80C3-759801C3B910}" srcOrd="0" destOrd="0" presId="urn:microsoft.com/office/officeart/2005/8/layout/hierarchy6"/>
+    <dgm:cxn modelId="{31C880C3-C1A6-4D95-B617-3A212325401D}" type="presParOf" srcId="{11493036-9E3A-4477-952A-2BB8DFD84DCA}" destId="{810E4820-0E45-45C8-9428-70BAFBA145DB}" srcOrd="1" destOrd="0" presId="urn:microsoft.com/office/officeart/2005/8/layout/hierarchy6"/>
+    <dgm:cxn modelId="{71CBEBDA-C304-40F4-AF73-F53D6E496039}" type="presParOf" srcId="{BA9924A6-5E7A-401E-9820-BCCDAEAA45F8}" destId="{2F43EF7B-966D-49A6-9561-5D06629EB363}" srcOrd="3" destOrd="0" presId="urn:microsoft.com/office/officeart/2005/8/layout/hierarchy6"/>
+    <dgm:cxn modelId="{674AB833-20F6-4FAA-ADCE-1F5503CBB358}" type="presParOf" srcId="{2F43EF7B-966D-49A6-9561-5D06629EB363}" destId="{5C80895C-621A-416C-BB37-A5A1F03F013D}" srcOrd="0" destOrd="0" presId="urn:microsoft.com/office/officeart/2005/8/layout/hierarchy6"/>
+    <dgm:cxn modelId="{EF9F1660-41C9-485E-9D8C-889283AC7AE5}" type="presParOf" srcId="{BA9924A6-5E7A-401E-9820-BCCDAEAA45F8}" destId="{3547926F-A05C-4288-9DAA-8CE835C9D5E4}" srcOrd="4" destOrd="0" presId="urn:microsoft.com/office/officeart/2005/8/layout/hierarchy6"/>
+    <dgm:cxn modelId="{01762DA4-555B-4A62-983A-430D4204349C}" type="presParOf" srcId="{3547926F-A05C-4288-9DAA-8CE835C9D5E4}" destId="{2DB21C02-F622-44A0-9A38-92ABA044750A}" srcOrd="0" destOrd="0" presId="urn:microsoft.com/office/officeart/2005/8/layout/hierarchy6"/>
+    <dgm:cxn modelId="{253DD9AA-F17D-4BDB-9ED4-C4B9BDBBEE46}" type="presParOf" srcId="{3547926F-A05C-4288-9DAA-8CE835C9D5E4}" destId="{5E7F1FAB-B1E7-4277-BB0F-595DE8D5EE36}" srcOrd="1" destOrd="0" presId="urn:microsoft.com/office/officeart/2005/8/layout/hierarchy6"/>
+  </dgm:cxnLst>
+  <dgm:bg/>
+  <dgm:whole/>
+  <dgm:extLst>
+    <a:ext uri="http://schemas.microsoft.com/office/drawing/2008/diagram">
+      <dsp:dataModelExt xmlns:dsp="http://schemas.microsoft.com/office/drawing/2008/diagram" relId="rId6" minVer="http://schemas.openxmlformats.org/drawingml/2006/diagram"/>
+    </a:ext>
+  </dgm:extLst>
+</dgm:dataModel>
+</file>
+
+<file path=ppt/diagrams/drawing1.xml><?xml version="1.0" encoding="utf-8"?>
+<dsp:drawing xmlns:dgm="http://schemas.openxmlformats.org/drawingml/2006/diagram" xmlns:dsp="http://schemas.microsoft.com/office/drawing/2008/diagram" xmlns:a="http://schemas.openxmlformats.org/drawingml/2006/main">
+  <dsp:spTree>
+    <dsp:nvGrpSpPr>
+      <dsp:cNvPr id="0" name=""/>
+      <dsp:cNvGrpSpPr/>
+    </dsp:nvGrpSpPr>
+    <dsp:grpSpPr/>
+    <dsp:sp modelId="{2DB21C02-F622-44A0-9A38-92ABA044750A}">
+      <dsp:nvSpPr>
+        <dsp:cNvPr id="0" name=""/>
+        <dsp:cNvSpPr/>
+      </dsp:nvSpPr>
+      <dsp:spPr>
+        <a:xfrm>
+          <a:off x="0" y="2767440"/>
+          <a:ext cx="11569699" cy="1185050"/>
+        </a:xfrm>
+        <a:prstGeom prst="roundRect">
+          <a:avLst>
+            <a:gd name="adj" fmla="val 10000"/>
+          </a:avLst>
+        </a:prstGeom>
+        <a:solidFill>
+          <a:schemeClr val="accent1">
+            <a:tint val="40000"/>
+            <a:hueOff val="0"/>
+            <a:satOff val="0"/>
+            <a:lumOff val="0"/>
+            <a:alphaOff val="0"/>
+          </a:schemeClr>
+        </a:solidFill>
+        <a:ln>
+          <a:noFill/>
+        </a:ln>
+        <a:effectLst/>
+      </dsp:spPr>
+      <dsp:style>
+        <a:lnRef idx="0">
+          <a:scrgbClr r="0" g="0" b="0"/>
+        </a:lnRef>
+        <a:fillRef idx="1">
+          <a:scrgbClr r="0" g="0" b="0"/>
+        </a:fillRef>
+        <a:effectRef idx="0">
+          <a:scrgbClr r="0" g="0" b="0"/>
+        </a:effectRef>
+        <a:fontRef idx="minor"/>
+      </dsp:style>
+      <dsp:txBody>
+        <a:bodyPr spcFirstLastPara="0" vert="horz" wrap="square" lIns="241808" tIns="241808" rIns="241808" bIns="241808" numCol="1" spcCol="1270" anchor="ctr" anchorCtr="0">
+          <a:noAutofit/>
+        </a:bodyPr>
+        <a:lstStyle/>
+        <a:p>
+          <a:pPr marL="0" lvl="0" indent="0" algn="ctr" defTabSz="1511300">
+            <a:lnSpc>
+              <a:spcPct val="90000"/>
+            </a:lnSpc>
+            <a:spcBef>
+              <a:spcPct val="0"/>
+            </a:spcBef>
+            <a:spcAft>
+              <a:spcPct val="35000"/>
+            </a:spcAft>
+            <a:buNone/>
+          </a:pPr>
+          <a:r>
+            <a:rPr lang="en-US" sz="3400" kern="1200" dirty="0"/>
+            <a:t>Analysis</a:t>
+          </a:r>
+        </a:p>
+      </dsp:txBody>
+      <dsp:txXfrm>
+        <a:off x="0" y="2767440"/>
+        <a:ext cx="3470910" cy="1185050"/>
+      </dsp:txXfrm>
+    </dsp:sp>
+    <dsp:sp modelId="{CE3E070E-73BF-45D3-80C3-759801C3B910}">
+      <dsp:nvSpPr>
+        <dsp:cNvPr id="0" name=""/>
+        <dsp:cNvSpPr/>
+      </dsp:nvSpPr>
+      <dsp:spPr>
+        <a:xfrm>
+          <a:off x="0" y="1383912"/>
+          <a:ext cx="11569699" cy="1185050"/>
+        </a:xfrm>
+        <a:prstGeom prst="roundRect">
+          <a:avLst>
+            <a:gd name="adj" fmla="val 10000"/>
+          </a:avLst>
+        </a:prstGeom>
+        <a:solidFill>
+          <a:schemeClr val="accent1">
+            <a:tint val="40000"/>
+            <a:hueOff val="0"/>
+            <a:satOff val="0"/>
+            <a:lumOff val="0"/>
+            <a:alphaOff val="0"/>
+          </a:schemeClr>
+        </a:solidFill>
+        <a:ln>
+          <a:noFill/>
+        </a:ln>
+        <a:effectLst/>
+      </dsp:spPr>
+      <dsp:style>
+        <a:lnRef idx="0">
+          <a:scrgbClr r="0" g="0" b="0"/>
+        </a:lnRef>
+        <a:fillRef idx="1">
+          <a:scrgbClr r="0" g="0" b="0"/>
+        </a:fillRef>
+        <a:effectRef idx="0">
+          <a:scrgbClr r="0" g="0" b="0"/>
+        </a:effectRef>
+        <a:fontRef idx="minor"/>
+      </dsp:style>
+      <dsp:txBody>
+        <a:bodyPr spcFirstLastPara="0" vert="horz" wrap="square" lIns="241808" tIns="241808" rIns="241808" bIns="241808" numCol="1" spcCol="1270" anchor="ctr" anchorCtr="0">
+          <a:noAutofit/>
+        </a:bodyPr>
+        <a:lstStyle/>
+        <a:p>
+          <a:pPr marL="0" lvl="0" indent="0" algn="ctr" defTabSz="1511300">
+            <a:lnSpc>
+              <a:spcPct val="90000"/>
+            </a:lnSpc>
+            <a:spcBef>
+              <a:spcPct val="0"/>
+            </a:spcBef>
+            <a:spcAft>
+              <a:spcPct val="35000"/>
+            </a:spcAft>
+            <a:buNone/>
+          </a:pPr>
+          <a:r>
+            <a:rPr lang="en-US" sz="3400" kern="1200" dirty="0"/>
+            <a:t>Data Collection</a:t>
+          </a:r>
+        </a:p>
+      </dsp:txBody>
+      <dsp:txXfrm>
+        <a:off x="0" y="1383912"/>
+        <a:ext cx="3470910" cy="1185050"/>
+      </dsp:txXfrm>
+    </dsp:sp>
+    <dsp:sp modelId="{05BBA01A-25A7-460A-9B98-093BA71B0C2B}">
+      <dsp:nvSpPr>
+        <dsp:cNvPr id="0" name=""/>
+        <dsp:cNvSpPr/>
+      </dsp:nvSpPr>
+      <dsp:spPr>
+        <a:xfrm>
+          <a:off x="0" y="383"/>
+          <a:ext cx="11569699" cy="1185050"/>
+        </a:xfrm>
+        <a:prstGeom prst="roundRect">
+          <a:avLst>
+            <a:gd name="adj" fmla="val 10000"/>
+          </a:avLst>
+        </a:prstGeom>
+        <a:solidFill>
+          <a:schemeClr val="accent1">
+            <a:tint val="40000"/>
+            <a:hueOff val="0"/>
+            <a:satOff val="0"/>
+            <a:lumOff val="0"/>
+            <a:alphaOff val="0"/>
+          </a:schemeClr>
+        </a:solidFill>
+        <a:ln>
+          <a:noFill/>
+        </a:ln>
+        <a:effectLst/>
+      </dsp:spPr>
+      <dsp:style>
+        <a:lnRef idx="0">
+          <a:scrgbClr r="0" g="0" b="0"/>
+        </a:lnRef>
+        <a:fillRef idx="1">
+          <a:scrgbClr r="0" g="0" b="0"/>
+        </a:fillRef>
+        <a:effectRef idx="0">
+          <a:scrgbClr r="0" g="0" b="0"/>
+        </a:effectRef>
+        <a:fontRef idx="minor"/>
+      </dsp:style>
+      <dsp:txBody>
+        <a:bodyPr spcFirstLastPara="0" vert="horz" wrap="square" lIns="241808" tIns="241808" rIns="241808" bIns="241808" numCol="1" spcCol="1270" anchor="ctr" anchorCtr="0">
+          <a:noAutofit/>
+        </a:bodyPr>
+        <a:lstStyle/>
+        <a:p>
+          <a:pPr marL="0" lvl="0" indent="0" algn="ctr" defTabSz="1511300">
+            <a:lnSpc>
+              <a:spcPct val="90000"/>
+            </a:lnSpc>
+            <a:spcBef>
+              <a:spcPct val="0"/>
+            </a:spcBef>
+            <a:spcAft>
+              <a:spcPct val="35000"/>
+            </a:spcAft>
+            <a:buNone/>
+          </a:pPr>
+          <a:r>
+            <a:rPr lang="en-US" sz="3400" kern="1200" dirty="0"/>
+            <a:t>Recruitment</a:t>
+          </a:r>
+        </a:p>
+      </dsp:txBody>
+      <dsp:txXfrm>
+        <a:off x="0" y="383"/>
+        <a:ext cx="3470910" cy="1185050"/>
+      </dsp:txXfrm>
+    </dsp:sp>
+    <dsp:sp modelId="{9E3F68CE-96E9-4AE6-AFC1-8B56F89246F5}">
+      <dsp:nvSpPr>
+        <dsp:cNvPr id="0" name=""/>
+        <dsp:cNvSpPr/>
+      </dsp:nvSpPr>
+      <dsp:spPr>
+        <a:xfrm>
+          <a:off x="6660316" y="99622"/>
+          <a:ext cx="1488582" cy="992388"/>
+        </a:xfrm>
+        <a:prstGeom prst="roundRect">
+          <a:avLst>
+            <a:gd name="adj" fmla="val 10000"/>
+          </a:avLst>
+        </a:prstGeom>
+        <a:solidFill>
+          <a:schemeClr val="accent1">
+            <a:hueOff val="0"/>
+            <a:satOff val="0"/>
+            <a:lumOff val="0"/>
+            <a:alphaOff val="0"/>
+          </a:schemeClr>
+        </a:solidFill>
+        <a:ln w="12700" cap="flat" cmpd="sng" algn="ctr">
+          <a:solidFill>
+            <a:schemeClr val="lt1">
+              <a:hueOff val="0"/>
+              <a:satOff val="0"/>
+              <a:lumOff val="0"/>
+              <a:alphaOff val="0"/>
+            </a:schemeClr>
+          </a:solidFill>
+          <a:prstDash val="solid"/>
+          <a:miter lim="800000"/>
+        </a:ln>
+        <a:effectLst/>
+      </dsp:spPr>
+      <dsp:style>
+        <a:lnRef idx="2">
+          <a:scrgbClr r="0" g="0" b="0"/>
+        </a:lnRef>
+        <a:fillRef idx="1">
+          <a:scrgbClr r="0" g="0" b="0"/>
+        </a:fillRef>
+        <a:effectRef idx="0">
+          <a:scrgbClr r="0" g="0" b="0"/>
+        </a:effectRef>
+        <a:fontRef idx="minor">
+          <a:schemeClr val="lt1"/>
+        </a:fontRef>
+      </dsp:style>
+      <dsp:txBody>
+        <a:bodyPr spcFirstLastPara="0" vert="horz" wrap="square" lIns="72390" tIns="72390" rIns="72390" bIns="72390" numCol="1" spcCol="1270" anchor="ctr" anchorCtr="0">
+          <a:noAutofit/>
+        </a:bodyPr>
+        <a:lstStyle/>
+        <a:p>
+          <a:pPr marL="0" lvl="0" indent="0" algn="ctr" defTabSz="844550">
+            <a:lnSpc>
+              <a:spcPct val="90000"/>
+            </a:lnSpc>
+            <a:spcBef>
+              <a:spcPct val="0"/>
+            </a:spcBef>
+            <a:spcAft>
+              <a:spcPct val="35000"/>
+            </a:spcAft>
+            <a:buNone/>
+          </a:pPr>
+          <a:r>
+            <a:rPr lang="en-US" sz="1900" kern="1200" dirty="0"/>
+            <a:t>15 participants</a:t>
+          </a:r>
+        </a:p>
+      </dsp:txBody>
+      <dsp:txXfrm>
+        <a:off x="6689382" y="128688"/>
+        <a:ext cx="1430450" cy="934256"/>
+      </dsp:txXfrm>
+    </dsp:sp>
+    <dsp:sp modelId="{71DA84F3-AC65-4105-B36D-F5DB62821FFB}">
+      <dsp:nvSpPr>
+        <dsp:cNvPr id="0" name=""/>
+        <dsp:cNvSpPr/>
+      </dsp:nvSpPr>
+      <dsp:spPr>
+        <a:xfrm>
+          <a:off x="5088806" y="1092010"/>
+          <a:ext cx="2315801" cy="479134"/>
+        </a:xfrm>
+        <a:custGeom>
+          <a:avLst/>
+          <a:gdLst/>
+          <a:ahLst/>
+          <a:cxnLst/>
+          <a:rect l="0" t="0" r="0" b="0"/>
+          <a:pathLst>
+            <a:path>
+              <a:moveTo>
+                <a:pt x="2315801" y="0"/>
+              </a:moveTo>
+              <a:lnTo>
+                <a:pt x="2315801" y="239567"/>
+              </a:lnTo>
+              <a:lnTo>
+                <a:pt x="0" y="239567"/>
+              </a:lnTo>
+              <a:lnTo>
+                <a:pt x="0" y="479134"/>
+              </a:lnTo>
+            </a:path>
+          </a:pathLst>
+        </a:custGeom>
+        <a:noFill/>
+        <a:ln w="12700" cap="flat" cmpd="sng" algn="ctr">
+          <a:solidFill>
+            <a:schemeClr val="accent1">
+              <a:shade val="60000"/>
+              <a:hueOff val="0"/>
+              <a:satOff val="0"/>
+              <a:lumOff val="0"/>
+              <a:alphaOff val="0"/>
+            </a:schemeClr>
+          </a:solidFill>
+          <a:prstDash val="solid"/>
+          <a:miter lim="800000"/>
+        </a:ln>
+        <a:effectLst/>
+      </dsp:spPr>
+      <dsp:style>
+        <a:lnRef idx="2">
+          <a:scrgbClr r="0" g="0" b="0"/>
+        </a:lnRef>
+        <a:fillRef idx="0">
+          <a:scrgbClr r="0" g="0" b="0"/>
+        </a:fillRef>
+        <a:effectRef idx="0">
+          <a:scrgbClr r="0" g="0" b="0"/>
+        </a:effectRef>
+        <a:fontRef idx="minor"/>
+      </dsp:style>
+    </dsp:sp>
+    <dsp:sp modelId="{9E2BB173-E137-444B-912A-56455E8A6D90}">
+      <dsp:nvSpPr>
+        <dsp:cNvPr id="0" name=""/>
+        <dsp:cNvSpPr/>
+      </dsp:nvSpPr>
+      <dsp:spPr>
+        <a:xfrm>
+          <a:off x="4154192" y="1571145"/>
+          <a:ext cx="1869227" cy="992388"/>
+        </a:xfrm>
+        <a:prstGeom prst="roundRect">
+          <a:avLst>
+            <a:gd name="adj" fmla="val 10000"/>
+          </a:avLst>
+        </a:prstGeom>
+        <a:solidFill>
+          <a:schemeClr val="accent1">
+            <a:hueOff val="0"/>
+            <a:satOff val="0"/>
+            <a:lumOff val="0"/>
+            <a:alphaOff val="0"/>
+          </a:schemeClr>
+        </a:solidFill>
+        <a:ln w="12700" cap="flat" cmpd="sng" algn="ctr">
+          <a:solidFill>
+            <a:schemeClr val="lt1">
+              <a:hueOff val="0"/>
+              <a:satOff val="0"/>
+              <a:lumOff val="0"/>
+              <a:alphaOff val="0"/>
+            </a:schemeClr>
+          </a:solidFill>
+          <a:prstDash val="solid"/>
+          <a:miter lim="800000"/>
+        </a:ln>
+        <a:effectLst/>
+      </dsp:spPr>
+      <dsp:style>
+        <a:lnRef idx="2">
+          <a:scrgbClr r="0" g="0" b="0"/>
+        </a:lnRef>
+        <a:fillRef idx="1">
+          <a:scrgbClr r="0" g="0" b="0"/>
+        </a:fillRef>
+        <a:effectRef idx="0">
+          <a:scrgbClr r="0" g="0" b="0"/>
+        </a:effectRef>
+        <a:fontRef idx="minor">
+          <a:schemeClr val="lt1"/>
+        </a:fontRef>
+      </dsp:style>
+      <dsp:txBody>
+        <a:bodyPr spcFirstLastPara="0" vert="horz" wrap="square" lIns="72390" tIns="72390" rIns="72390" bIns="72390" numCol="1" spcCol="1270" anchor="ctr" anchorCtr="0">
+          <a:noAutofit/>
+        </a:bodyPr>
+        <a:lstStyle/>
+        <a:p>
+          <a:pPr marL="0" lvl="0" indent="0" algn="ctr" defTabSz="844550">
+            <a:lnSpc>
+              <a:spcPct val="90000"/>
+            </a:lnSpc>
+            <a:spcBef>
+              <a:spcPct val="0"/>
+            </a:spcBef>
+            <a:spcAft>
+              <a:spcPct val="35000"/>
+            </a:spcAft>
+            <a:buNone/>
+          </a:pPr>
+          <a:r>
+            <a:rPr lang="en-US" sz="1900" b="1" kern="1200" dirty="0"/>
+            <a:t>ANT</a:t>
+          </a:r>
+          <a:br>
+            <a:rPr lang="en-US" sz="1900" kern="1200" dirty="0"/>
+          </a:br>
+          <a:r>
+            <a:rPr lang="en-US" sz="1900" kern="1200" dirty="0"/>
+            <a:t>T</a:t>
+          </a:r>
+          <a:r>
+            <a:rPr lang="en-US" sz="1900" kern="1200" baseline="-25000" dirty="0"/>
+            <a:t>1</a:t>
+          </a:r>
+          <a:r>
+            <a:rPr lang="en-US" sz="1900" kern="1200" dirty="0"/>
+            <a:t>, T</a:t>
+          </a:r>
+          <a:r>
+            <a:rPr lang="en-US" sz="1900" kern="1200" baseline="-25000" dirty="0"/>
+            <a:t>2</a:t>
+          </a:r>
+          <a:r>
+            <a:rPr lang="en-US" sz="1900" kern="1200" dirty="0"/>
+            <a:t>, T</a:t>
+          </a:r>
+          <a:r>
+            <a:rPr lang="en-US" sz="1900" kern="1200" baseline="-25000" dirty="0"/>
+            <a:t>3</a:t>
+          </a:r>
+          <a:r>
+            <a:rPr lang="en-US" sz="1900" kern="1200" dirty="0"/>
+            <a:t>, T</a:t>
+          </a:r>
+          <a:r>
+            <a:rPr lang="en-US" sz="1900" kern="1200" baseline="-25000" dirty="0"/>
+            <a:t>4</a:t>
+          </a:r>
+        </a:p>
+      </dsp:txBody>
+      <dsp:txXfrm>
+        <a:off x="4183258" y="1600211"/>
+        <a:ext cx="1811095" cy="934256"/>
+      </dsp:txXfrm>
+    </dsp:sp>
+    <dsp:sp modelId="{AC6CBD40-2846-49C8-A4F3-AF2D1FBF1F67}">
+      <dsp:nvSpPr>
+        <dsp:cNvPr id="0" name=""/>
+        <dsp:cNvSpPr/>
+      </dsp:nvSpPr>
+      <dsp:spPr>
+        <a:xfrm>
+          <a:off x="5043086" y="2563533"/>
+          <a:ext cx="91440" cy="396953"/>
+        </a:xfrm>
+        <a:custGeom>
+          <a:avLst/>
+          <a:gdLst/>
+          <a:ahLst/>
+          <a:cxnLst/>
+          <a:rect l="0" t="0" r="0" b="0"/>
+          <a:pathLst>
+            <a:path>
+              <a:moveTo>
+                <a:pt x="45720" y="0"/>
+              </a:moveTo>
+              <a:lnTo>
+                <a:pt x="45720" y="396953"/>
+              </a:lnTo>
+            </a:path>
+          </a:pathLst>
+        </a:custGeom>
+        <a:noFill/>
+        <a:ln w="12700" cap="flat" cmpd="sng" algn="ctr">
+          <a:solidFill>
+            <a:schemeClr val="accent1">
+              <a:shade val="80000"/>
+              <a:hueOff val="0"/>
+              <a:satOff val="0"/>
+              <a:lumOff val="0"/>
+              <a:alphaOff val="0"/>
+            </a:schemeClr>
+          </a:solidFill>
+          <a:prstDash val="solid"/>
+          <a:miter lim="800000"/>
+        </a:ln>
+        <a:effectLst/>
+      </dsp:spPr>
+      <dsp:style>
+        <a:lnRef idx="2">
+          <a:scrgbClr r="0" g="0" b="0"/>
+        </a:lnRef>
+        <a:fillRef idx="0">
+          <a:scrgbClr r="0" g="0" b="0"/>
+        </a:fillRef>
+        <a:effectRef idx="0">
+          <a:scrgbClr r="0" g="0" b="0"/>
+        </a:effectRef>
+        <a:fontRef idx="minor"/>
+      </dsp:style>
+    </dsp:sp>
+    <dsp:sp modelId="{ECAD4D8A-1BA0-4B88-A865-2DB0D6C82B8D}">
+      <dsp:nvSpPr>
+        <dsp:cNvPr id="0" name=""/>
+        <dsp:cNvSpPr/>
+      </dsp:nvSpPr>
+      <dsp:spPr>
+        <a:xfrm>
+          <a:off x="4154192" y="2960486"/>
+          <a:ext cx="1869227" cy="992388"/>
+        </a:xfrm>
+        <a:prstGeom prst="roundRect">
+          <a:avLst>
+            <a:gd name="adj" fmla="val 10000"/>
+          </a:avLst>
+        </a:prstGeom>
+        <a:solidFill>
+          <a:schemeClr val="accent1">
+            <a:hueOff val="0"/>
+            <a:satOff val="0"/>
+            <a:lumOff val="0"/>
+            <a:alphaOff val="0"/>
+          </a:schemeClr>
+        </a:solidFill>
+        <a:ln w="12700" cap="flat" cmpd="sng" algn="ctr">
+          <a:solidFill>
+            <a:schemeClr val="lt1">
+              <a:hueOff val="0"/>
+              <a:satOff val="0"/>
+              <a:lumOff val="0"/>
+              <a:alphaOff val="0"/>
+            </a:schemeClr>
+          </a:solidFill>
+          <a:prstDash val="solid"/>
+          <a:miter lim="800000"/>
+        </a:ln>
+        <a:effectLst/>
+      </dsp:spPr>
+      <dsp:style>
+        <a:lnRef idx="2">
+          <a:scrgbClr r="0" g="0" b="0"/>
+        </a:lnRef>
+        <a:fillRef idx="1">
+          <a:scrgbClr r="0" g="0" b="0"/>
+        </a:fillRef>
+        <a:effectRef idx="0">
+          <a:scrgbClr r="0" g="0" b="0"/>
+        </a:effectRef>
+        <a:fontRef idx="minor">
+          <a:schemeClr val="lt1"/>
+        </a:fontRef>
+      </dsp:style>
+      <dsp:txBody>
+        <a:bodyPr spcFirstLastPara="0" vert="horz" wrap="square" lIns="72390" tIns="72390" rIns="72390" bIns="72390" numCol="1" spcCol="1270" anchor="ctr" anchorCtr="0">
+          <a:noAutofit/>
+        </a:bodyPr>
+        <a:lstStyle/>
+        <a:p>
+          <a:pPr marL="0" lvl="0" indent="0" algn="ctr" defTabSz="844550">
+            <a:lnSpc>
+              <a:spcPct val="90000"/>
+            </a:lnSpc>
+            <a:spcBef>
+              <a:spcPct val="0"/>
+            </a:spcBef>
+            <a:spcAft>
+              <a:spcPct val="35000"/>
+            </a:spcAft>
+            <a:buNone/>
+          </a:pPr>
+          <a:r>
+            <a:rPr lang="en-US" sz="1900" kern="1200" dirty="0"/>
+            <a:t>-Model fit</a:t>
+          </a:r>
+          <a:br>
+            <a:rPr lang="en-US" sz="1900" kern="1200" dirty="0"/>
+          </a:br>
+          <a:r>
+            <a:rPr lang="en-US" sz="1900" kern="1200" dirty="0"/>
+            <a:t>-Longitudinal</a:t>
+          </a:r>
+          <a:br>
+            <a:rPr lang="en-US" sz="1900" kern="1200" dirty="0"/>
+          </a:br>
+          <a:r>
+            <a:rPr lang="en-US" sz="1900" kern="1200" dirty="0"/>
+            <a:t>-Stress</a:t>
+          </a:r>
+        </a:p>
+      </dsp:txBody>
+      <dsp:txXfrm>
+        <a:off x="4183258" y="2989552"/>
+        <a:ext cx="1811095" cy="934256"/>
+      </dsp:txXfrm>
+    </dsp:sp>
+    <dsp:sp modelId="{73C42B6D-41B0-4D45-A3BA-B78D32C01175}">
+      <dsp:nvSpPr>
+        <dsp:cNvPr id="0" name=""/>
+        <dsp:cNvSpPr/>
+      </dsp:nvSpPr>
+      <dsp:spPr>
+        <a:xfrm>
+          <a:off x="7358887" y="1092010"/>
+          <a:ext cx="91440" cy="479134"/>
+        </a:xfrm>
+        <a:custGeom>
+          <a:avLst/>
+          <a:gdLst/>
+          <a:ahLst/>
+          <a:cxnLst/>
+          <a:rect l="0" t="0" r="0" b="0"/>
+          <a:pathLst>
+            <a:path>
+              <a:moveTo>
+                <a:pt x="45720" y="0"/>
+              </a:moveTo>
+              <a:lnTo>
+                <a:pt x="45720" y="479134"/>
+              </a:lnTo>
+            </a:path>
+          </a:pathLst>
+        </a:custGeom>
+        <a:noFill/>
+        <a:ln w="12700" cap="flat" cmpd="sng" algn="ctr">
+          <a:solidFill>
+            <a:schemeClr val="accent1">
+              <a:shade val="60000"/>
+              <a:hueOff val="0"/>
+              <a:satOff val="0"/>
+              <a:lumOff val="0"/>
+              <a:alphaOff val="0"/>
+            </a:schemeClr>
+          </a:solidFill>
+          <a:prstDash val="solid"/>
+          <a:miter lim="800000"/>
+        </a:ln>
+        <a:effectLst/>
+      </dsp:spPr>
+      <dsp:style>
+        <a:lnRef idx="2">
+          <a:scrgbClr r="0" g="0" b="0"/>
+        </a:lnRef>
+        <a:fillRef idx="0">
+          <a:scrgbClr r="0" g="0" b="0"/>
+        </a:fillRef>
+        <a:effectRef idx="0">
+          <a:scrgbClr r="0" g="0" b="0"/>
+        </a:effectRef>
+        <a:fontRef idx="minor"/>
+      </dsp:style>
+    </dsp:sp>
+    <dsp:sp modelId="{5DCF48DF-9F58-4CD1-BF46-7E0170416564}">
+      <dsp:nvSpPr>
+        <dsp:cNvPr id="0" name=""/>
+        <dsp:cNvSpPr/>
+      </dsp:nvSpPr>
+      <dsp:spPr>
+        <a:xfrm>
+          <a:off x="6469994" y="1571145"/>
+          <a:ext cx="1869227" cy="992388"/>
+        </a:xfrm>
+        <a:prstGeom prst="roundRect">
+          <a:avLst>
+            <a:gd name="adj" fmla="val 10000"/>
+          </a:avLst>
+        </a:prstGeom>
+        <a:solidFill>
+          <a:schemeClr val="accent1">
+            <a:hueOff val="0"/>
+            <a:satOff val="0"/>
+            <a:lumOff val="0"/>
+            <a:alphaOff val="0"/>
+          </a:schemeClr>
+        </a:solidFill>
+        <a:ln w="12700" cap="flat" cmpd="sng" algn="ctr">
+          <a:solidFill>
+            <a:schemeClr val="lt1">
+              <a:hueOff val="0"/>
+              <a:satOff val="0"/>
+              <a:lumOff val="0"/>
+              <a:alphaOff val="0"/>
+            </a:schemeClr>
+          </a:solidFill>
+          <a:prstDash val="solid"/>
+          <a:miter lim="800000"/>
+        </a:ln>
+        <a:effectLst/>
+      </dsp:spPr>
+      <dsp:style>
+        <a:lnRef idx="2">
+          <a:scrgbClr r="0" g="0" b="0"/>
+        </a:lnRef>
+        <a:fillRef idx="1">
+          <a:scrgbClr r="0" g="0" b="0"/>
+        </a:fillRef>
+        <a:effectRef idx="0">
+          <a:scrgbClr r="0" g="0" b="0"/>
+        </a:effectRef>
+        <a:fontRef idx="minor">
+          <a:schemeClr val="lt1"/>
+        </a:fontRef>
+      </dsp:style>
+      <dsp:txBody>
+        <a:bodyPr spcFirstLastPara="0" vert="horz" wrap="square" lIns="72390" tIns="72390" rIns="72390" bIns="72390" numCol="1" spcCol="1270" anchor="ctr" anchorCtr="0">
+          <a:noAutofit/>
+        </a:bodyPr>
+        <a:lstStyle/>
+        <a:p>
+          <a:pPr marL="0" lvl="0" indent="0" algn="ctr" defTabSz="844550">
+            <a:lnSpc>
+              <a:spcPct val="90000"/>
+            </a:lnSpc>
+            <a:spcBef>
+              <a:spcPct val="0"/>
+            </a:spcBef>
+            <a:spcAft>
+              <a:spcPct val="35000"/>
+            </a:spcAft>
+            <a:buNone/>
+          </a:pPr>
+          <a:r>
+            <a:rPr lang="en-US" sz="1900" b="1" kern="1200" dirty="0"/>
+            <a:t>OSARI</a:t>
+          </a:r>
+          <a:br>
+            <a:rPr lang="en-US" sz="1900" kern="1200" dirty="0"/>
+          </a:br>
+          <a:r>
+            <a:rPr lang="en-US" sz="1900" kern="1200" dirty="0"/>
+            <a:t>T</a:t>
+          </a:r>
+          <a:r>
+            <a:rPr lang="en-US" sz="1900" kern="1200" baseline="-25000" dirty="0"/>
+            <a:t>1</a:t>
+          </a:r>
+          <a:r>
+            <a:rPr lang="en-US" sz="1900" kern="1200" dirty="0"/>
+            <a:t>, T</a:t>
+          </a:r>
+          <a:r>
+            <a:rPr lang="en-US" sz="1900" kern="1200" baseline="-25000" dirty="0"/>
+            <a:t>2</a:t>
+          </a:r>
+          <a:r>
+            <a:rPr lang="en-US" sz="1900" kern="1200" dirty="0"/>
+            <a:t>, T</a:t>
+          </a:r>
+          <a:r>
+            <a:rPr lang="en-US" sz="1900" kern="1200" baseline="-25000" dirty="0"/>
+            <a:t>3</a:t>
+          </a:r>
+          <a:r>
+            <a:rPr lang="en-US" sz="1900" kern="1200" dirty="0"/>
+            <a:t>, T</a:t>
+          </a:r>
+          <a:r>
+            <a:rPr lang="en-US" sz="1900" kern="1200" baseline="-25000" dirty="0"/>
+            <a:t>4</a:t>
+          </a:r>
+          <a:endParaRPr lang="en-US" sz="1900" kern="1200" dirty="0"/>
+        </a:p>
+      </dsp:txBody>
+      <dsp:txXfrm>
+        <a:off x="6499060" y="1600211"/>
+        <a:ext cx="1811095" cy="934256"/>
+      </dsp:txXfrm>
+    </dsp:sp>
+    <dsp:sp modelId="{01371829-483F-4C6E-A8C8-E393508F8D52}">
+      <dsp:nvSpPr>
+        <dsp:cNvPr id="0" name=""/>
+        <dsp:cNvSpPr/>
+      </dsp:nvSpPr>
+      <dsp:spPr>
+        <a:xfrm>
+          <a:off x="7358887" y="2563533"/>
+          <a:ext cx="91440" cy="396953"/>
+        </a:xfrm>
+        <a:custGeom>
+          <a:avLst/>
+          <a:gdLst/>
+          <a:ahLst/>
+          <a:cxnLst/>
+          <a:rect l="0" t="0" r="0" b="0"/>
+          <a:pathLst>
+            <a:path>
+              <a:moveTo>
+                <a:pt x="45720" y="0"/>
+              </a:moveTo>
+              <a:lnTo>
+                <a:pt x="45720" y="396953"/>
+              </a:lnTo>
+            </a:path>
+          </a:pathLst>
+        </a:custGeom>
+        <a:noFill/>
+        <a:ln w="12700" cap="flat" cmpd="sng" algn="ctr">
+          <a:solidFill>
+            <a:schemeClr val="accent1">
+              <a:shade val="80000"/>
+              <a:hueOff val="0"/>
+              <a:satOff val="0"/>
+              <a:lumOff val="0"/>
+              <a:alphaOff val="0"/>
+            </a:schemeClr>
+          </a:solidFill>
+          <a:prstDash val="solid"/>
+          <a:miter lim="800000"/>
+        </a:ln>
+        <a:effectLst/>
+      </dsp:spPr>
+      <dsp:style>
+        <a:lnRef idx="2">
+          <a:scrgbClr r="0" g="0" b="0"/>
+        </a:lnRef>
+        <a:fillRef idx="0">
+          <a:scrgbClr r="0" g="0" b="0"/>
+        </a:fillRef>
+        <a:effectRef idx="0">
+          <a:scrgbClr r="0" g="0" b="0"/>
+        </a:effectRef>
+        <a:fontRef idx="minor"/>
+      </dsp:style>
+    </dsp:sp>
+    <dsp:sp modelId="{CD724AB6-701F-453F-9D03-67770BBB3411}">
+      <dsp:nvSpPr>
+        <dsp:cNvPr id="0" name=""/>
+        <dsp:cNvSpPr/>
+      </dsp:nvSpPr>
+      <dsp:spPr>
+        <a:xfrm>
+          <a:off x="6469994" y="2960486"/>
+          <a:ext cx="1869227" cy="992388"/>
+        </a:xfrm>
+        <a:prstGeom prst="roundRect">
+          <a:avLst>
+            <a:gd name="adj" fmla="val 10000"/>
+          </a:avLst>
+        </a:prstGeom>
+        <a:solidFill>
+          <a:schemeClr val="accent1">
+            <a:hueOff val="0"/>
+            <a:satOff val="0"/>
+            <a:lumOff val="0"/>
+            <a:alphaOff val="0"/>
+          </a:schemeClr>
+        </a:solidFill>
+        <a:ln w="12700" cap="flat" cmpd="sng" algn="ctr">
+          <a:solidFill>
+            <a:schemeClr val="lt1">
+              <a:hueOff val="0"/>
+              <a:satOff val="0"/>
+              <a:lumOff val="0"/>
+              <a:alphaOff val="0"/>
+            </a:schemeClr>
+          </a:solidFill>
+          <a:prstDash val="solid"/>
+          <a:miter lim="800000"/>
+        </a:ln>
+        <a:effectLst/>
+      </dsp:spPr>
+      <dsp:style>
+        <a:lnRef idx="2">
+          <a:scrgbClr r="0" g="0" b="0"/>
+        </a:lnRef>
+        <a:fillRef idx="1">
+          <a:scrgbClr r="0" g="0" b="0"/>
+        </a:fillRef>
+        <a:effectRef idx="0">
+          <a:scrgbClr r="0" g="0" b="0"/>
+        </a:effectRef>
+        <a:fontRef idx="minor">
+          <a:schemeClr val="lt1"/>
+        </a:fontRef>
+      </dsp:style>
+      <dsp:txBody>
+        <a:bodyPr spcFirstLastPara="0" vert="horz" wrap="square" lIns="72390" tIns="72390" rIns="72390" bIns="72390" numCol="1" spcCol="1270" anchor="ctr" anchorCtr="0">
+          <a:noAutofit/>
+        </a:bodyPr>
+        <a:lstStyle/>
+        <a:p>
+          <a:pPr marL="0" lvl="0" indent="0" algn="ctr" defTabSz="844550">
+            <a:lnSpc>
+              <a:spcPct val="90000"/>
+            </a:lnSpc>
+            <a:spcBef>
+              <a:spcPct val="0"/>
+            </a:spcBef>
+            <a:spcAft>
+              <a:spcPct val="35000"/>
+            </a:spcAft>
+            <a:buNone/>
+          </a:pPr>
+          <a:r>
+            <a:rPr lang="en-US" sz="1900" kern="1200" dirty="0"/>
+            <a:t>-Model fit</a:t>
+          </a:r>
+          <a:br>
+            <a:rPr lang="en-US" sz="1900" kern="1200" dirty="0"/>
+          </a:br>
+          <a:r>
+            <a:rPr lang="en-US" sz="1900" kern="1200" dirty="0"/>
+            <a:t>-Longitudinal</a:t>
+          </a:r>
+          <a:br>
+            <a:rPr lang="en-US" sz="1900" kern="1200" dirty="0"/>
+          </a:br>
+          <a:r>
+            <a:rPr lang="en-US" sz="1900" kern="1200" dirty="0"/>
+            <a:t>-Stress</a:t>
+          </a:r>
+        </a:p>
+      </dsp:txBody>
+      <dsp:txXfrm>
+        <a:off x="6499060" y="2989552"/>
+        <a:ext cx="1811095" cy="934256"/>
+      </dsp:txXfrm>
+    </dsp:sp>
+    <dsp:sp modelId="{DB35CE40-1BCB-4D28-B7AB-EFE2EB0715F5}">
+      <dsp:nvSpPr>
+        <dsp:cNvPr id="0" name=""/>
+        <dsp:cNvSpPr/>
+      </dsp:nvSpPr>
+      <dsp:spPr>
+        <a:xfrm>
+          <a:off x="7404607" y="1092010"/>
+          <a:ext cx="2315801" cy="479134"/>
+        </a:xfrm>
+        <a:custGeom>
+          <a:avLst/>
+          <a:gdLst/>
+          <a:ahLst/>
+          <a:cxnLst/>
+          <a:rect l="0" t="0" r="0" b="0"/>
+          <a:pathLst>
+            <a:path>
+              <a:moveTo>
+                <a:pt x="0" y="0"/>
+              </a:moveTo>
+              <a:lnTo>
+                <a:pt x="0" y="239567"/>
+              </a:lnTo>
+              <a:lnTo>
+                <a:pt x="2315801" y="239567"/>
+              </a:lnTo>
+              <a:lnTo>
+                <a:pt x="2315801" y="479134"/>
+              </a:lnTo>
+            </a:path>
+          </a:pathLst>
+        </a:custGeom>
+        <a:noFill/>
+        <a:ln w="12700" cap="flat" cmpd="sng" algn="ctr">
+          <a:solidFill>
+            <a:schemeClr val="accent1">
+              <a:shade val="60000"/>
+              <a:hueOff val="0"/>
+              <a:satOff val="0"/>
+              <a:lumOff val="0"/>
+              <a:alphaOff val="0"/>
+            </a:schemeClr>
+          </a:solidFill>
+          <a:prstDash val="solid"/>
+          <a:miter lim="800000"/>
+        </a:ln>
+        <a:effectLst/>
+      </dsp:spPr>
+      <dsp:style>
+        <a:lnRef idx="2">
+          <a:scrgbClr r="0" g="0" b="0"/>
+        </a:lnRef>
+        <a:fillRef idx="0">
+          <a:scrgbClr r="0" g="0" b="0"/>
+        </a:fillRef>
+        <a:effectRef idx="0">
+          <a:scrgbClr r="0" g="0" b="0"/>
+        </a:effectRef>
+        <a:fontRef idx="minor"/>
+      </dsp:style>
+    </dsp:sp>
+    <dsp:sp modelId="{027FDAA8-24BB-409C-B310-051758028F0F}">
+      <dsp:nvSpPr>
+        <dsp:cNvPr id="0" name=""/>
+        <dsp:cNvSpPr/>
+      </dsp:nvSpPr>
+      <dsp:spPr>
+        <a:xfrm>
+          <a:off x="8785796" y="1571145"/>
+          <a:ext cx="1869227" cy="992388"/>
+        </a:xfrm>
+        <a:prstGeom prst="roundRect">
+          <a:avLst>
+            <a:gd name="adj" fmla="val 10000"/>
+          </a:avLst>
+        </a:prstGeom>
+        <a:solidFill>
+          <a:schemeClr val="accent1">
+            <a:hueOff val="0"/>
+            <a:satOff val="0"/>
+            <a:lumOff val="0"/>
+            <a:alphaOff val="0"/>
+          </a:schemeClr>
+        </a:solidFill>
+        <a:ln w="12700" cap="flat" cmpd="sng" algn="ctr">
+          <a:solidFill>
+            <a:schemeClr val="lt1">
+              <a:hueOff val="0"/>
+              <a:satOff val="0"/>
+              <a:lumOff val="0"/>
+              <a:alphaOff val="0"/>
+            </a:schemeClr>
+          </a:solidFill>
+          <a:prstDash val="solid"/>
+          <a:miter lim="800000"/>
+        </a:ln>
+        <a:effectLst/>
+      </dsp:spPr>
+      <dsp:style>
+        <a:lnRef idx="2">
+          <a:scrgbClr r="0" g="0" b="0"/>
+        </a:lnRef>
+        <a:fillRef idx="1">
+          <a:scrgbClr r="0" g="0" b="0"/>
+        </a:fillRef>
+        <a:effectRef idx="0">
+          <a:scrgbClr r="0" g="0" b="0"/>
+        </a:effectRef>
+        <a:fontRef idx="minor">
+          <a:schemeClr val="lt1"/>
+        </a:fontRef>
+      </dsp:style>
+      <dsp:txBody>
+        <a:bodyPr spcFirstLastPara="0" vert="horz" wrap="square" lIns="72390" tIns="72390" rIns="72390" bIns="72390" numCol="1" spcCol="1270" anchor="ctr" anchorCtr="0">
+          <a:noAutofit/>
+        </a:bodyPr>
+        <a:lstStyle/>
+        <a:p>
+          <a:pPr marL="0" lvl="0" indent="0" algn="ctr" defTabSz="844550">
+            <a:lnSpc>
+              <a:spcPct val="90000"/>
+            </a:lnSpc>
+            <a:spcBef>
+              <a:spcPct val="0"/>
+            </a:spcBef>
+            <a:spcAft>
+              <a:spcPct val="35000"/>
+            </a:spcAft>
+            <a:buNone/>
+          </a:pPr>
+          <a:r>
+            <a:rPr lang="en-US" sz="1900" b="1" u="none" kern="1200" dirty="0"/>
+            <a:t>DNB</a:t>
+          </a:r>
+          <a:br>
+            <a:rPr lang="en-US" sz="1900" kern="1200" dirty="0"/>
+          </a:br>
+          <a:r>
+            <a:rPr lang="en-US" sz="1900" kern="1200" dirty="0"/>
+            <a:t>T</a:t>
+          </a:r>
+          <a:r>
+            <a:rPr lang="en-US" sz="1900" kern="1200" baseline="-25000" dirty="0"/>
+            <a:t>1</a:t>
+          </a:r>
+          <a:r>
+            <a:rPr lang="en-US" sz="1900" kern="1200" dirty="0"/>
+            <a:t>, T</a:t>
+          </a:r>
+          <a:r>
+            <a:rPr lang="en-US" sz="1900" kern="1200" baseline="-25000" dirty="0"/>
+            <a:t>2</a:t>
+          </a:r>
+          <a:r>
+            <a:rPr lang="en-US" sz="1900" kern="1200" dirty="0"/>
+            <a:t>, T</a:t>
+          </a:r>
+          <a:r>
+            <a:rPr lang="en-US" sz="1900" kern="1200" baseline="-25000" dirty="0"/>
+            <a:t>3</a:t>
+          </a:r>
+          <a:r>
+            <a:rPr lang="en-US" sz="1900" kern="1200" dirty="0"/>
+            <a:t>, T</a:t>
+          </a:r>
+          <a:r>
+            <a:rPr lang="en-US" sz="1900" kern="1200" baseline="-25000" dirty="0"/>
+            <a:t>4</a:t>
+          </a:r>
+          <a:endParaRPr lang="en-US" sz="1900" kern="1200" dirty="0"/>
+        </a:p>
+      </dsp:txBody>
+      <dsp:txXfrm>
+        <a:off x="8814862" y="1600211"/>
+        <a:ext cx="1811095" cy="934256"/>
+      </dsp:txXfrm>
+    </dsp:sp>
+    <dsp:sp modelId="{08EA7D92-0FD5-4C3F-9EE2-341E6168AEE7}">
+      <dsp:nvSpPr>
+        <dsp:cNvPr id="0" name=""/>
+        <dsp:cNvSpPr/>
+      </dsp:nvSpPr>
+      <dsp:spPr>
+        <a:xfrm>
+          <a:off x="9674689" y="2563533"/>
+          <a:ext cx="91440" cy="396953"/>
+        </a:xfrm>
+        <a:custGeom>
+          <a:avLst/>
+          <a:gdLst/>
+          <a:ahLst/>
+          <a:cxnLst/>
+          <a:rect l="0" t="0" r="0" b="0"/>
+          <a:pathLst>
+            <a:path>
+              <a:moveTo>
+                <a:pt x="45720" y="0"/>
+              </a:moveTo>
+              <a:lnTo>
+                <a:pt x="45720" y="396953"/>
+              </a:lnTo>
+            </a:path>
+          </a:pathLst>
+        </a:custGeom>
+        <a:noFill/>
+        <a:ln w="12700" cap="flat" cmpd="sng" algn="ctr">
+          <a:solidFill>
+            <a:schemeClr val="accent1">
+              <a:shade val="80000"/>
+              <a:hueOff val="0"/>
+              <a:satOff val="0"/>
+              <a:lumOff val="0"/>
+              <a:alphaOff val="0"/>
+            </a:schemeClr>
+          </a:solidFill>
+          <a:prstDash val="solid"/>
+          <a:miter lim="800000"/>
+        </a:ln>
+        <a:effectLst/>
+      </dsp:spPr>
+      <dsp:style>
+        <a:lnRef idx="2">
+          <a:scrgbClr r="0" g="0" b="0"/>
+        </a:lnRef>
+        <a:fillRef idx="0">
+          <a:scrgbClr r="0" g="0" b="0"/>
+        </a:fillRef>
+        <a:effectRef idx="0">
+          <a:scrgbClr r="0" g="0" b="0"/>
+        </a:effectRef>
+        <a:fontRef idx="minor"/>
+      </dsp:style>
+    </dsp:sp>
+    <dsp:sp modelId="{7DC0006D-CB18-46A0-A977-6648E670EDC1}">
+      <dsp:nvSpPr>
+        <dsp:cNvPr id="0" name=""/>
+        <dsp:cNvSpPr/>
+      </dsp:nvSpPr>
+      <dsp:spPr>
+        <a:xfrm>
+          <a:off x="8785796" y="2960486"/>
+          <a:ext cx="1869227" cy="992388"/>
+        </a:xfrm>
+        <a:prstGeom prst="roundRect">
+          <a:avLst>
+            <a:gd name="adj" fmla="val 10000"/>
+          </a:avLst>
+        </a:prstGeom>
+        <a:solidFill>
+          <a:schemeClr val="accent1">
+            <a:hueOff val="0"/>
+            <a:satOff val="0"/>
+            <a:lumOff val="0"/>
+            <a:alphaOff val="0"/>
+          </a:schemeClr>
+        </a:solidFill>
+        <a:ln w="12700" cap="flat" cmpd="sng" algn="ctr">
+          <a:solidFill>
+            <a:schemeClr val="lt1">
+              <a:hueOff val="0"/>
+              <a:satOff val="0"/>
+              <a:lumOff val="0"/>
+              <a:alphaOff val="0"/>
+            </a:schemeClr>
+          </a:solidFill>
+          <a:prstDash val="solid"/>
+          <a:miter lim="800000"/>
+        </a:ln>
+        <a:effectLst/>
+      </dsp:spPr>
+      <dsp:style>
+        <a:lnRef idx="2">
+          <a:scrgbClr r="0" g="0" b="0"/>
+        </a:lnRef>
+        <a:fillRef idx="1">
+          <a:scrgbClr r="0" g="0" b="0"/>
+        </a:fillRef>
+        <a:effectRef idx="0">
+          <a:scrgbClr r="0" g="0" b="0"/>
+        </a:effectRef>
+        <a:fontRef idx="minor">
+          <a:schemeClr val="lt1"/>
+        </a:fontRef>
+      </dsp:style>
+      <dsp:txBody>
+        <a:bodyPr spcFirstLastPara="0" vert="horz" wrap="square" lIns="72390" tIns="72390" rIns="72390" bIns="72390" numCol="1" spcCol="1270" anchor="ctr" anchorCtr="0">
+          <a:noAutofit/>
+        </a:bodyPr>
+        <a:lstStyle/>
+        <a:p>
+          <a:pPr marL="0" lvl="0" indent="0" algn="ctr" defTabSz="844550">
+            <a:lnSpc>
+              <a:spcPct val="90000"/>
+            </a:lnSpc>
+            <a:spcBef>
+              <a:spcPct val="0"/>
+            </a:spcBef>
+            <a:spcAft>
+              <a:spcPct val="35000"/>
+            </a:spcAft>
+            <a:buNone/>
+          </a:pPr>
+          <a:r>
+            <a:rPr lang="en-US" sz="1900" kern="1200" dirty="0"/>
+            <a:t>-Model fit</a:t>
+          </a:r>
+          <a:br>
+            <a:rPr lang="en-US" sz="1900" kern="1200" dirty="0"/>
+          </a:br>
+          <a:r>
+            <a:rPr lang="en-US" sz="1900" kern="1200" dirty="0"/>
+            <a:t>-Longitudinal</a:t>
+          </a:r>
+          <a:br>
+            <a:rPr lang="en-US" sz="1900" kern="1200" dirty="0"/>
+          </a:br>
+          <a:r>
+            <a:rPr lang="en-US" sz="1900" kern="1200" dirty="0"/>
+            <a:t>-Stress</a:t>
+          </a:r>
+        </a:p>
+      </dsp:txBody>
+      <dsp:txXfrm>
+        <a:off x="8814862" y="2989552"/>
+        <a:ext cx="1811095" cy="934256"/>
+      </dsp:txXfrm>
+    </dsp:sp>
+  </dsp:spTree>
+</dsp:drawing>
+</file>
+
+<file path=ppt/diagrams/layout1.xml><?xml version="1.0" encoding="utf-8"?>
+<dgm:layoutDef xmlns:dgm="http://schemas.openxmlformats.org/drawingml/2006/diagram" xmlns:a="http://schemas.openxmlformats.org/drawingml/2006/main" uniqueId="urn:microsoft.com/office/officeart/2005/8/layout/hierarchy6">
+  <dgm:title val=""/>
+  <dgm:desc val=""/>
+  <dgm:catLst>
+    <dgm:cat type="hierarchy" pri="3000"/>
+  </dgm:catLst>
+  <dgm:sampData>
+    <dgm:dataModel>
+      <dgm:ptLst>
+        <dgm:pt modelId="0" type="doc"/>
+        <dgm:pt modelId="1">
+          <dgm:prSet phldr="1"/>
+        </dgm:pt>
+        <dgm:pt modelId="2">
+          <dgm:prSet phldr="1"/>
+        </dgm:pt>
+        <dgm:pt modelId="21">
+          <dgm:prSet phldr="1"/>
+        </dgm:pt>
+        <dgm:pt modelId="22">
+          <dgm:prSet phldr="1"/>
+        </dgm:pt>
+        <dgm:pt modelId="3">
+          <dgm:prSet phldr="1"/>
+        </dgm:pt>
+        <dgm:pt modelId="31">
+          <dgm:prSet phldr="1"/>
+        </dgm:pt>
+        <dgm:pt modelId="4">
+          <dgm:prSet phldr="1"/>
+        </dgm:pt>
+        <dgm:pt modelId="5">
+          <dgm:prSet phldr="1"/>
+        </dgm:pt>
+        <dgm:pt modelId="6">
+          <dgm:prSet phldr="1"/>
+        </dgm:pt>
+      </dgm:ptLst>
+      <dgm:cxnLst>
+        <dgm:cxn modelId="7" srcId="0" destId="1" srcOrd="0" destOrd="0"/>
+        <dgm:cxn modelId="8" srcId="1" destId="2" srcOrd="0" destOrd="0"/>
+        <dgm:cxn modelId="9" srcId="1" destId="3" srcOrd="1" destOrd="0"/>
+        <dgm:cxn modelId="23" srcId="2" destId="21" srcOrd="0" destOrd="0"/>
+        <dgm:cxn modelId="24" srcId="2" destId="22" srcOrd="1" destOrd="0"/>
+        <dgm:cxn modelId="33" srcId="3" destId="31" srcOrd="0" destOrd="0"/>
+        <dgm:cxn modelId="10" srcId="0" destId="4" srcOrd="1" destOrd="0"/>
+        <dgm:cxn modelId="11" srcId="0" destId="5" srcOrd="2" destOrd="0"/>
+        <dgm:cxn modelId="12" srcId="0" destId="6" srcOrd="3" destOrd="0"/>
+      </dgm:cxnLst>
+      <dgm:bg/>
+      <dgm:whole/>
+    </dgm:dataModel>
+  </dgm:sampData>
+  <dgm:styleData>
+    <dgm:dataModel>
+      <dgm:ptLst>
+        <dgm:pt modelId="0" type="doc"/>
+        <dgm:pt modelId="1"/>
+        <dgm:pt modelId="11"/>
+        <dgm:pt modelId="12"/>
+        <dgm:pt modelId="2"/>
+        <dgm:pt modelId="3"/>
+      </dgm:ptLst>
+      <dgm:cxnLst>
+        <dgm:cxn modelId="4" srcId="0" destId="1" srcOrd="0" destOrd="0"/>
+        <dgm:cxn modelId="13" srcId="1" destId="11" srcOrd="0" destOrd="0"/>
+        <dgm:cxn modelId="14" srcId="1" destId="12" srcOrd="1" destOrd="0"/>
+        <dgm:cxn modelId="5" srcId="0" destId="2" srcOrd="1" destOrd="0"/>
+        <dgm:cxn modelId="6" srcId="0" destId="3" srcOrd="2" destOrd="0"/>
+      </dgm:cxnLst>
+      <dgm:bg/>
+      <dgm:whole/>
+    </dgm:dataModel>
+  </dgm:styleData>
+  <dgm:clrData>
+    <dgm:dataModel>
+      <dgm:ptLst>
+        <dgm:pt modelId="0" type="doc"/>
+        <dgm:pt modelId="1"/>
+        <dgm:pt modelId="2"/>
+        <dgm:pt modelId="21"/>
+        <dgm:pt modelId="211"/>
+        <dgm:pt modelId="3"/>
+        <dgm:pt modelId="31"/>
+        <dgm:pt modelId="311"/>
+        <dgm:pt modelId="4"/>
+        <dgm:pt modelId="5"/>
+        <dgm:pt modelId="6"/>
+        <dgm:pt modelId="7"/>
+      </dgm:ptLst>
+      <dgm:cxnLst>
+        <dgm:cxn modelId="8" srcId="0" destId="1" srcOrd="0" destOrd="0"/>
+        <dgm:cxn modelId="9" srcId="1" destId="2" srcOrd="0" destOrd="0"/>
+        <dgm:cxn modelId="10" srcId="1" destId="3" srcOrd="1" destOrd="0"/>
+        <dgm:cxn modelId="23" srcId="2" destId="21" srcOrd="0" destOrd="0"/>
+        <dgm:cxn modelId="24" srcId="21" destId="211" srcOrd="0" destOrd="0"/>
+        <dgm:cxn modelId="33" srcId="3" destId="31" srcOrd="0" destOrd="0"/>
+        <dgm:cxn modelId="34" srcId="31" destId="311" srcOrd="0" destOrd="0"/>
+        <dgm:cxn modelId="11" srcId="0" destId="4" srcOrd="1" destOrd="0"/>
+        <dgm:cxn modelId="12" srcId="0" destId="5" srcOrd="2" destOrd="0"/>
+        <dgm:cxn modelId="13" srcId="0" destId="6" srcOrd="3" destOrd="0"/>
+        <dgm:cxn modelId="14" srcId="0" destId="7" srcOrd="4" destOrd="0"/>
+      </dgm:cxnLst>
+      <dgm:bg/>
+      <dgm:whole/>
+    </dgm:dataModel>
+  </dgm:clrData>
+  <dgm:layoutNode name="mainComposite">
+    <dgm:varLst>
+      <dgm:chPref val="1"/>
+      <dgm:dir/>
+      <dgm:animOne val="branch"/>
+      <dgm:animLvl val="lvl"/>
+      <dgm:resizeHandles val="exact"/>
+    </dgm:varLst>
+    <dgm:alg type="composite">
+      <dgm:param type="vertAlign" val="mid"/>
+      <dgm:param type="horzAlign" val="ctr"/>
+    </dgm:alg>
+    <dgm:shape xmlns:r="http://schemas.openxmlformats.org/officeDocument/2006/relationships" r:blip="">
+      <dgm:adjLst/>
+    </dgm:shape>
+    <dgm:presOf/>
+    <dgm:choose name="Name0">
+      <dgm:if name="Name1" axis="ch" ptType="node" func="cnt" op="gte" val="2">
+        <dgm:choose name="Name2">
+          <dgm:if name="Name3" func="var" arg="dir" op="equ" val="norm">
+            <dgm:constrLst>
+              <dgm:constr type="l" for="ch" forName="hierFlow" refType="w" fact="0.3"/>
+              <dgm:constr type="t" for="ch" forName="hierFlow"/>
+              <dgm:constr type="r" for="ch" forName="hierFlow" refType="w" fact="0.98"/>
+              <dgm:constr type="b" for="ch" forName="hierFlow" refType="h" fact="0.98"/>
+              <dgm:constr type="l" for="ch" forName="bgShapesFlow"/>
+              <dgm:constr type="t" for="ch" forName="bgShapesFlow"/>
+              <dgm:constr type="r" for="ch" forName="bgShapesFlow" refType="w"/>
+              <dgm:constr type="b" for="ch" forName="bgShapesFlow" refType="h"/>
+              <dgm:constr type="w" for="des" forName="level1Shape" refType="w"/>
+              <dgm:constr type="h" for="des" forName="level1Shape" refType="w" refFor="des" refForName="level1Shape" fact="0.66667"/>
+              <dgm:constr type="w" for="des" forName="level2Shape" refType="w" refFor="des" refForName="level1Shape" op="equ"/>
+              <dgm:constr type="h" for="des" forName="level2Shape" refType="h" refFor="des" refForName="level1Shape" op="equ"/>
+              <dgm:constr type="sp" for="des" refType="h" refFor="des" refForName="level1Shape" op="equ" fact="0.4"/>
+              <dgm:constr type="sibSp" for="des" forName="hierChild1" refType="w" refFor="des" refForName="level1Shape" op="equ" fact="0.3"/>
+              <dgm:constr type="sibSp" for="des" forName="hierChild2" refType="sibSp" refFor="des" refForName="hierChild1" op="equ"/>
+              <dgm:constr type="sibSp" for="des" forName="hierChild3" refType="sibSp" refFor="des" refForName="hierChild1" op="equ"/>
+              <dgm:constr type="userA" for="des" refType="h" refFor="des" refForName="level1Shape" op="equ"/>
+              <dgm:constr type="userB" for="des" refType="sp" refFor="des" op="equ"/>
+              <dgm:constr type="h" for="des" forName="firstBuf" refType="h" refFor="des" refForName="level1Shape" fact="0.1"/>
+            </dgm:constrLst>
+          </dgm:if>
+          <dgm:else name="Name4">
+            <dgm:constrLst>
+              <dgm:constr type="l" for="ch" forName="hierFlow" refType="w" fact="0.02"/>
+              <dgm:constr type="t" for="ch" forName="hierFlow"/>
+              <dgm:constr type="r" for="ch" forName="hierFlow" refType="w" fact="0.7"/>
+              <dgm:constr type="b" for="ch" forName="hierFlow" refType="h" fact="0.98"/>
+              <dgm:constr type="l" for="ch" forName="bgShapesFlow"/>
+              <dgm:constr type="t" for="ch" forName="bgShapesFlow"/>
+              <dgm:constr type="r" for="ch" forName="bgShapesFlow" refType="w"/>
+              <dgm:constr type="b" for="ch" forName="bgShapesFlow" refType="h"/>
+              <dgm:constr type="w" for="des" forName="level1Shape" refType="w"/>
+              <dgm:constr type="h" for="des" forName="level1Shape" refType="w" refFor="des" refForName="level1Shape" fact="0.66667"/>
+              <dgm:constr type="w" for="des" forName="level2Shape" refType="w" refFor="des" refForName="level1Shape" op="equ"/>
+              <dgm:constr type="h" for="des" forName="level2Shape" refType="h" refFor="des" refForName="level1Shape" op="equ"/>
+              <dgm:constr type="sp" for="des" refType="h" refFor="des" refForName="level1Shape" op="equ" fact="0.4"/>
+              <dgm:constr type="sibSp" for="des" forName="hierChild1" refType="w" refFor="des" refForName="level1Shape" op="equ" fact="0.3"/>
+              <dgm:constr type="sibSp" for="des" forName="hierChild2" refType="sibSp" refFor="des" refForName="hierChild1" op="equ"/>
+              <dgm:constr type="sibSp" for="des" forName="hierChild3" refType="sibSp" refFor="des" refForName="hierChild1" op="equ"/>
+              <dgm:constr type="userA" for="des" refType="h" refFor="des" refForName="level1Shape" op="equ"/>
+              <dgm:constr type="userB" for="des" refType="sp" refFor="des" op="equ"/>
+              <dgm:constr type="h" for="des" forName="firstBuf" refType="h" refFor="des" refForName="level1Shape" fact="0.1"/>
+            </dgm:constrLst>
+          </dgm:else>
+        </dgm:choose>
+      </dgm:if>
+      <dgm:else name="Name5">
+        <dgm:constrLst>
+          <dgm:constr type="l" for="ch" forName="hierFlow"/>
+          <dgm:constr type="t" for="ch" forName="hierFlow"/>
+          <dgm:constr type="r" for="ch" forName="hierFlow" refType="w"/>
+          <dgm:constr type="b" for="ch" forName="hierFlow" refType="h"/>
+          <dgm:constr type="l" for="ch" forName="bgShapesFlow"/>
+          <dgm:constr type="t" for="ch" forName="bgShapesFlow"/>
+          <dgm:constr type="r" for="ch" forName="bgShapesFlow" refType="w"/>
+          <dgm:constr type="b" for="ch" forName="bgShapesFlow" refType="h"/>
+          <dgm:constr type="w" for="des" forName="level1Shape" refType="w"/>
+          <dgm:constr type="h" for="des" forName="level1Shape" refType="w" refFor="des" refForName="level1Shape" fact="0.66667"/>
+          <dgm:constr type="w" for="des" forName="level2Shape" refType="w" refFor="des" refForName="level1Shape" op="equ"/>
+          <dgm:constr type="h" for="des" forName="level2Shape" refType="h" refFor="des" refForName="level1Shape" op="equ"/>
+          <dgm:constr type="sp" for="des" refType="h" refFor="des" refForName="level1Shape" op="equ" fact="0.4"/>
+          <dgm:constr type="sibSp" for="des" forName="hierChild1" refType="w" refFor="des" refForName="level1Shape" op="equ" fact="0.3"/>
+          <dgm:constr type="sibSp" for="des" forName="hierChild2" refType="sibSp" refFor="des" refForName="hierChild1" op="equ"/>
+          <dgm:constr type="sibSp" for="des" forName="hierChild3" refType="sibSp" refFor="des" refForName="hierChild1" op="equ"/>
+          <dgm:constr type="userA" for="des" refType="h" refFor="des" refForName="level1Shape" op="equ"/>
+          <dgm:constr type="userB" for="des" refType="sp" refFor="des" op="equ"/>
+          <dgm:constr type="h" for="des" forName="firstBuf" refType="h" refFor="des" refForName="level1Shape" fact="0.1"/>
+        </dgm:constrLst>
+      </dgm:else>
+    </dgm:choose>
+    <dgm:ruleLst/>
+    <dgm:layoutNode name="hierFlow">
+      <dgm:alg type="lin">
+        <dgm:param type="linDir" val="fromT"/>
+        <dgm:param type="nodeVertAlign" val="t"/>
+        <dgm:param type="vertAlign" val="t"/>
+        <dgm:param type="nodeHorzAlign" val="ctr"/>
+        <dgm:param type="fallback" val="2D"/>
+      </dgm:alg>
+      <dgm:shape xmlns:r="http://schemas.openxmlformats.org/officeDocument/2006/relationships" r:blip="">
+        <dgm:adjLst/>
+      </dgm:shape>
+      <dgm:presOf/>
+      <dgm:constrLst/>
+      <dgm:ruleLst/>
+      <dgm:choose name="Name6">
+        <dgm:if name="Name7" axis="ch" ptType="node" func="cnt" op="gte" val="2">
+          <dgm:layoutNode name="firstBuf">
+            <dgm:alg type="sp"/>
+            <dgm:shape xmlns:r="http://schemas.openxmlformats.org/officeDocument/2006/relationships" r:blip="">
+              <dgm:adjLst/>
+            </dgm:shape>
+            <dgm:presOf/>
+            <dgm:constrLst/>
+            <dgm:ruleLst/>
+          </dgm:layoutNode>
+        </dgm:if>
+        <dgm:else name="Name8"/>
+      </dgm:choose>
+      <dgm:layoutNode name="hierChild1">
+        <dgm:varLst>
+          <dgm:chPref val="1"/>
+          <dgm:animOne val="branch"/>
+          <dgm:animLvl val="lvl"/>
+        </dgm:varLst>
+        <dgm:choose name="Name9">
+          <dgm:if name="Name10" func="var" arg="dir" op="equ" val="norm">
+            <dgm:alg type="hierChild">
+              <dgm:param type="linDir" val="fromL"/>
+              <dgm:param type="vertAlign" val="t"/>
+            </dgm:alg>
+          </dgm:if>
+          <dgm:else name="Name11">
+            <dgm:alg type="hierChild">
+              <dgm:param type="linDir" val="fromR"/>
+              <dgm:param type="vertAlign" val="t"/>
+            </dgm:alg>
+          </dgm:else>
+        </dgm:choose>
+        <dgm:shape xmlns:r="http://schemas.openxmlformats.org/officeDocument/2006/relationships" r:blip="">
+          <dgm:adjLst/>
+        </dgm:shape>
+        <dgm:presOf/>
+        <dgm:constrLst>
+          <dgm:constr type="primFontSz" for="des" ptType="node" op="equ"/>
+        </dgm:constrLst>
+        <dgm:ruleLst/>
+        <dgm:forEach name="Name12" axis="ch" cnt="3">
+          <dgm:forEach name="Name13" axis="self" ptType="node">
+            <dgm:layoutNode name="Name14">
+              <dgm:alg type="hierRoot"/>
+              <dgm:shape xmlns:r="http://schemas.openxmlformats.org/officeDocument/2006/relationships" r:blip="">
+                <dgm:adjLst/>
+              </dgm:shape>
+              <dgm:presOf/>
+              <dgm:constrLst/>
+              <dgm:ruleLst/>
+              <dgm:layoutNode name="level1Shape" styleLbl="node0">
+                <dgm:varLst>
+                  <dgm:chPref val="3"/>
+                </dgm:varLst>
+                <dgm:alg type="tx"/>
+                <dgm:shape xmlns:r="http://schemas.openxmlformats.org/officeDocument/2006/relationships" type="roundRect" r:blip="">
+                  <dgm:adjLst>
+                    <dgm:adj idx="1" val="0.1"/>
+                  </dgm:adjLst>
+                </dgm:shape>
+                <dgm:presOf axis="self"/>
+                <dgm:constrLst>
+                  <dgm:constr type="primFontSz" val="65"/>
+                  <dgm:constr type="tMarg" refType="primFontSz" fact="0.3"/>
+                  <dgm:constr type="bMarg" refType="primFontSz" fact="0.3"/>
+                  <dgm:constr type="lMarg" refType="primFontSz" fact="0.3"/>
+                  <dgm:constr type="rMarg" refType="primFontSz" fact="0.3"/>
+                </dgm:constrLst>
+                <dgm:ruleLst>
+                  <dgm:rule type="primFontSz" val="5" fact="NaN" max="NaN"/>
+                </dgm:ruleLst>
+              </dgm:layoutNode>
+              <dgm:layoutNode name="hierChild2">
+                <dgm:choose name="Name15">
+                  <dgm:if name="Name16" func="var" arg="dir" op="equ" val="norm">
+                    <dgm:alg type="hierChild">
+                      <dgm:param type="linDir" val="fromL"/>
+                    </dgm:alg>
+                  </dgm:if>
+                  <dgm:else name="Name17">
+                    <dgm:alg type="hierChild">
+                      <dgm:param type="linDir" val="fromR"/>
+                    </dgm:alg>
+                  </dgm:else>
+                </dgm:choose>
+                <dgm:shape xmlns:r="http://schemas.openxmlformats.org/officeDocument/2006/relationships" r:blip="">
+                  <dgm:adjLst/>
+                </dgm:shape>
+                <dgm:presOf/>
+                <dgm:constrLst/>
+                <dgm:ruleLst/>
+                <dgm:forEach name="repeat" axis="ch">
+                  <dgm:forEach name="Name18" axis="self" ptType="parTrans" cnt="1">
+                    <dgm:layoutNode name="Name19">
+                      <dgm:alg type="conn">
+                        <dgm:param type="dim" val="1D"/>
+                        <dgm:param type="endSty" val="noArr"/>
+                        <dgm:param type="connRout" val="bend"/>
+                        <dgm:param type="begPts" val="bCtr"/>
+                        <dgm:param type="endPts" val="tCtr"/>
+                      </dgm:alg>
+                      <dgm:shape xmlns:r="http://schemas.openxmlformats.org/officeDocument/2006/relationships" type="conn" r:blip="">
+                        <dgm:adjLst/>
+                      </dgm:shape>
+                      <dgm:presOf axis="self"/>
+                      <dgm:constrLst>
+                        <dgm:constr type="w" val="1"/>
+                        <dgm:constr type="h" val="1"/>
+                        <dgm:constr type="begPad"/>
+                        <dgm:constr type="endPad"/>
+                      </dgm:constrLst>
+                      <dgm:ruleLst/>
+                    </dgm:layoutNode>
+                  </dgm:forEach>
+                  <dgm:forEach name="Name20" axis="self" ptType="node">
+                    <dgm:layoutNode name="Name21">
+                      <dgm:alg type="hierRoot"/>
+                      <dgm:shape xmlns:r="http://schemas.openxmlformats.org/officeDocument/2006/relationships" r:blip="">
+                        <dgm:adjLst/>
+                      </dgm:shape>
+                      <dgm:presOf/>
+                      <dgm:constrLst/>
+                      <dgm:ruleLst/>
+                      <dgm:layoutNode name="level2Shape">
+                        <dgm:alg type="tx"/>
+                        <dgm:shape xmlns:r="http://schemas.openxmlformats.org/officeDocument/2006/relationships" type="roundRect" r:blip="">
+                          <dgm:adjLst>
+                            <dgm:adj idx="1" val="0.1"/>
+                          </dgm:adjLst>
+                        </dgm:shape>
+                        <dgm:presOf axis="self"/>
+                        <dgm:constrLst>
+                          <dgm:constr type="primFontSz" val="65"/>
+                          <dgm:constr type="tMarg" refType="primFontSz" fact="0.3"/>
+                          <dgm:constr type="bMarg" refType="primFontSz" fact="0.3"/>
+                          <dgm:constr type="lMarg" refType="primFontSz" fact="0.3"/>
+                          <dgm:constr type="rMarg" refType="primFontSz" fact="0.3"/>
+                        </dgm:constrLst>
+                        <dgm:ruleLst>
+                          <dgm:rule type="primFontSz" val="5" fact="NaN" max="NaN"/>
+                        </dgm:ruleLst>
+                      </dgm:layoutNode>
+                      <dgm:layoutNode name="hierChild3">
+                        <dgm:choose name="Name22">
+                          <dgm:if name="Name23" func="var" arg="dir" op="equ" val="norm">
+                            <dgm:alg type="hierChild">
+                              <dgm:param type="linDir" val="fromL"/>
+                            </dgm:alg>
+                          </dgm:if>
+                          <dgm:else name="Name24">
+                            <dgm:alg type="hierChild">
+                              <dgm:param type="linDir" val="fromR"/>
+                            </dgm:alg>
+                          </dgm:else>
+                        </dgm:choose>
+                        <dgm:shape xmlns:r="http://schemas.openxmlformats.org/officeDocument/2006/relationships" r:blip="">
+                          <dgm:adjLst/>
+                        </dgm:shape>
+                        <dgm:presOf/>
+                        <dgm:constrLst/>
+                        <dgm:ruleLst/>
+                        <dgm:forEach name="Name25" ref="repeat"/>
+                      </dgm:layoutNode>
+                    </dgm:layoutNode>
+                  </dgm:forEach>
+                </dgm:forEach>
+              </dgm:layoutNode>
+            </dgm:layoutNode>
+          </dgm:forEach>
+        </dgm:forEach>
+      </dgm:layoutNode>
+    </dgm:layoutNode>
+    <dgm:layoutNode name="bgShapesFlow">
+      <dgm:alg type="lin">
+        <dgm:param type="linDir" val="fromT"/>
+        <dgm:param type="nodeVertAlign" val="t"/>
+        <dgm:param type="vertAlign" val="t"/>
+        <dgm:param type="nodeHorzAlign" val="ctr"/>
+      </dgm:alg>
+      <dgm:shape xmlns:r="http://schemas.openxmlformats.org/officeDocument/2006/relationships" r:blip="">
+        <dgm:adjLst/>
+      </dgm:shape>
+      <dgm:presOf/>
+      <dgm:constrLst>
+        <dgm:constr type="userB"/>
+        <dgm:constr type="w" for="ch" forName="rectComp" refType="w"/>
+        <dgm:constr type="h" for="ch" forName="rectComp" refType="h"/>
+        <dgm:constr type="w" for="des" forName="bgRect" refType="w"/>
+        <dgm:constr type="primFontSz" for="des" forName="bgRectTx" op="equ"/>
+      </dgm:constrLst>
+      <dgm:ruleLst/>
+      <dgm:forEach name="Name26" axis="ch" ptType="node" st="2">
+        <dgm:layoutNode name="rectComp">
+          <dgm:alg type="composite">
+            <dgm:param type="vertAlign" val="t"/>
+            <dgm:param type="horzAlign" val="ctr"/>
+          </dgm:alg>
+          <dgm:shape xmlns:r="http://schemas.openxmlformats.org/officeDocument/2006/relationships" r:blip="">
+            <dgm:adjLst/>
+          </dgm:shape>
+          <dgm:presOf/>
+          <dgm:choose name="Name27">
+            <dgm:if name="Name28" func="var" arg="dir" op="equ" val="norm">
+              <dgm:constrLst>
+                <dgm:constr type="userA"/>
+                <dgm:constr type="l" for="ch" forName="bgRect"/>
+                <dgm:constr type="t" for="ch" forName="bgRect"/>
+                <dgm:constr type="h" for="ch" forName="bgRect" refType="userA" fact="1.2"/>
+                <dgm:constr type="l" for="ch" forName="bgRectTx"/>
+                <dgm:constr type="t" for="ch" forName="bgRectTx"/>
+                <dgm:constr type="w" for="ch" forName="bgRectTx" refType="w" refFor="ch" refForName="bgRect" fact="0.3"/>
+                <dgm:constr type="h" for="ch" forName="bgRectTx" refType="h" refFor="ch" refForName="bgRect" op="equ"/>
+              </dgm:constrLst>
+            </dgm:if>
+            <dgm:else name="Name29">
+              <dgm:constrLst>
+                <dgm:constr type="userA"/>
+                <dgm:constr type="l" for="ch" forName="bgRect"/>
+                <dgm:constr type="t" for="ch" forName="bgRect"/>
+                <dgm:constr type="h" for="ch" forName="bgRect" refType="userA" fact="1.2"/>
+                <dgm:constr type="r" for="ch" forName="bgRectTx" refType="w"/>
+                <dgm:constr type="t" for="ch" forName="bgRectTx"/>
+                <dgm:constr type="w" for="ch" forName="bgRectTx" refType="w" refFor="ch" refForName="bgRect" fact="0.3"/>
+                <dgm:constr type="h" for="ch" forName="bgRectTx" refType="h" refFor="ch" refForName="bgRect" op="equ"/>
+              </dgm:constrLst>
+            </dgm:else>
+          </dgm:choose>
+          <dgm:ruleLst/>
+          <dgm:layoutNode name="bgRect" styleLbl="bgShp">
+            <dgm:alg type="sp"/>
+            <dgm:shape xmlns:r="http://schemas.openxmlformats.org/officeDocument/2006/relationships" type="roundRect" r:blip="" zOrderOff="-999">
+              <dgm:adjLst>
+                <dgm:adj idx="1" val="0.1"/>
+              </dgm:adjLst>
+            </dgm:shape>
+            <dgm:presOf axis="desOrSelf" ptType="node"/>
+            <dgm:constrLst/>
+            <dgm:ruleLst/>
+          </dgm:layoutNode>
+          <dgm:layoutNode name="bgRectTx" styleLbl="bgShp">
+            <dgm:varLst>
+              <dgm:bulletEnabled val="1"/>
+            </dgm:varLst>
+            <dgm:alg type="tx"/>
+            <dgm:presOf axis="desOrSelf" ptType="node"/>
+            <dgm:shape xmlns:r="http://schemas.openxmlformats.org/officeDocument/2006/relationships" type="rect" r:blip="" zOrderOff="-999" hideGeom="1">
+              <dgm:adjLst/>
+            </dgm:shape>
+            <dgm:constrLst>
+              <dgm:constr type="primFontSz" val="65"/>
+            </dgm:constrLst>
+            <dgm:ruleLst>
+              <dgm:rule type="primFontSz" val="5" fact="NaN" max="NaN"/>
+            </dgm:ruleLst>
+          </dgm:layoutNode>
+        </dgm:layoutNode>
+        <dgm:choose name="Name30">
+          <dgm:if name="Name31" axis="self" ptType="node" func="revPos" op="gte" val="2">
+            <dgm:layoutNode name="spComp">
+              <dgm:alg type="composite">
+                <dgm:param type="vertAlign" val="t"/>
+                <dgm:param type="horzAlign" val="ctr"/>
+              </dgm:alg>
+              <dgm:shape xmlns:r="http://schemas.openxmlformats.org/officeDocument/2006/relationships" r:blip="">
+                <dgm:adjLst/>
+              </dgm:shape>
+              <dgm:presOf/>
+              <dgm:constrLst>
+                <dgm:constr type="userA"/>
+                <dgm:constr type="userB"/>
+                <dgm:constr type="l" for="ch" forName="vSp"/>
+                <dgm:constr type="t" for="ch" forName="vSp"/>
+                <dgm:constr type="h" for="ch" forName="vSp" refType="userB"/>
+                <dgm:constr type="hOff" for="ch" forName="vSp" refType="userA" fact="-0.2"/>
+              </dgm:constrLst>
+              <dgm:ruleLst/>
+              <dgm:layoutNode name="vSp">
+                <dgm:alg type="sp"/>
+                <dgm:shape xmlns:r="http://schemas.openxmlformats.org/officeDocument/2006/relationships" r:blip="">
+                  <dgm:adjLst/>
+                </dgm:shape>
+                <dgm:presOf/>
+                <dgm:constrLst/>
+                <dgm:ruleLst/>
+              </dgm:layoutNode>
+            </dgm:layoutNode>
+          </dgm:if>
+          <dgm:else name="Name32"/>
+        </dgm:choose>
+      </dgm:forEach>
+    </dgm:layoutNode>
+  </dgm:layoutNode>
+</dgm:layoutDef>
+</file>
+
+<file path=ppt/diagrams/quickStyle1.xml><?xml version="1.0" encoding="utf-8"?>
+<dgm:styleDef xmlns:dgm="http://schemas.openxmlformats.org/drawingml/2006/diagram" xmlns:a="http://schemas.openxmlformats.org/drawingml/2006/main" uniqueId="urn:microsoft.com/office/officeart/2005/8/quickstyle/simple1">
+  <dgm:title val=""/>
+  <dgm:desc val=""/>
+  <dgm:catLst>
+    <dgm:cat type="simple" pri="10100"/>
+  </dgm:catLst>
+  <dgm:scene3d>
+    <a:camera prst="orthographicFront"/>
+    <a:lightRig rig="threePt" dir="t"/>
+  </dgm:scene3d>
+  <dgm:styleLbl name="node0">
+    <dgm:scene3d>
+      <a:camera prst="orthographicFront"/>
+      <a:lightRig rig="threePt" dir="t"/>
+    </dgm:scene3d>
+    <dgm:sp3d/>
+    <dgm:txPr/>
+    <dgm:style>
+      <a:lnRef idx="2">
+        <a:scrgbClr r="0" g="0" b="0"/>
+      </a:lnRef>
+      <a:fillRef idx="1">
+        <a:scrgbClr r="0" g="0" b="0"/>
+      </a:fillRef>
+      <a:effectRef idx="0">
+        <a:scrgbClr r="0" g="0" b="0"/>
+      </a:effectRef>
+      <a:fontRef idx="minor">
+        <a:schemeClr val="lt1"/>
+      </a:fontRef>
+    </dgm:style>
+  </dgm:styleLbl>
+  <dgm:styleLbl name="lnNode1">
+    <dgm:scene3d>
+      <a:camera prst="orthographicFront"/>
+      <a:lightRig rig="threePt" dir="t"/>
+    </dgm:scene3d>
+    <dgm:sp3d/>
+    <dgm:txPr/>
+    <dgm:style>
+      <a:lnRef idx="2">
+        <a:scrgbClr r="0" g="0" b="0"/>
+      </a:lnRef>
+      <a:fillRef idx="1">
+        <a:scrgbClr r="0" g="0" b="0"/>
+      </a:fillRef>
+      <a:effectRef idx="0">
+        <a:scrgbClr r="0" g="0" b="0"/>
+      </a:effectRef>
+      <a:fontRef idx="minor">
+        <a:schemeClr val="lt1"/>
+      </a:fontRef>
+    </dgm:style>
+  </dgm:styleLbl>
+  <dgm:styleLbl name="vennNode1">
+    <dgm:scene3d>
+      <a:camera prst="orthographicFront"/>
+      <a:lightRig rig="threePt" dir="t"/>
+    </dgm:scene3d>
+    <dgm:sp3d/>
+    <dgm:txPr/>
+    <dgm:style>
+      <a:lnRef idx="2">
+        <a:scrgbClr r="0" g="0" b="0"/>
+      </a:lnRef>
+      <a:fillRef idx="1">
+        <a:scrgbClr r="0" g="0" b="0"/>
+      </a:fillRef>
+      <a:effectRef idx="0">
+        <a:scrgbClr r="0" g="0" b="0"/>
+      </a:effectRef>
+      <a:fontRef idx="minor">
+        <a:schemeClr val="tx1"/>
+      </a:fontRef>
+    </dgm:style>
+  </dgm:styleLbl>
+  <dgm:styleLbl name="alignNode1">
+    <dgm:scene3d>
+      <a:camera prst="orthographicFront"/>
+      <a:lightRig rig="threePt" dir="t"/>
+    </dgm:scene3d>
+    <dgm:sp3d/>
+    <dgm:txPr/>
+    <dgm:style>
+      <a:lnRef idx="2">
+        <a:scrgbClr r="0" g="0" b="0"/>
+      </a:lnRef>
+      <a:fillRef idx="1">
+        <a:scrgbClr r="0" g="0" b="0"/>
+      </a:fillRef>
+      <a:effectRef idx="0">
+        <a:scrgbClr r="0" g="0" b="0"/>
+      </a:effectRef>
+      <a:fontRef idx="minor">
+        <a:schemeClr val="lt1"/>
+      </a:fontRef>
+    </dgm:style>
+  </dgm:styleLbl>
+  <dgm:styleLbl name="node1">
+    <dgm:scene3d>
+      <a:camera prst="orthographicFront"/>
+      <a:lightRig rig="threePt" dir="t"/>
+    </dgm:scene3d>
+    <dgm:sp3d/>
+    <dgm:txPr/>
+    <dgm:style>
+      <a:lnRef idx="2">
+        <a:scrgbClr r="0" g="0" b="0"/>
+      </a:lnRef>
+      <a:fillRef idx="1">
+        <a:scrgbClr r="0" g="0" b="0"/>
+      </a:fillRef>
+      <a:effectRef idx="0">
+        <a:scrgbClr r="0" g="0" b="0"/>
+      </a:effectRef>
+      <a:fontRef idx="minor">
+        <a:schemeClr val="lt1"/>
+      </a:fontRef>
+    </dgm:style>
+  </dgm:styleLbl>
+  <dgm:styleLbl name="node2">
+    <dgm:scene3d>
+      <a:camera prst="orthographicFront"/>
+      <a:lightRig rig="threePt" dir="t"/>
+    </dgm:scene3d>
+    <dgm:sp3d/>
+    <dgm:txPr/>
+    <dgm:style>
+      <a:lnRef idx="2">
+        <a:scrgbClr r="0" g="0" b="0"/>
+      </a:lnRef>
+      <a:fillRef idx="1">
+        <a:scrgbClr r="0" g="0" b="0"/>
+      </a:fillRef>
+      <a:effectRef idx="0">
+        <a:scrgbClr r="0" g="0" b="0"/>
+      </a:effectRef>
+      <a:fontRef idx="minor">
+        <a:schemeClr val="lt1"/>
+      </a:fontRef>
+    </dgm:style>
+  </dgm:styleLbl>
+  <dgm:styleLbl name="node3">
+    <dgm:scene3d>
+      <a:camera prst="orthographicFront"/>
+      <a:lightRig rig="threePt" dir="t"/>
+    </dgm:scene3d>
+    <dgm:sp3d/>
+    <dgm:txPr/>
+    <dgm:style>
+      <a:lnRef idx="2">
+        <a:scrgbClr r="0" g="0" b="0"/>
+      </a:lnRef>
+      <a:fillRef idx="1">
+        <a:scrgbClr r="0" g="0" b="0"/>
+      </a:fillRef>
+      <a:effectRef idx="0">
+        <a:scrgbClr r="0" g="0" b="0"/>
+      </a:effectRef>
+      <a:fontRef idx="minor">
+        <a:schemeClr val="lt1"/>
+      </a:fontRef>
+    </dgm:style>
+  </dgm:styleLbl>
+  <dgm:styleLbl name="node4">
+    <dgm:scene3d>
+      <a:camera prst="orthographicFront"/>
+      <a:lightRig rig="threePt" dir="t"/>
+    </dgm:scene3d>
+    <dgm:sp3d/>
+    <dgm:txPr/>
+    <dgm:style>
+      <a:lnRef idx="2">
+        <a:scrgbClr r="0" g="0" b="0"/>
+      </a:lnRef>
+      <a:fillRef idx="1">
+        <a:scrgbClr r="0" g="0" b="0"/>
+      </a:fillRef>
+      <a:effectRef idx="0">
+        <a:scrgbClr r="0" g="0" b="0"/>
+      </a:effectRef>
+      <a:fontRef idx="minor">
+        <a:schemeClr val="lt1"/>
+      </a:fontRef>
+    </dgm:style>
+  </dgm:styleLbl>
+  <dgm:styleLbl name="fgImgPlace1">
+    <dgm:scene3d>
+      <a:camera prst="orthographicFront"/>
+      <a:lightRig rig="threePt" dir="t"/>
+    </dgm:scene3d>
+    <dgm:sp3d/>
+    <dgm:txPr/>
+    <dgm:style>
+      <a:lnRef idx="2">
+        <a:scrgbClr r="0" g="0" b="0"/>
+      </a:lnRef>
+      <a:fillRef idx="1">
+        <a:scrgbClr r="0" g="0" b="0"/>
+      </a:fillRef>
+      <a:effectRef idx="0">
+        <a:scrgbClr r="0" g="0" b="0"/>
+      </a:effectRef>
+      <a:fontRef idx="minor"/>
+    </dgm:style>
+  </dgm:styleLbl>
+  <dgm:styleLbl name="alignImgPlace1">
+    <dgm:scene3d>
+      <a:camera prst="orthographicFront"/>
+      <a:lightRig rig="threePt" dir="t"/>
+    </dgm:scene3d>
+    <dgm:sp3d/>
+    <dgm:txPr/>
+    <dgm:style>
+      <a:lnRef idx="2">
+        <a:scrgbClr r="0" g="0" b="0"/>
+      </a:lnRef>
+      <a:fillRef idx="1">
+        <a:scrgbClr r="0" g="0" b="0"/>
+      </a:fillRef>
+      <a:effectRef idx="0">
+        <a:scrgbClr r="0" g="0" b="0"/>
+      </a:effectRef>
+      <a:fontRef idx="minor"/>
+    </dgm:style>
+  </dgm:styleLbl>
+  <dgm:styleLbl name="bgImgPlace1">
+    <dgm:scene3d>
+      <a:camera prst="orthographicFront"/>
+      <a:lightRig rig="threePt" dir="t"/>
+    </dgm:scene3d>
+    <dgm:sp3d/>
+    <dgm:txPr/>
+    <dgm:style>
+      <a:lnRef idx="2">
+        <a:scrgbClr r="0" g="0" b="0"/>
+      </a:lnRef>
+      <a:fillRef idx="1">
+        <a:scrgbClr r="0" g="0" b="0"/>
+      </a:fillRef>
+      <a:effectRef idx="0">
+        <a:scrgbClr r="0" g="0" b="0"/>
+      </a:effectRef>
+      <a:fontRef idx="minor"/>
+    </dgm:style>
+  </dgm:styleLbl>
+  <dgm:styleLbl name="sibTrans2D1">
+    <dgm:scene3d>
+      <a:camera prst="orthographicFront"/>
+      <a:lightRig rig="threePt" dir="t"/>
+    </dgm:scene3d>
+    <dgm:sp3d/>
+    <dgm:txPr/>
+    <dgm:style>
+      <a:lnRef idx="0">
+        <a:scrgbClr r="0" g="0" b="0"/>
+      </a:lnRef>
+      <a:fillRef idx="1">
+        <a:scrgbClr r="0" g="0" b="0"/>
+      </a:fillRef>
+      <a:effectRef idx="0">
+        <a:scrgbClr r="0" g="0" b="0"/>
+      </a:effectRef>
+      <a:fontRef idx="minor">
+        <a:schemeClr val="lt1"/>
+      </a:fontRef>
+    </dgm:style>
+  </dgm:styleLbl>
+  <dgm:styleLbl name="fgSibTrans2D1">
+    <dgm:scene3d>
+      <a:camera prst="orthographicFront"/>
+      <a:lightRig rig="threePt" dir="t"/>
+    </dgm:scene3d>
+    <dgm:sp3d/>
+    <dgm:txPr/>
+    <dgm:style>
+      <a:lnRef idx="0">
+        <a:scrgbClr r="0" g="0" b="0"/>
+      </a:lnRef>
+      <a:fillRef idx="1">
+        <a:scrgbClr r="0" g="0" b="0"/>
+      </a:fillRef>
+      <a:effectRef idx="0">
+        <a:scrgbClr r="0" g="0" b="0"/>
+      </a:effectRef>
+      <a:fontRef idx="minor">
+        <a:schemeClr val="lt1"/>
+      </a:fontRef>
+    </dgm:style>
+  </dgm:styleLbl>
+  <dgm:styleLbl name="bgSibTrans2D1">
+    <dgm:scene3d>
+      <a:camera prst="orthographicFront"/>
+      <a:lightRig rig="threePt" dir="t"/>
+    </dgm:scene3d>
+    <dgm:sp3d/>
+    <dgm:txPr/>
+    <dgm:style>
+      <a:lnRef idx="0">
+        <a:scrgbClr r="0" g="0" b="0"/>
+      </a:lnRef>
+      <a:fillRef idx="1">
+        <a:scrgbClr r="0" g="0" b="0"/>
+      </a:fillRef>
+      <a:effectRef idx="0">
+        <a:scrgbClr r="0" g="0" b="0"/>
+      </a:effectRef>
+      <a:fontRef idx="minor">
+        <a:schemeClr val="lt1"/>
+      </a:fontRef>
+    </dgm:style>
+  </dgm:styleLbl>
+  <dgm:styleLbl name="sibTrans1D1">
+    <dgm:scene3d>
+      <a:camera prst="orthographicFront"/>
+      <a:lightRig rig="threePt" dir="t"/>
+    </dgm:scene3d>
+    <dgm:sp3d/>
+    <dgm:txPr/>
+    <dgm:style>
+      <a:lnRef idx="1">
+        <a:scrgbClr r="0" g="0" b="0"/>
+      </a:lnRef>
+      <a:fillRef idx="0">
+        <a:scrgbClr r="0" g="0" b="0"/>
+      </a:fillRef>
+      <a:effectRef idx="0">
+        <a:scrgbClr r="0" g="0" b="0"/>
+      </a:effectRef>
+      <a:fontRef idx="minor"/>
+    </dgm:style>
+  </dgm:styleLbl>
+  <dgm:styleLbl name="callout">
+    <dgm:scene3d>
+      <a:camera prst="orthographicFront"/>
+      <a:lightRig rig="threePt" dir="t"/>
+    </dgm:scene3d>
+    <dgm:sp3d/>
+    <dgm:txPr/>
+    <dgm:style>
+      <a:lnRef idx="2">
+        <a:scrgbClr r="0" g="0" b="0"/>
+      </a:lnRef>
+      <a:fillRef idx="1">
+        <a:scrgbClr r="0" g="0" b="0"/>
+      </a:fillRef>
+      <a:effectRef idx="0">
+        <a:scrgbClr r="0" g="0" b="0"/>
+      </a:effectRef>
+      <a:fontRef idx="minor"/>
+    </dgm:style>
+  </dgm:styleLbl>
+  <dgm:styleLbl name="asst0">
+    <dgm:scene3d>
+      <a:camera prst="orthographicFront"/>
+      <a:lightRig rig="threePt" dir="t"/>
+    </dgm:scene3d>
+    <dgm:sp3d/>
+    <dgm:txPr/>
+    <dgm:style>
+      <a:lnRef idx="2">
+        <a:scrgbClr r="0" g="0" b="0"/>
+      </a:lnRef>
+      <a:fillRef idx="1">
+        <a:scrgbClr r="0" g="0" b="0"/>
+      </a:fillRef>
+      <a:effectRef idx="0">
+        <a:scrgbClr r="0" g="0" b="0"/>
+      </a:effectRef>
+      <a:fontRef idx="minor">
+        <a:schemeClr val="lt1"/>
+      </a:fontRef>
+    </dgm:style>
+  </dgm:styleLbl>
+  <dgm:styleLbl name="asst1">
+    <dgm:scene3d>
+      <a:camera prst="orthographicFront"/>
+      <a:lightRig rig="threePt" dir="t"/>
+    </dgm:scene3d>
+    <dgm:sp3d/>
+    <dgm:txPr/>
+    <dgm:style>
+      <a:lnRef idx="2">
+        <a:scrgbClr r="0" g="0" b="0"/>
+      </a:lnRef>
+      <a:fillRef idx="1">
+        <a:scrgbClr r="0" g="0" b="0"/>
+      </a:fillRef>
+      <a:effectRef idx="0">
+        <a:scrgbClr r="0" g="0" b="0"/>
+      </a:effectRef>
+      <a:fontRef idx="minor">
+        <a:schemeClr val="lt1"/>
+      </a:fontRef>
+    </dgm:style>
+  </dgm:styleLbl>
+  <dgm:styleLbl name="asst2">
+    <dgm:scene3d>
+      <a:camera prst="orthographicFront"/>
+      <a:lightRig rig="threePt" dir="t"/>
+    </dgm:scene3d>
+    <dgm:sp3d/>
+    <dgm:txPr/>
+    <dgm:style>
+      <a:lnRef idx="2">
+        <a:scrgbClr r="0" g="0" b="0"/>
+      </a:lnRef>
+      <a:fillRef idx="1">
+        <a:scrgbClr r="0" g="0" b="0"/>
+      </a:fillRef>
+      <a:effectRef idx="0">
+        <a:scrgbClr r="0" g="0" b="0"/>
+      </a:effectRef>
+      <a:fontRef idx="minor">
+        <a:schemeClr val="lt1"/>
+      </a:fontRef>
+    </dgm:style>
+  </dgm:styleLbl>
+  <dgm:styleLbl name="asst3">
+    <dgm:scene3d>
+      <a:camera prst="orthographicFront"/>
+      <a:lightRig rig="threePt" dir="t"/>
+    </dgm:scene3d>
+    <dgm:sp3d/>
+    <dgm:txPr/>
+    <dgm:style>
+      <a:lnRef idx="2">
+        <a:scrgbClr r="0" g="0" b="0"/>
+      </a:lnRef>
+      <a:fillRef idx="1">
+        <a:scrgbClr r="0" g="0" b="0"/>
+      </a:fillRef>
+      <a:effectRef idx="0">
+        <a:scrgbClr r="0" g="0" b="0"/>
+      </a:effectRef>
+      <a:fontRef idx="minor">
+        <a:schemeClr val="lt1"/>
+      </a:fontRef>
+    </dgm:style>
+  </dgm:styleLbl>
+  <dgm:styleLbl name="asst4">
+    <dgm:scene3d>
+      <a:camera prst="orthographicFront"/>
+      <a:lightRig rig="threePt" dir="t"/>
+    </dgm:scene3d>
+    <dgm:sp3d/>
+    <dgm:txPr/>
+    <dgm:style>
+      <a:lnRef idx="2">
+        <a:scrgbClr r="0" g="0" b="0"/>
+      </a:lnRef>
+      <a:fillRef idx="1">
+        <a:scrgbClr r="0" g="0" b="0"/>
+      </a:fillRef>
+      <a:effectRef idx="0">
+        <a:scrgbClr r="0" g="0" b="0"/>
+      </a:effectRef>
+      <a:fontRef idx="minor">
+        <a:schemeClr val="lt1"/>
+      </a:fontRef>
+    </dgm:style>
+  </dgm:styleLbl>
+  <dgm:styleLbl name="parChTrans2D1">
+    <dgm:scene3d>
+      <a:camera prst="orthographicFront"/>
+      <a:lightRig rig="threePt" dir="t"/>
+    </dgm:scene3d>
+    <dgm:sp3d/>
+    <dgm:txPr/>
+    <dgm:style>
+      <a:lnRef idx="2">
+        <a:scrgbClr r="0" g="0" b="0"/>
+      </a:lnRef>
+      <a:fillRef idx="1">
+        <a:scrgbClr r="0" g="0" b="0"/>
+      </a:fillRef>
+      <a:effectRef idx="0">
+        <a:scrgbClr r="0" g="0" b="0"/>
+      </a:effectRef>
+      <a:fontRef idx="minor">
+        <a:schemeClr val="lt1"/>
+      </a:fontRef>
+    </dgm:style>
+  </dgm:styleLbl>
+  <dgm:styleLbl name="parChTrans2D2">
+    <dgm:scene3d>
+      <a:camera prst="orthographicFront"/>
+      <a:lightRig rig="threePt" dir="t"/>
+    </dgm:scene3d>
+    <dgm:sp3d/>
+    <dgm:txPr/>
+    <dgm:style>
+      <a:lnRef idx="2">
+        <a:scrgbClr r="0" g="0" b="0"/>
+      </a:lnRef>
+      <a:fillRef idx="1">
+        <a:scrgbClr r="0" g="0" b="0"/>
+      </a:fillRef>
+      <a:effectRef idx="0">
+        <a:scrgbClr r="0" g="0" b="0"/>
+      </a:effectRef>
+      <a:fontRef idx="minor">
+        <a:schemeClr val="lt1"/>
+      </a:fontRef>
+    </dgm:style>
+  </dgm:styleLbl>
+  <dgm:styleLbl name="parChTrans2D3">
+    <dgm:scene3d>
+      <a:camera prst="orthographicFront"/>
+      <a:lightRig rig="threePt" dir="t"/>
+    </dgm:scene3d>
+    <dgm:sp3d/>
+    <dgm:txPr/>
+    <dgm:style>
+      <a:lnRef idx="2">
+        <a:scrgbClr r="0" g="0" b="0"/>
+      </a:lnRef>
+      <a:fillRef idx="1">
+        <a:scrgbClr r="0" g="0" b="0"/>
+      </a:fillRef>
+      <a:effectRef idx="0">
+        <a:scrgbClr r="0" g="0" b="0"/>
+      </a:effectRef>
+      <a:fontRef idx="minor">
+        <a:schemeClr val="lt1"/>
+      </a:fontRef>
+    </dgm:style>
+  </dgm:styleLbl>
+  <dgm:styleLbl name="parChTrans2D4">
+    <dgm:scene3d>
+      <a:camera prst="orthographicFront"/>
+      <a:lightRig rig="threePt" dir="t"/>
+    </dgm:scene3d>
+    <dgm:sp3d/>
+    <dgm:txPr/>
+    <dgm:style>
+      <a:lnRef idx="2">
+        <a:scrgbClr r="0" g="0" b="0"/>
+      </a:lnRef>
+      <a:fillRef idx="1">
+        <a:scrgbClr r="0" g="0" b="0"/>
+      </a:fillRef>
+      <a:effectRef idx="0">
+        <a:scrgbClr r="0" g="0" b="0"/>
+      </a:effectRef>
+      <a:fontRef idx="minor">
+        <a:schemeClr val="lt1"/>
+      </a:fontRef>
+    </dgm:style>
+  </dgm:styleLbl>
+  <dgm:styleLbl name="parChTrans1D1">
+    <dgm:scene3d>
+      <a:camera prst="orthographicFront"/>
+      <a:lightRig rig="threePt" dir="t"/>
+    </dgm:scene3d>
+    <dgm:sp3d/>
+    <dgm:txPr/>
+    <dgm:style>
+      <a:lnRef idx="2">
+        <a:scrgbClr r="0" g="0" b="0"/>
+      </a:lnRef>
+      <a:fillRef idx="0">
+        <a:scrgbClr r="0" g="0" b="0"/>
+      </a:fillRef>
+      <a:effectRef idx="0">
+        <a:scrgbClr r="0" g="0" b="0"/>
+      </a:effectRef>
+      <a:fontRef idx="minor"/>
+    </dgm:style>
+  </dgm:styleLbl>
+  <dgm:styleLbl name="parChTrans1D2">
+    <dgm:scene3d>
+      <a:camera prst="orthographicFront"/>
+      <a:lightRig rig="threePt" dir="t"/>
+    </dgm:scene3d>
+    <dgm:sp3d/>
+    <dgm:txPr/>
+    <dgm:style>
+      <a:lnRef idx="2">
+        <a:scrgbClr r="0" g="0" b="0"/>
+      </a:lnRef>
+      <a:fillRef idx="0">
+        <a:scrgbClr r="0" g="0" b="0"/>
+      </a:fillRef>
+      <a:effectRef idx="0">
+        <a:scrgbClr r="0" g="0" b="0"/>
+      </a:effectRef>
+      <a:fontRef idx="minor"/>
+    </dgm:style>
+  </dgm:styleLbl>
+  <dgm:styleLbl name="parChTrans1D3">
+    <dgm:scene3d>
+      <a:camera prst="orthographicFront"/>
+      <a:lightRig rig="threePt" dir="t"/>
+    </dgm:scene3d>
+    <dgm:sp3d/>
+    <dgm:txPr/>
+    <dgm:style>
+      <a:lnRef idx="2">
+        <a:scrgbClr r="0" g="0" b="0"/>
+      </a:lnRef>
+      <a:fillRef idx="0">
+        <a:scrgbClr r="0" g="0" b="0"/>
+      </a:fillRef>
+      <a:effectRef idx="0">
+        <a:scrgbClr r="0" g="0" b="0"/>
+      </a:effectRef>
+      <a:fontRef idx="minor"/>
+    </dgm:style>
+  </dgm:styleLbl>
+  <dgm:styleLbl name="parChTrans1D4">
+    <dgm:scene3d>
+      <a:camera prst="orthographicFront"/>
+      <a:lightRig rig="threePt" dir="t"/>
+    </dgm:scene3d>
+    <dgm:sp3d/>
+    <dgm:txPr/>
+    <dgm:style>
+      <a:lnRef idx="2">
+        <a:scrgbClr r="0" g="0" b="0"/>
+      </a:lnRef>
+      <a:fillRef idx="0">
+        <a:scrgbClr r="0" g="0" b="0"/>
+      </a:fillRef>
+      <a:effectRef idx="0">
+        <a:scrgbClr r="0" g="0" b="0"/>
+      </a:effectRef>
+      <a:fontRef idx="minor"/>
+    </dgm:style>
+  </dgm:styleLbl>
+  <dgm:styleLbl name="fgAcc1">
+    <dgm:scene3d>
+      <a:camera prst="orthographicFront"/>
+      <a:lightRig rig="threePt" dir="t"/>
+    </dgm:scene3d>
+    <dgm:sp3d/>
+    <dgm:txPr/>
+    <dgm:style>
+      <a:lnRef idx="2">
+        <a:scrgbClr r="0" g="0" b="0"/>
+      </a:lnRef>
+      <a:fillRef idx="1">
+        <a:scrgbClr r="0" g="0" b="0"/>
+      </a:fillRef>
+      <a:effectRef idx="0">
+        <a:scrgbClr r="0" g="0" b="0"/>
+      </a:effectRef>
+      <a:fontRef idx="minor"/>
+    </dgm:style>
+  </dgm:styleLbl>
+  <dgm:styleLbl name="conFgAcc1">
+    <dgm:scene3d>
+      <a:camera prst="orthographicFront"/>
+      <a:lightRig rig="threePt" dir="t"/>
+    </dgm:scene3d>
+    <dgm:sp3d/>
+    <dgm:txPr/>
+    <dgm:style>
+      <a:lnRef idx="2">
+        <a:scrgbClr r="0" g="0" b="0"/>
+      </a:lnRef>
+      <a:fillRef idx="1">
+        <a:scrgbClr r="0" g="0" b="0"/>
+      </a:fillRef>
+      <a:effectRef idx="0">
+        <a:scrgbClr r="0" g="0" b="0"/>
+      </a:effectRef>
+      <a:fontRef idx="minor"/>
+    </dgm:style>
+  </dgm:styleLbl>
+  <dgm:styleLbl name="alignAcc1">
+    <dgm:scene3d>
+      <a:camera prst="orthographicFront"/>
+      <a:lightRig rig="threePt" dir="t"/>
+    </dgm:scene3d>
+    <dgm:sp3d/>
+    <dgm:txPr/>
+    <dgm:style>
+      <a:lnRef idx="2">
+        <a:scrgbClr r="0" g="0" b="0"/>
+      </a:lnRef>
+      <a:fillRef idx="1">
+        <a:scrgbClr r="0" g="0" b="0"/>
+      </a:fillRef>
+      <a:effectRef idx="0">
+        <a:scrgbClr r="0" g="0" b="0"/>
+      </a:effectRef>
+      <a:fontRef idx="minor"/>
+    </dgm:style>
+  </dgm:styleLbl>
+  <dgm:styleLbl name="trAlignAcc1">
+    <dgm:scene3d>
+      <a:camera prst="orthographicFront"/>
+      <a:lightRig rig="threePt" dir="t"/>
+    </dgm:scene3d>
+    <dgm:sp3d/>
+    <dgm:txPr/>
+    <dgm:style>
+      <a:lnRef idx="1">
+        <a:scrgbClr r="0" g="0" b="0"/>
+      </a:lnRef>
+      <a:fillRef idx="1">
+        <a:scrgbClr r="0" g="0" b="0"/>
+      </a:fillRef>
+      <a:effectRef idx="0">
+        <a:scrgbClr r="0" g="0" b="0"/>
+      </a:effectRef>
+      <a:fontRef idx="minor"/>
+    </dgm:style>
+  </dgm:styleLbl>
+  <dgm:styleLbl name="bgAcc1">
+    <dgm:scene3d>
+      <a:camera prst="orthographicFront"/>
+      <a:lightRig rig="threePt" dir="t"/>
+    </dgm:scene3d>
+    <dgm:sp3d/>
+    <dgm:txPr/>
+    <dgm:style>
+      <a:lnRef idx="2">
+        <a:scrgbClr r="0" g="0" b="0"/>
+      </a:lnRef>
+      <a:fillRef idx="1">
+        <a:scrgbClr r="0" g="0" b="0"/>
+      </a:fillRef>
+      <a:effectRef idx="0">
+        <a:scrgbClr r="0" g="0" b="0"/>
+      </a:effectRef>
+      <a:fontRef idx="minor"/>
+    </dgm:style>
+  </dgm:styleLbl>
+  <dgm:styleLbl name="solidFgAcc1">
+    <dgm:scene3d>
+      <a:camera prst="orthographicFront"/>
+      <a:lightRig rig="threePt" dir="t"/>
+    </dgm:scene3d>
+    <dgm:sp3d/>
+    <dgm:txPr/>
+    <dgm:style>
+      <a:lnRef idx="2">
+        <a:scrgbClr r="0" g="0" b="0"/>
+      </a:lnRef>
+      <a:fillRef idx="1">
+        <a:scrgbClr r="0" g="0" b="0"/>
+      </a:fillRef>
+      <a:effectRef idx="0">
+        <a:scrgbClr r="0" g="0" b="0"/>
+      </a:effectRef>
+      <a:fontRef idx="minor"/>
+    </dgm:style>
+  </dgm:styleLbl>
+  <dgm:styleLbl name="solidAlignAcc1">
+    <dgm:scene3d>
+      <a:camera prst="orthographicFront"/>
+      <a:lightRig rig="threePt" dir="t"/>
+    </dgm:scene3d>
+    <dgm:sp3d/>
+    <dgm:txPr/>
+    <dgm:style>
+      <a:lnRef idx="2">
+        <a:scrgbClr r="0" g="0" b="0"/>
+      </a:lnRef>
+      <a:fillRef idx="1">
+        <a:scrgbClr r="0" g="0" b="0"/>
+      </a:fillRef>
+      <a:effectRef idx="0">
+        <a:scrgbClr r="0" g="0" b="0"/>
+      </a:effectRef>
+      <a:fontRef idx="minor"/>
+    </dgm:style>
+  </dgm:styleLbl>
+  <dgm:styleLbl name="solidBgAcc1">
+    <dgm:scene3d>
+      <a:camera prst="orthographicFront"/>
+      <a:lightRig rig="threePt" dir="t"/>
+    </dgm:scene3d>
+    <dgm:sp3d/>
+    <dgm:txPr/>
+    <dgm:style>
+      <a:lnRef idx="2">
+        <a:scrgbClr r="0" g="0" b="0"/>
+      </a:lnRef>
+      <a:fillRef idx="1">
+        <a:scrgbClr r="0" g="0" b="0"/>
+      </a:fillRef>
+      <a:effectRef idx="0">
+        <a:scrgbClr r="0" g="0" b="0"/>
+      </a:effectRef>
+      <a:fontRef idx="minor"/>
+    </dgm:style>
+  </dgm:styleLbl>
+  <dgm:styleLbl name="fgAccFollowNode1">
+    <dgm:scene3d>
+      <a:camera prst="orthographicFront"/>
+      <a:lightRig rig="threePt" dir="t"/>
+    </dgm:scene3d>
+    <dgm:sp3d/>
+    <dgm:txPr/>
+    <dgm:style>
+      <a:lnRef idx="2">
+        <a:scrgbClr r="0" g="0" b="0"/>
+      </a:lnRef>
+      <a:fillRef idx="1">
+        <a:scrgbClr r="0" g="0" b="0"/>
+      </a:fillRef>
+      <a:effectRef idx="0">
+        <a:scrgbClr r="0" g="0" b="0"/>
+      </a:effectRef>
+      <a:fontRef idx="minor"/>
+    </dgm:style>
+  </dgm:styleLbl>
+  <dgm:styleLbl name="alignAccFollowNode1">
+    <dgm:scene3d>
+      <a:camera prst="orthographicFront"/>
+      <a:lightRig rig="threePt" dir="t"/>
+    </dgm:scene3d>
+    <dgm:sp3d/>
+    <dgm:txPr/>
+    <dgm:style>
+      <a:lnRef idx="2">
+        <a:scrgbClr r="0" g="0" b="0"/>
+      </a:lnRef>
+      <a:fillRef idx="1">
+        <a:scrgbClr r="0" g="0" b="0"/>
+      </a:fillRef>
+      <a:effectRef idx="0">
+        <a:scrgbClr r="0" g="0" b="0"/>
+      </a:effectRef>
+      <a:fontRef idx="minor"/>
+    </dgm:style>
+  </dgm:styleLbl>
+  <dgm:styleLbl name="bgAccFollowNode1">
+    <dgm:scene3d>
+      <a:camera prst="orthographicFront"/>
+      <a:lightRig rig="threePt" dir="t"/>
+    </dgm:scene3d>
+    <dgm:sp3d/>
+    <dgm:txPr/>
+    <dgm:style>
+      <a:lnRef idx="2">
+        <a:scrgbClr r="0" g="0" b="0"/>
+      </a:lnRef>
+      <a:fillRef idx="1">
+        <a:scrgbClr r="0" g="0" b="0"/>
+      </a:fillRef>
+      <a:effectRef idx="0">
+        <a:scrgbClr r="0" g="0" b="0"/>
+      </a:effectRef>
+      <a:fontRef idx="minor"/>
+    </dgm:style>
+  </dgm:styleLbl>
+  <dgm:styleLbl name="fgAcc0">
+    <dgm:scene3d>
+      <a:camera prst="orthographicFront"/>
+      <a:lightRig rig="threePt" dir="t"/>
+    </dgm:scene3d>
+    <dgm:sp3d/>
+    <dgm:txPr/>
+    <dgm:style>
+      <a:lnRef idx="2">
+        <a:scrgbClr r="0" g="0" b="0"/>
+      </a:lnRef>
+      <a:fillRef idx="1">
+        <a:scrgbClr r="0" g="0" b="0"/>
+      </a:fillRef>
+      <a:effectRef idx="0">
+        <a:scrgbClr r="0" g="0" b="0"/>
+      </a:effectRef>
+      <a:fontRef idx="minor"/>
+    </dgm:style>
+  </dgm:styleLbl>
+  <dgm:styleLbl name="fgAcc2">
+    <dgm:scene3d>
+      <a:camera prst="orthographicFront"/>
+      <a:lightRig rig="threePt" dir="t"/>
+    </dgm:scene3d>
+    <dgm:sp3d/>
+    <dgm:txPr/>
+    <dgm:style>
+      <a:lnRef idx="2">
+        <a:scrgbClr r="0" g="0" b="0"/>
+      </a:lnRef>
+      <a:fillRef idx="1">
+        <a:scrgbClr r="0" g="0" b="0"/>
+      </a:fillRef>
+      <a:effectRef idx="0">
+        <a:scrgbClr r="0" g="0" b="0"/>
+      </a:effectRef>
+      <a:fontRef idx="minor"/>
+    </dgm:style>
+  </dgm:styleLbl>
+  <dgm:styleLbl name="fgAcc3">
+    <dgm:scene3d>
+      <a:camera prst="orthographicFront"/>
+      <a:lightRig rig="threePt" dir="t"/>
+    </dgm:scene3d>
+    <dgm:sp3d/>
+    <dgm:txPr/>
+    <dgm:style>
+      <a:lnRef idx="2">
+        <a:scrgbClr r="0" g="0" b="0"/>
+      </a:lnRef>
+      <a:fillRef idx="1">
+        <a:scrgbClr r="0" g="0" b="0"/>
+      </a:fillRef>
+      <a:effectRef idx="0">
+        <a:scrgbClr r="0" g="0" b="0"/>
+      </a:effectRef>
+      <a:fontRef idx="minor"/>
+    </dgm:style>
+  </dgm:styleLbl>
+  <dgm:styleLbl name="fgAcc4">
+    <dgm:scene3d>
+      <a:camera prst="orthographicFront"/>
+      <a:lightRig rig="threePt" dir="t"/>
+    </dgm:scene3d>
+    <dgm:sp3d/>
+    <dgm:txPr/>
+    <dgm:style>
+      <a:lnRef idx="2">
+        <a:scrgbClr r="0" g="0" b="0"/>
+      </a:lnRef>
+      <a:fillRef idx="1">
+        <a:scrgbClr r="0" g="0" b="0"/>
+      </a:fillRef>
+      <a:effectRef idx="0">
+        <a:scrgbClr r="0" g="0" b="0"/>
+      </a:effectRef>
+      <a:fontRef idx="minor"/>
+    </dgm:style>
+  </dgm:styleLbl>
+  <dgm:styleLbl name="bgShp">
+    <dgm:scene3d>
+      <a:camera prst="orthographicFront"/>
+      <a:lightRig rig="threePt" dir="t"/>
+    </dgm:scene3d>
+    <dgm:sp3d/>
+    <dgm:txPr/>
+    <dgm:style>
+      <a:lnRef idx="0">
+        <a:scrgbClr r="0" g="0" b="0"/>
+      </a:lnRef>
+      <a:fillRef idx="1">
+        <a:scrgbClr r="0" g="0" b="0"/>
+      </a:fillRef>
+      <a:effectRef idx="0">
+        <a:scrgbClr r="0" g="0" b="0"/>
+      </a:effectRef>
+      <a:fontRef idx="minor"/>
+    </dgm:style>
+  </dgm:styleLbl>
+  <dgm:styleLbl name="dkBgShp">
+    <dgm:scene3d>
+      <a:camera prst="orthographicFront"/>
+      <a:lightRig rig="threePt" dir="t"/>
+    </dgm:scene3d>
+    <dgm:sp3d/>
+    <dgm:txPr/>
+    <dgm:style>
+      <a:lnRef idx="0">
+        <a:scrgbClr r="0" g="0" b="0"/>
+      </a:lnRef>
+      <a:fillRef idx="1">
+        <a:scrgbClr r="0" g="0" b="0"/>
+      </a:fillRef>
+      <a:effectRef idx="0">
+        <a:scrgbClr r="0" g="0" b="0"/>
+      </a:effectRef>
+      <a:fontRef idx="minor"/>
+    </dgm:style>
+  </dgm:styleLbl>
+  <dgm:styleLbl name="trBgShp">
+    <dgm:scene3d>
+      <a:camera prst="orthographicFront"/>
+      <a:lightRig rig="threePt" dir="t"/>
+    </dgm:scene3d>
+    <dgm:sp3d/>
+    <dgm:txPr/>
+    <dgm:style>
+      <a:lnRef idx="0">
+        <a:scrgbClr r="0" g="0" b="0"/>
+      </a:lnRef>
+      <a:fillRef idx="1">
+        <a:scrgbClr r="0" g="0" b="0"/>
+      </a:fillRef>
+      <a:effectRef idx="0">
+        <a:scrgbClr r="0" g="0" b="0"/>
+      </a:effectRef>
+      <a:fontRef idx="minor"/>
+    </dgm:style>
+  </dgm:styleLbl>
+  <dgm:styleLbl name="fgShp">
+    <dgm:scene3d>
+      <a:camera prst="orthographicFront"/>
+      <a:lightRig rig="threePt" dir="t"/>
+    </dgm:scene3d>
+    <dgm:sp3d/>
+    <dgm:txPr/>
+    <dgm:style>
+      <a:lnRef idx="2">
+        <a:scrgbClr r="0" g="0" b="0"/>
+      </a:lnRef>
+      <a:fillRef idx="1">
+        <a:scrgbClr r="0" g="0" b="0"/>
+      </a:fillRef>
+      <a:effectRef idx="0">
+        <a:scrgbClr r="0" g="0" b="0"/>
+      </a:effectRef>
+      <a:fontRef idx="minor"/>
+    </dgm:style>
+  </dgm:styleLbl>
+  <dgm:styleLbl name="revTx">
+    <dgm:scene3d>
+      <a:camera prst="orthographicFront"/>
+      <a:lightRig rig="threePt" dir="t"/>
+    </dgm:scene3d>
+    <dgm:sp3d/>
+    <dgm:txPr/>
+    <dgm:style>
+      <a:lnRef idx="0">
+        <a:scrgbClr r="0" g="0" b="0"/>
+      </a:lnRef>
+      <a:fillRef idx="0">
+        <a:scrgbClr r="0" g="0" b="0"/>
+      </a:fillRef>
+      <a:effectRef idx="0">
+        <a:scrgbClr r="0" g="0" b="0"/>
+      </a:effectRef>
+      <a:fontRef idx="minor"/>
+    </dgm:style>
+  </dgm:styleLbl>
+</dgm:styleDef>
 </file>
 
 <file path=ppt/notesMasters/notesMaster1.xml><?xml version="1.0" encoding="utf-8"?>
@@ -236,7 +4623,7 @@
           <a:p>
             <a:fld id="{5896171C-6C02-41F2-841A-16E3B7C9FAF6}" type="datetimeFigureOut">
               <a:rPr lang="en-US" smtClean="0"/>
-              <a:t>11/6/2024</a:t>
+              <a:t>11/8/2024</a:t>
             </a:fld>
             <a:endParaRPr lang="en-US"/>
           </a:p>
@@ -547,10 +4934,7 @@
           <a:bodyPr/>
           <a:lstStyle/>
           <a:p>
-            <a:r>
-              <a:rPr lang="en-US" dirty="0"/>
-              <a:t>Aim 1: To assess the predictive accuracy of response time models when applied to neuropsychological assessments of attention, executive control, and working memory. This analysis aims to determine the ability of response time models to represent the processes underlying cognitive function.</a:t>
-            </a:r>
+            <a:endParaRPr lang="en-US" dirty="0"/>
           </a:p>
         </p:txBody>
       </p:sp>
@@ -571,7 +4955,7 @@
           <a:p>
             <a:fld id="{09808A04-4F30-4D14-A4A3-903948F17865}" type="slidenum">
               <a:rPr lang="en-US" smtClean="0"/>
-              <a:t>9</a:t>
+              <a:t>2</a:t>
             </a:fld>
             <a:endParaRPr lang="en-US"/>
           </a:p>
@@ -580,7 +4964,753 @@
     </p:spTree>
     <p:extLst>
       <p:ext uri="{BB962C8B-B14F-4D97-AF65-F5344CB8AC3E}">
-        <p14:creationId xmlns:p14="http://schemas.microsoft.com/office/powerpoint/2010/main" val="166186403"/>
+        <p14:creationId xmlns:p14="http://schemas.microsoft.com/office/powerpoint/2010/main" val="421656942"/>
+      </p:ext>
+    </p:extLst>
+  </p:cSld>
+  <p:clrMapOvr>
+    <a:masterClrMapping/>
+  </p:clrMapOvr>
+</p:notes>
+</file>
+
+<file path=ppt/notesSlides/notesSlide10.xml><?xml version="1.0" encoding="utf-8"?>
+<p:notes xmlns:a="http://schemas.openxmlformats.org/drawingml/2006/main" xmlns:r="http://schemas.openxmlformats.org/officeDocument/2006/relationships" xmlns:p="http://schemas.openxmlformats.org/presentationml/2006/main">
+  <p:cSld>
+    <p:spTree>
+      <p:nvGrpSpPr>
+        <p:cNvPr id="1" name=""/>
+        <p:cNvGrpSpPr/>
+        <p:nvPr/>
+      </p:nvGrpSpPr>
+      <p:grpSpPr>
+        <a:xfrm>
+          <a:off x="0" y="0"/>
+          <a:ext cx="0" cy="0"/>
+          <a:chOff x="0" y="0"/>
+          <a:chExt cx="0" cy="0"/>
+        </a:xfrm>
+      </p:grpSpPr>
+      <p:sp>
+        <p:nvSpPr>
+          <p:cNvPr id="2" name="Slide Image Placeholder 1"/>
+          <p:cNvSpPr>
+            <a:spLocks noGrp="1" noRot="1" noChangeAspect="1"/>
+          </p:cNvSpPr>
+          <p:nvPr>
+            <p:ph type="sldImg"/>
+          </p:nvPr>
+        </p:nvSpPr>
+        <p:spPr/>
+      </p:sp>
+      <p:sp>
+        <p:nvSpPr>
+          <p:cNvPr id="3" name="Notes Placeholder 2"/>
+          <p:cNvSpPr>
+            <a:spLocks noGrp="1"/>
+          </p:cNvSpPr>
+          <p:nvPr>
+            <p:ph type="body" idx="1"/>
+          </p:nvPr>
+        </p:nvSpPr>
+        <p:spPr/>
+        <p:txBody>
+          <a:bodyPr/>
+          <a:lstStyle/>
+          <a:p>
+            <a:pPr lvl="1"/>
+            <a:r>
+              <a:rPr lang="en-US" dirty="0"/>
+              <a:t>While the main biological mechanism of concern for CRCD in the HEAL collaboration is inflammation, the similarities to chronic stress provide a framework for RT modeling testing with in a healthy population</a:t>
+            </a:r>
+          </a:p>
+          <a:p>
+            <a:endParaRPr lang="en-US" dirty="0"/>
+          </a:p>
+        </p:txBody>
+      </p:sp>
+      <p:sp>
+        <p:nvSpPr>
+          <p:cNvPr id="4" name="Slide Number Placeholder 3"/>
+          <p:cNvSpPr>
+            <a:spLocks noGrp="1"/>
+          </p:cNvSpPr>
+          <p:nvPr>
+            <p:ph type="sldNum" sz="quarter" idx="5"/>
+          </p:nvPr>
+        </p:nvSpPr>
+        <p:spPr/>
+        <p:txBody>
+          <a:bodyPr/>
+          <a:lstStyle/>
+          <a:p>
+            <a:fld id="{09808A04-4F30-4D14-A4A3-903948F17865}" type="slidenum">
+              <a:rPr lang="en-US" smtClean="0"/>
+              <a:t>12</a:t>
+            </a:fld>
+            <a:endParaRPr lang="en-US"/>
+          </a:p>
+        </p:txBody>
+      </p:sp>
+    </p:spTree>
+    <p:extLst>
+      <p:ext uri="{BB962C8B-B14F-4D97-AF65-F5344CB8AC3E}">
+        <p14:creationId xmlns:p14="http://schemas.microsoft.com/office/powerpoint/2010/main" val="1540597405"/>
+      </p:ext>
+    </p:extLst>
+  </p:cSld>
+  <p:clrMapOvr>
+    <a:masterClrMapping/>
+  </p:clrMapOvr>
+</p:notes>
+</file>
+
+<file path=ppt/notesSlides/notesSlide11.xml><?xml version="1.0" encoding="utf-8"?>
+<p:notes xmlns:a="http://schemas.openxmlformats.org/drawingml/2006/main" xmlns:r="http://schemas.openxmlformats.org/officeDocument/2006/relationships" xmlns:p="http://schemas.openxmlformats.org/presentationml/2006/main">
+  <p:cSld>
+    <p:spTree>
+      <p:nvGrpSpPr>
+        <p:cNvPr id="1" name=""/>
+        <p:cNvGrpSpPr/>
+        <p:nvPr/>
+      </p:nvGrpSpPr>
+      <p:grpSpPr>
+        <a:xfrm>
+          <a:off x="0" y="0"/>
+          <a:ext cx="0" cy="0"/>
+          <a:chOff x="0" y="0"/>
+          <a:chExt cx="0" cy="0"/>
+        </a:xfrm>
+      </p:grpSpPr>
+      <p:sp>
+        <p:nvSpPr>
+          <p:cNvPr id="2" name="Slide Image Placeholder 1"/>
+          <p:cNvSpPr>
+            <a:spLocks noGrp="1" noRot="1" noChangeAspect="1"/>
+          </p:cNvSpPr>
+          <p:nvPr>
+            <p:ph type="sldImg"/>
+          </p:nvPr>
+        </p:nvSpPr>
+        <p:spPr/>
+      </p:sp>
+      <p:sp>
+        <p:nvSpPr>
+          <p:cNvPr id="3" name="Notes Placeholder 2"/>
+          <p:cNvSpPr>
+            <a:spLocks noGrp="1"/>
+          </p:cNvSpPr>
+          <p:nvPr>
+            <p:ph type="body" idx="1"/>
+          </p:nvPr>
+        </p:nvSpPr>
+        <p:spPr/>
+        <p:txBody>
+          <a:bodyPr/>
+          <a:lstStyle/>
+          <a:p>
+            <a:r>
+              <a:rPr lang="en-US" dirty="0"/>
+              <a:t>“Model comparison be in favor of those that include stress”</a:t>
+            </a:r>
+          </a:p>
+          <a:p>
+            <a:endParaRPr lang="en-US" dirty="0"/>
+          </a:p>
+          <a:p>
+            <a:r>
+              <a:rPr lang="en-US" dirty="0"/>
+              <a:t>To evaluate the role of stress on performance for the attention, executive control, and working memory. This analysis aims to evaluate how stress can act as the biological mechanism impairing cognitive ability.</a:t>
+            </a:r>
+          </a:p>
+        </p:txBody>
+      </p:sp>
+      <p:sp>
+        <p:nvSpPr>
+          <p:cNvPr id="4" name="Slide Number Placeholder 3"/>
+          <p:cNvSpPr>
+            <a:spLocks noGrp="1"/>
+          </p:cNvSpPr>
+          <p:nvPr>
+            <p:ph type="sldNum" sz="quarter" idx="5"/>
+          </p:nvPr>
+        </p:nvSpPr>
+        <p:spPr/>
+        <p:txBody>
+          <a:bodyPr/>
+          <a:lstStyle/>
+          <a:p>
+            <a:fld id="{09808A04-4F30-4D14-A4A3-903948F17865}" type="slidenum">
+              <a:rPr lang="en-US" smtClean="0"/>
+              <a:t>13</a:t>
+            </a:fld>
+            <a:endParaRPr lang="en-US"/>
+          </a:p>
+        </p:txBody>
+      </p:sp>
+    </p:spTree>
+    <p:extLst>
+      <p:ext uri="{BB962C8B-B14F-4D97-AF65-F5344CB8AC3E}">
+        <p14:creationId xmlns:p14="http://schemas.microsoft.com/office/powerpoint/2010/main" val="2436009177"/>
+      </p:ext>
+    </p:extLst>
+  </p:cSld>
+  <p:clrMapOvr>
+    <a:masterClrMapping/>
+  </p:clrMapOvr>
+</p:notes>
+</file>
+
+<file path=ppt/notesSlides/notesSlide12.xml><?xml version="1.0" encoding="utf-8"?>
+<p:notes xmlns:a="http://schemas.openxmlformats.org/drawingml/2006/main" xmlns:r="http://schemas.openxmlformats.org/officeDocument/2006/relationships" xmlns:p="http://schemas.openxmlformats.org/presentationml/2006/main">
+  <p:cSld>
+    <p:spTree>
+      <p:nvGrpSpPr>
+        <p:cNvPr id="1" name=""/>
+        <p:cNvGrpSpPr/>
+        <p:nvPr/>
+      </p:nvGrpSpPr>
+      <p:grpSpPr>
+        <a:xfrm>
+          <a:off x="0" y="0"/>
+          <a:ext cx="0" cy="0"/>
+          <a:chOff x="0" y="0"/>
+          <a:chExt cx="0" cy="0"/>
+        </a:xfrm>
+      </p:grpSpPr>
+      <p:sp>
+        <p:nvSpPr>
+          <p:cNvPr id="2" name="Slide Image Placeholder 1"/>
+          <p:cNvSpPr>
+            <a:spLocks noGrp="1" noRot="1" noChangeAspect="1"/>
+          </p:cNvSpPr>
+          <p:nvPr>
+            <p:ph type="sldImg"/>
+          </p:nvPr>
+        </p:nvSpPr>
+        <p:spPr/>
+      </p:sp>
+      <p:sp>
+        <p:nvSpPr>
+          <p:cNvPr id="3" name="Notes Placeholder 2"/>
+          <p:cNvSpPr>
+            <a:spLocks noGrp="1"/>
+          </p:cNvSpPr>
+          <p:nvPr>
+            <p:ph type="body" idx="1"/>
+          </p:nvPr>
+        </p:nvSpPr>
+        <p:spPr/>
+        <p:txBody>
+          <a:bodyPr/>
+          <a:lstStyle/>
+          <a:p>
+            <a:pPr marL="0" marR="0" lvl="0" indent="0" algn="l" defTabSz="914400" rtl="0" eaLnBrk="1" fontAlgn="auto" latinLnBrk="0" hangingPunct="1">
+              <a:lnSpc>
+                <a:spcPct val="100000"/>
+              </a:lnSpc>
+              <a:spcBef>
+                <a:spcPts val="0"/>
+              </a:spcBef>
+              <a:spcAft>
+                <a:spcPts val="0"/>
+              </a:spcAft>
+              <a:buClrTx/>
+              <a:buSzTx/>
+              <a:buFontTx/>
+              <a:buNone/>
+              <a:tabLst/>
+              <a:defRPr/>
+            </a:pPr>
+            <a:r>
+              <a:rPr lang="en-US" dirty="0"/>
+              <a:t>End-of-semester stress has been linked to shifts in inflammation and cognitive abilities, similar to CRCD studies with cancer survivors (</a:t>
+            </a:r>
+            <a:r>
+              <a:rPr lang="en-US" dirty="0" err="1"/>
+              <a:t>Maes</a:t>
+            </a:r>
+            <a:r>
+              <a:rPr lang="en-US" dirty="0"/>
+              <a:t> et al., 1998)</a:t>
+            </a:r>
+          </a:p>
+          <a:p>
+            <a:endParaRPr lang="en-US" dirty="0"/>
+          </a:p>
+        </p:txBody>
+      </p:sp>
+      <p:sp>
+        <p:nvSpPr>
+          <p:cNvPr id="4" name="Slide Number Placeholder 3"/>
+          <p:cNvSpPr>
+            <a:spLocks noGrp="1"/>
+          </p:cNvSpPr>
+          <p:nvPr>
+            <p:ph type="sldNum" sz="quarter" idx="5"/>
+          </p:nvPr>
+        </p:nvSpPr>
+        <p:spPr/>
+        <p:txBody>
+          <a:bodyPr/>
+          <a:lstStyle/>
+          <a:p>
+            <a:fld id="{09808A04-4F30-4D14-A4A3-903948F17865}" type="slidenum">
+              <a:rPr lang="en-US" smtClean="0"/>
+              <a:t>14</a:t>
+            </a:fld>
+            <a:endParaRPr lang="en-US"/>
+          </a:p>
+        </p:txBody>
+      </p:sp>
+    </p:spTree>
+    <p:extLst>
+      <p:ext uri="{BB962C8B-B14F-4D97-AF65-F5344CB8AC3E}">
+        <p14:creationId xmlns:p14="http://schemas.microsoft.com/office/powerpoint/2010/main" val="2047248867"/>
+      </p:ext>
+    </p:extLst>
+  </p:cSld>
+  <p:clrMapOvr>
+    <a:masterClrMapping/>
+  </p:clrMapOvr>
+</p:notes>
+</file>
+
+<file path=ppt/notesSlides/notesSlide13.xml><?xml version="1.0" encoding="utf-8"?>
+<p:notes xmlns:a="http://schemas.openxmlformats.org/drawingml/2006/main" xmlns:r="http://schemas.openxmlformats.org/officeDocument/2006/relationships" xmlns:p="http://schemas.openxmlformats.org/presentationml/2006/main">
+  <p:cSld>
+    <p:spTree>
+      <p:nvGrpSpPr>
+        <p:cNvPr id="1" name=""/>
+        <p:cNvGrpSpPr/>
+        <p:nvPr/>
+      </p:nvGrpSpPr>
+      <p:grpSpPr>
+        <a:xfrm>
+          <a:off x="0" y="0"/>
+          <a:ext cx="0" cy="0"/>
+          <a:chOff x="0" y="0"/>
+          <a:chExt cx="0" cy="0"/>
+        </a:xfrm>
+      </p:grpSpPr>
+      <p:sp>
+        <p:nvSpPr>
+          <p:cNvPr id="2" name="Slide Image Placeholder 1"/>
+          <p:cNvSpPr>
+            <a:spLocks noGrp="1" noRot="1" noChangeAspect="1"/>
+          </p:cNvSpPr>
+          <p:nvPr>
+            <p:ph type="sldImg"/>
+          </p:nvPr>
+        </p:nvSpPr>
+        <p:spPr/>
+      </p:sp>
+      <p:sp>
+        <p:nvSpPr>
+          <p:cNvPr id="3" name="Notes Placeholder 2"/>
+          <p:cNvSpPr>
+            <a:spLocks noGrp="1"/>
+          </p:cNvSpPr>
+          <p:nvPr>
+            <p:ph type="body" idx="1"/>
+          </p:nvPr>
+        </p:nvSpPr>
+        <p:spPr/>
+        <p:txBody>
+          <a:bodyPr/>
+          <a:lstStyle/>
+          <a:p>
+            <a:r>
+              <a:rPr lang="en-US" dirty="0"/>
+              <a:t>Shields et al., 2019 used 50 people per group, based on their power analyses to detect a moderate effect</a:t>
+            </a:r>
+          </a:p>
+        </p:txBody>
+      </p:sp>
+      <p:sp>
+        <p:nvSpPr>
+          <p:cNvPr id="4" name="Slide Number Placeholder 3"/>
+          <p:cNvSpPr>
+            <a:spLocks noGrp="1"/>
+          </p:cNvSpPr>
+          <p:nvPr>
+            <p:ph type="sldNum" sz="quarter" idx="5"/>
+          </p:nvPr>
+        </p:nvSpPr>
+        <p:spPr/>
+        <p:txBody>
+          <a:bodyPr/>
+          <a:lstStyle/>
+          <a:p>
+            <a:fld id="{09808A04-4F30-4D14-A4A3-903948F17865}" type="slidenum">
+              <a:rPr lang="en-US" smtClean="0"/>
+              <a:t>17</a:t>
+            </a:fld>
+            <a:endParaRPr lang="en-US"/>
+          </a:p>
+        </p:txBody>
+      </p:sp>
+    </p:spTree>
+    <p:extLst>
+      <p:ext uri="{BB962C8B-B14F-4D97-AF65-F5344CB8AC3E}">
+        <p14:creationId xmlns:p14="http://schemas.microsoft.com/office/powerpoint/2010/main" val="3675578886"/>
+      </p:ext>
+    </p:extLst>
+  </p:cSld>
+  <p:clrMapOvr>
+    <a:masterClrMapping/>
+  </p:clrMapOvr>
+</p:notes>
+</file>
+
+<file path=ppt/notesSlides/notesSlide14.xml><?xml version="1.0" encoding="utf-8"?>
+<p:notes xmlns:a="http://schemas.openxmlformats.org/drawingml/2006/main" xmlns:r="http://schemas.openxmlformats.org/officeDocument/2006/relationships" xmlns:p="http://schemas.openxmlformats.org/presentationml/2006/main">
+  <p:cSld>
+    <p:spTree>
+      <p:nvGrpSpPr>
+        <p:cNvPr id="1" name=""/>
+        <p:cNvGrpSpPr/>
+        <p:nvPr/>
+      </p:nvGrpSpPr>
+      <p:grpSpPr>
+        <a:xfrm>
+          <a:off x="0" y="0"/>
+          <a:ext cx="0" cy="0"/>
+          <a:chOff x="0" y="0"/>
+          <a:chExt cx="0" cy="0"/>
+        </a:xfrm>
+      </p:grpSpPr>
+      <p:sp>
+        <p:nvSpPr>
+          <p:cNvPr id="2" name="Slide Image Placeholder 1"/>
+          <p:cNvSpPr>
+            <a:spLocks noGrp="1" noRot="1" noChangeAspect="1"/>
+          </p:cNvSpPr>
+          <p:nvPr>
+            <p:ph type="sldImg"/>
+          </p:nvPr>
+        </p:nvSpPr>
+        <p:spPr/>
+      </p:sp>
+      <p:sp>
+        <p:nvSpPr>
+          <p:cNvPr id="3" name="Notes Placeholder 2"/>
+          <p:cNvSpPr>
+            <a:spLocks noGrp="1"/>
+          </p:cNvSpPr>
+          <p:nvPr>
+            <p:ph type="body" idx="1"/>
+          </p:nvPr>
+        </p:nvSpPr>
+        <p:spPr/>
+        <p:txBody>
+          <a:bodyPr/>
+          <a:lstStyle/>
+          <a:p>
+            <a:endParaRPr lang="en-US" dirty="0"/>
+          </a:p>
+        </p:txBody>
+      </p:sp>
+      <p:sp>
+        <p:nvSpPr>
+          <p:cNvPr id="4" name="Slide Number Placeholder 3"/>
+          <p:cNvSpPr>
+            <a:spLocks noGrp="1"/>
+          </p:cNvSpPr>
+          <p:nvPr>
+            <p:ph type="sldNum" sz="quarter" idx="5"/>
+          </p:nvPr>
+        </p:nvSpPr>
+        <p:spPr/>
+        <p:txBody>
+          <a:bodyPr/>
+          <a:lstStyle/>
+          <a:p>
+            <a:fld id="{09808A04-4F30-4D14-A4A3-903948F17865}" type="slidenum">
+              <a:rPr lang="en-US" smtClean="0"/>
+              <a:t>18</a:t>
+            </a:fld>
+            <a:endParaRPr lang="en-US"/>
+          </a:p>
+        </p:txBody>
+      </p:sp>
+    </p:spTree>
+    <p:extLst>
+      <p:ext uri="{BB962C8B-B14F-4D97-AF65-F5344CB8AC3E}">
+        <p14:creationId xmlns:p14="http://schemas.microsoft.com/office/powerpoint/2010/main" val="294693152"/>
+      </p:ext>
+    </p:extLst>
+  </p:cSld>
+  <p:clrMapOvr>
+    <a:masterClrMapping/>
+  </p:clrMapOvr>
+</p:notes>
+</file>
+
+<file path=ppt/notesSlides/notesSlide15.xml><?xml version="1.0" encoding="utf-8"?>
+<p:notes xmlns:a="http://schemas.openxmlformats.org/drawingml/2006/main" xmlns:r="http://schemas.openxmlformats.org/officeDocument/2006/relationships" xmlns:p="http://schemas.openxmlformats.org/presentationml/2006/main">
+  <p:cSld>
+    <p:spTree>
+      <p:nvGrpSpPr>
+        <p:cNvPr id="1" name=""/>
+        <p:cNvGrpSpPr/>
+        <p:nvPr/>
+      </p:nvGrpSpPr>
+      <p:grpSpPr>
+        <a:xfrm>
+          <a:off x="0" y="0"/>
+          <a:ext cx="0" cy="0"/>
+          <a:chOff x="0" y="0"/>
+          <a:chExt cx="0" cy="0"/>
+        </a:xfrm>
+      </p:grpSpPr>
+      <p:sp>
+        <p:nvSpPr>
+          <p:cNvPr id="2" name="Slide Image Placeholder 1"/>
+          <p:cNvSpPr>
+            <a:spLocks noGrp="1" noRot="1" noChangeAspect="1"/>
+          </p:cNvSpPr>
+          <p:nvPr>
+            <p:ph type="sldImg"/>
+          </p:nvPr>
+        </p:nvSpPr>
+        <p:spPr/>
+      </p:sp>
+      <p:sp>
+        <p:nvSpPr>
+          <p:cNvPr id="3" name="Notes Placeholder 2"/>
+          <p:cNvSpPr>
+            <a:spLocks noGrp="1"/>
+          </p:cNvSpPr>
+          <p:nvPr>
+            <p:ph type="body" idx="1"/>
+          </p:nvPr>
+        </p:nvSpPr>
+        <p:spPr/>
+        <p:txBody>
+          <a:bodyPr/>
+          <a:lstStyle/>
+          <a:p>
+            <a:r>
+              <a:rPr lang="en-US" dirty="0"/>
+              <a:t>Current study would have 300 participants ($4,500)</a:t>
+            </a:r>
+          </a:p>
+        </p:txBody>
+      </p:sp>
+      <p:sp>
+        <p:nvSpPr>
+          <p:cNvPr id="4" name="Slide Number Placeholder 3"/>
+          <p:cNvSpPr>
+            <a:spLocks noGrp="1"/>
+          </p:cNvSpPr>
+          <p:nvPr>
+            <p:ph type="sldNum" sz="quarter" idx="5"/>
+          </p:nvPr>
+        </p:nvSpPr>
+        <p:spPr/>
+        <p:txBody>
+          <a:bodyPr/>
+          <a:lstStyle/>
+          <a:p>
+            <a:fld id="{09808A04-4F30-4D14-A4A3-903948F17865}" type="slidenum">
+              <a:rPr lang="en-US" smtClean="0"/>
+              <a:t>19</a:t>
+            </a:fld>
+            <a:endParaRPr lang="en-US"/>
+          </a:p>
+        </p:txBody>
+      </p:sp>
+    </p:spTree>
+    <p:extLst>
+      <p:ext uri="{BB962C8B-B14F-4D97-AF65-F5344CB8AC3E}">
+        <p14:creationId xmlns:p14="http://schemas.microsoft.com/office/powerpoint/2010/main" val="10843760"/>
+      </p:ext>
+    </p:extLst>
+  </p:cSld>
+  <p:clrMapOvr>
+    <a:masterClrMapping/>
+  </p:clrMapOvr>
+</p:notes>
+</file>
+
+<file path=ppt/notesSlides/notesSlide16.xml><?xml version="1.0" encoding="utf-8"?>
+<p:notes xmlns:a="http://schemas.openxmlformats.org/drawingml/2006/main" xmlns:r="http://schemas.openxmlformats.org/officeDocument/2006/relationships" xmlns:p="http://schemas.openxmlformats.org/presentationml/2006/main">
+  <p:cSld>
+    <p:spTree>
+      <p:nvGrpSpPr>
+        <p:cNvPr id="1" name=""/>
+        <p:cNvGrpSpPr/>
+        <p:nvPr/>
+      </p:nvGrpSpPr>
+      <p:grpSpPr>
+        <a:xfrm>
+          <a:off x="0" y="0"/>
+          <a:ext cx="0" cy="0"/>
+          <a:chOff x="0" y="0"/>
+          <a:chExt cx="0" cy="0"/>
+        </a:xfrm>
+      </p:grpSpPr>
+      <p:sp>
+        <p:nvSpPr>
+          <p:cNvPr id="2" name="Slide Image Placeholder 1"/>
+          <p:cNvSpPr>
+            <a:spLocks noGrp="1" noRot="1" noChangeAspect="1"/>
+          </p:cNvSpPr>
+          <p:nvPr>
+            <p:ph type="sldImg"/>
+          </p:nvPr>
+        </p:nvSpPr>
+        <p:spPr/>
+      </p:sp>
+      <p:sp>
+        <p:nvSpPr>
+          <p:cNvPr id="3" name="Notes Placeholder 2"/>
+          <p:cNvSpPr>
+            <a:spLocks noGrp="1"/>
+          </p:cNvSpPr>
+          <p:nvPr>
+            <p:ph type="body" idx="1"/>
+          </p:nvPr>
+        </p:nvSpPr>
+        <p:spPr/>
+        <p:txBody>
+          <a:bodyPr/>
+          <a:lstStyle/>
+          <a:p>
+            <a:endParaRPr lang="en-US" dirty="0"/>
+          </a:p>
+        </p:txBody>
+      </p:sp>
+      <p:sp>
+        <p:nvSpPr>
+          <p:cNvPr id="4" name="Slide Number Placeholder 3"/>
+          <p:cNvSpPr>
+            <a:spLocks noGrp="1"/>
+          </p:cNvSpPr>
+          <p:nvPr>
+            <p:ph type="sldNum" sz="quarter" idx="5"/>
+          </p:nvPr>
+        </p:nvSpPr>
+        <p:spPr/>
+        <p:txBody>
+          <a:bodyPr/>
+          <a:lstStyle/>
+          <a:p>
+            <a:fld id="{09808A04-4F30-4D14-A4A3-903948F17865}" type="slidenum">
+              <a:rPr lang="en-US" smtClean="0"/>
+              <a:t>20</a:t>
+            </a:fld>
+            <a:endParaRPr lang="en-US"/>
+          </a:p>
+        </p:txBody>
+      </p:sp>
+    </p:spTree>
+    <p:extLst>
+      <p:ext uri="{BB962C8B-B14F-4D97-AF65-F5344CB8AC3E}">
+        <p14:creationId xmlns:p14="http://schemas.microsoft.com/office/powerpoint/2010/main" val="1922667058"/>
+      </p:ext>
+    </p:extLst>
+  </p:cSld>
+  <p:clrMapOvr>
+    <a:masterClrMapping/>
+  </p:clrMapOvr>
+</p:notes>
+</file>
+
+<file path=ppt/notesSlides/notesSlide17.xml><?xml version="1.0" encoding="utf-8"?>
+<p:notes xmlns:a="http://schemas.openxmlformats.org/drawingml/2006/main" xmlns:r="http://schemas.openxmlformats.org/officeDocument/2006/relationships" xmlns:p="http://schemas.openxmlformats.org/presentationml/2006/main">
+  <p:cSld>
+    <p:spTree>
+      <p:nvGrpSpPr>
+        <p:cNvPr id="1" name=""/>
+        <p:cNvGrpSpPr/>
+        <p:nvPr/>
+      </p:nvGrpSpPr>
+      <p:grpSpPr>
+        <a:xfrm>
+          <a:off x="0" y="0"/>
+          <a:ext cx="0" cy="0"/>
+          <a:chOff x="0" y="0"/>
+          <a:chExt cx="0" cy="0"/>
+        </a:xfrm>
+      </p:grpSpPr>
+      <p:sp>
+        <p:nvSpPr>
+          <p:cNvPr id="2" name="Slide Image Placeholder 1"/>
+          <p:cNvSpPr>
+            <a:spLocks noGrp="1" noRot="1" noChangeAspect="1"/>
+          </p:cNvSpPr>
+          <p:nvPr>
+            <p:ph type="sldImg"/>
+          </p:nvPr>
+        </p:nvSpPr>
+        <p:spPr>
+          <a:xfrm>
+            <a:off x="685800" y="1143000"/>
+            <a:ext cx="5486400" cy="3086100"/>
+          </a:xfrm>
+        </p:spPr>
+      </p:sp>
+      <p:sp>
+        <p:nvSpPr>
+          <p:cNvPr id="3" name="Notes Placeholder 2"/>
+          <p:cNvSpPr>
+            <a:spLocks noGrp="1"/>
+          </p:cNvSpPr>
+          <p:nvPr>
+            <p:ph type="body" idx="1"/>
+          </p:nvPr>
+        </p:nvSpPr>
+        <p:spPr/>
+        <p:txBody>
+          <a:bodyPr/>
+          <a:lstStyle/>
+          <a:p>
+            <a:endParaRPr lang="en-US" dirty="0"/>
+          </a:p>
+          <a:p>
+            <a:r>
+              <a:rPr lang="en-US" dirty="0"/>
+              <a:t>Add icons for</a:t>
+            </a:r>
+            <a:r>
+              <a:rPr lang="en-US" baseline="0" dirty="0"/>
+              <a:t> each department.  </a:t>
+            </a:r>
+          </a:p>
+          <a:p>
+            <a:endParaRPr lang="en-US" dirty="0"/>
+          </a:p>
+        </p:txBody>
+      </p:sp>
+      <p:sp>
+        <p:nvSpPr>
+          <p:cNvPr id="4" name="Slide Number Placeholder 3"/>
+          <p:cNvSpPr>
+            <a:spLocks noGrp="1"/>
+          </p:cNvSpPr>
+          <p:nvPr>
+            <p:ph type="sldNum" sz="quarter" idx="10"/>
+          </p:nvPr>
+        </p:nvSpPr>
+        <p:spPr/>
+        <p:txBody>
+          <a:bodyPr/>
+          <a:lstStyle/>
+          <a:p>
+            <a:fld id="{09808A04-4F30-4D14-A4A3-903948F17865}" type="slidenum">
+              <a:rPr lang="en-US" smtClean="0"/>
+              <a:t>21</a:t>
+            </a:fld>
+            <a:endParaRPr lang="en-US"/>
+          </a:p>
+        </p:txBody>
+      </p:sp>
+    </p:spTree>
+    <p:extLst>
+      <p:ext uri="{BB962C8B-B14F-4D97-AF65-F5344CB8AC3E}">
+        <p14:creationId xmlns:p14="http://schemas.microsoft.com/office/powerpoint/2010/main" val="805763137"/>
       </p:ext>
     </p:extLst>
   </p:cSld>
@@ -636,7 +5766,7 @@
           <a:p>
             <a:r>
               <a:rPr lang="en-US" dirty="0"/>
-              <a:t>To utilize response time modeling to evaluate minute changes in the cognitive assessments of attention, executive control and working memory throughout the last four weeks of an academic semester. This analysis aims to capture how cognition changes when participants are experiencing increasing stress as the semester ends.</a:t>
+              <a:t>-Research design differences: metastatic or CNS cancer exclusionary criteria, baseline included or not, how domains are measured</a:t>
             </a:r>
           </a:p>
         </p:txBody>
@@ -658,7 +5788,7 @@
           <a:p>
             <a:fld id="{09808A04-4F30-4D14-A4A3-903948F17865}" type="slidenum">
               <a:rPr lang="en-US" smtClean="0"/>
-              <a:t>10</a:t>
+              <a:t>4</a:t>
             </a:fld>
             <a:endParaRPr lang="en-US"/>
           </a:p>
@@ -667,7 +5797,7 @@
     </p:spTree>
     <p:extLst>
       <p:ext uri="{BB962C8B-B14F-4D97-AF65-F5344CB8AC3E}">
-        <p14:creationId xmlns:p14="http://schemas.microsoft.com/office/powerpoint/2010/main" val="2737452519"/>
+        <p14:creationId xmlns:p14="http://schemas.microsoft.com/office/powerpoint/2010/main" val="1064650320"/>
       </p:ext>
     </p:extLst>
   </p:cSld>
@@ -723,7 +5853,35 @@
           <a:p>
             <a:r>
               <a:rPr lang="en-US" dirty="0"/>
-              <a:t>To evaluate the role of stress on performance for the attention, executive control, and working memory. This analysis aims to evaluate how stress can act as the biological mechanism impairing cognitive ability.</a:t>
+              <a:t>Always some modeling assumption made;</a:t>
+            </a:r>
+          </a:p>
+          <a:p>
+            <a:r>
+              <a:rPr lang="en-US" dirty="0"/>
+              <a:t>Focus on non-</a:t>
+            </a:r>
+            <a:r>
+              <a:rPr lang="en-US" dirty="0" err="1"/>
+              <a:t>lin</a:t>
+            </a:r>
+            <a:r>
+              <a:rPr lang="en-US" dirty="0"/>
+              <a:t> approach that is a reasonable repress of what actually going on</a:t>
+            </a:r>
+            <a:br>
+              <a:rPr lang="en-US" dirty="0"/>
+            </a:br>
+            <a:r>
+              <a:rPr lang="en-US" dirty="0"/>
+              <a:t>capture meaningful changes</a:t>
+            </a:r>
+            <a:br>
+              <a:rPr lang="en-US" dirty="0"/>
+            </a:br>
+            <a:r>
+              <a:rPr lang="en-US" dirty="0"/>
+              <a:t>White et al. (2010) – found changes in lexical decision task with RT modeling, when point-estimate approaches cannot </a:t>
             </a:r>
           </a:p>
         </p:txBody>
@@ -745,7 +5903,7 @@
           <a:p>
             <a:fld id="{09808A04-4F30-4D14-A4A3-903948F17865}" type="slidenum">
               <a:rPr lang="en-US" smtClean="0"/>
-              <a:t>11</a:t>
+              <a:t>5</a:t>
             </a:fld>
             <a:endParaRPr lang="en-US"/>
           </a:p>
@@ -754,7 +5912,7 @@
     </p:spTree>
     <p:extLst>
       <p:ext uri="{BB962C8B-B14F-4D97-AF65-F5344CB8AC3E}">
-        <p14:creationId xmlns:p14="http://schemas.microsoft.com/office/powerpoint/2010/main" val="2436009177"/>
+        <p14:creationId xmlns:p14="http://schemas.microsoft.com/office/powerpoint/2010/main" val="901131833"/>
       </p:ext>
     </p:extLst>
   </p:cSld>
@@ -791,12 +5949,7 @@
             <p:ph type="sldImg"/>
           </p:nvPr>
         </p:nvSpPr>
-        <p:spPr>
-          <a:xfrm>
-            <a:off x="685800" y="1143000"/>
-            <a:ext cx="5486400" cy="3086100"/>
-          </a:xfrm>
-        </p:spPr>
+        <p:spPr/>
       </p:sp>
       <p:sp>
         <p:nvSpPr>
@@ -813,20 +5966,22 @@
           <a:bodyPr/>
           <a:lstStyle/>
           <a:p>
-            <a:endParaRPr lang="en-US" dirty="0"/>
-          </a:p>
-          <a:p>
             <a:r>
               <a:rPr lang="en-US" dirty="0"/>
-              <a:t>Add icons for</a:t>
-            </a:r>
-            <a:r>
-              <a:rPr lang="en-US" baseline="0" dirty="0"/>
-              <a:t> each department.  </a:t>
-            </a:r>
-          </a:p>
-          <a:p>
-            <a:endParaRPr lang="en-US" dirty="0"/>
+              <a:t>Motivation for why each of these tasks</a:t>
+            </a:r>
+          </a:p>
+          <a:p>
+            <a:r>
+              <a:rPr lang="en-US" dirty="0"/>
+              <a:t>These tasks have RT models already established &gt; not starting from scratch (but they are still new)</a:t>
+            </a:r>
+          </a:p>
+          <a:p>
+            <a:r>
+              <a:rPr lang="en-US" dirty="0"/>
+              <a:t>?Last 20 years has seen a shift where RT modeling has become more accessible (tech/ code sharing), so there are more models created specifically for tasks that are used in clinical scenarios, but they have not been extensively tested</a:t>
+            </a:r>
           </a:p>
         </p:txBody>
       </p:sp>
@@ -837,7 +5992,7 @@
             <a:spLocks noGrp="1"/>
           </p:cNvSpPr>
           <p:nvPr>
-            <p:ph type="sldNum" sz="quarter" idx="10"/>
+            <p:ph type="sldNum" sz="quarter" idx="5"/>
           </p:nvPr>
         </p:nvSpPr>
         <p:spPr/>
@@ -847,7 +6002,7 @@
           <a:p>
             <a:fld id="{09808A04-4F30-4D14-A4A3-903948F17865}" type="slidenum">
               <a:rPr lang="en-US" smtClean="0"/>
-              <a:t>14</a:t>
+              <a:t>6</a:t>
             </a:fld>
             <a:endParaRPr lang="en-US"/>
           </a:p>
@@ -856,7 +6011,436 @@
     </p:spTree>
     <p:extLst>
       <p:ext uri="{BB962C8B-B14F-4D97-AF65-F5344CB8AC3E}">
-        <p14:creationId xmlns:p14="http://schemas.microsoft.com/office/powerpoint/2010/main" val="805763137"/>
+        <p14:creationId xmlns:p14="http://schemas.microsoft.com/office/powerpoint/2010/main" val="1736886152"/>
+      </p:ext>
+    </p:extLst>
+  </p:cSld>
+  <p:clrMapOvr>
+    <a:masterClrMapping/>
+  </p:clrMapOvr>
+</p:notes>
+</file>
+
+<file path=ppt/notesSlides/notesSlide5.xml><?xml version="1.0" encoding="utf-8"?>
+<p:notes xmlns:a="http://schemas.openxmlformats.org/drawingml/2006/main" xmlns:r="http://schemas.openxmlformats.org/officeDocument/2006/relationships" xmlns:p="http://schemas.openxmlformats.org/presentationml/2006/main">
+  <p:cSld>
+    <p:spTree>
+      <p:nvGrpSpPr>
+        <p:cNvPr id="1" name=""/>
+        <p:cNvGrpSpPr/>
+        <p:nvPr/>
+      </p:nvGrpSpPr>
+      <p:grpSpPr>
+        <a:xfrm>
+          <a:off x="0" y="0"/>
+          <a:ext cx="0" cy="0"/>
+          <a:chOff x="0" y="0"/>
+          <a:chExt cx="0" cy="0"/>
+        </a:xfrm>
+      </p:grpSpPr>
+      <p:sp>
+        <p:nvSpPr>
+          <p:cNvPr id="2" name="Slide Image Placeholder 1"/>
+          <p:cNvSpPr>
+            <a:spLocks noGrp="1" noRot="1" noChangeAspect="1"/>
+          </p:cNvSpPr>
+          <p:nvPr>
+            <p:ph type="sldImg"/>
+          </p:nvPr>
+        </p:nvSpPr>
+        <p:spPr/>
+      </p:sp>
+      <p:sp>
+        <p:nvSpPr>
+          <p:cNvPr id="3" name="Notes Placeholder 2"/>
+          <p:cNvSpPr>
+            <a:spLocks noGrp="1"/>
+          </p:cNvSpPr>
+          <p:nvPr>
+            <p:ph type="body" idx="1"/>
+          </p:nvPr>
+        </p:nvSpPr>
+        <p:spPr/>
+        <p:txBody>
+          <a:bodyPr/>
+          <a:lstStyle/>
+          <a:p>
+            <a:r>
+              <a:rPr lang="en-US" dirty="0"/>
+              <a:t>Postponing has allowed us to take a step back, and shift from a translational approach to a basic approach</a:t>
+            </a:r>
+          </a:p>
+        </p:txBody>
+      </p:sp>
+      <p:sp>
+        <p:nvSpPr>
+          <p:cNvPr id="4" name="Slide Number Placeholder 3"/>
+          <p:cNvSpPr>
+            <a:spLocks noGrp="1"/>
+          </p:cNvSpPr>
+          <p:nvPr>
+            <p:ph type="sldNum" sz="quarter" idx="5"/>
+          </p:nvPr>
+        </p:nvSpPr>
+        <p:spPr/>
+        <p:txBody>
+          <a:bodyPr/>
+          <a:lstStyle/>
+          <a:p>
+            <a:fld id="{09808A04-4F30-4D14-A4A3-903948F17865}" type="slidenum">
+              <a:rPr lang="en-US" smtClean="0"/>
+              <a:t>7</a:t>
+            </a:fld>
+            <a:endParaRPr lang="en-US"/>
+          </a:p>
+        </p:txBody>
+      </p:sp>
+    </p:spTree>
+    <p:extLst>
+      <p:ext uri="{BB962C8B-B14F-4D97-AF65-F5344CB8AC3E}">
+        <p14:creationId xmlns:p14="http://schemas.microsoft.com/office/powerpoint/2010/main" val="4110076607"/>
+      </p:ext>
+    </p:extLst>
+  </p:cSld>
+  <p:clrMapOvr>
+    <a:masterClrMapping/>
+  </p:clrMapOvr>
+</p:notes>
+</file>
+
+<file path=ppt/notesSlides/notesSlide6.xml><?xml version="1.0" encoding="utf-8"?>
+<p:notes xmlns:a="http://schemas.openxmlformats.org/drawingml/2006/main" xmlns:r="http://schemas.openxmlformats.org/officeDocument/2006/relationships" xmlns:p="http://schemas.openxmlformats.org/presentationml/2006/main">
+  <p:cSld>
+    <p:spTree>
+      <p:nvGrpSpPr>
+        <p:cNvPr id="1" name=""/>
+        <p:cNvGrpSpPr/>
+        <p:nvPr/>
+      </p:nvGrpSpPr>
+      <p:grpSpPr>
+        <a:xfrm>
+          <a:off x="0" y="0"/>
+          <a:ext cx="0" cy="0"/>
+          <a:chOff x="0" y="0"/>
+          <a:chExt cx="0" cy="0"/>
+        </a:xfrm>
+      </p:grpSpPr>
+      <p:sp>
+        <p:nvSpPr>
+          <p:cNvPr id="2" name="Slide Image Placeholder 1"/>
+          <p:cNvSpPr>
+            <a:spLocks noGrp="1" noRot="1" noChangeAspect="1"/>
+          </p:cNvSpPr>
+          <p:nvPr>
+            <p:ph type="sldImg"/>
+          </p:nvPr>
+        </p:nvSpPr>
+        <p:spPr/>
+      </p:sp>
+      <p:sp>
+        <p:nvSpPr>
+          <p:cNvPr id="3" name="Notes Placeholder 2"/>
+          <p:cNvSpPr>
+            <a:spLocks noGrp="1"/>
+          </p:cNvSpPr>
+          <p:nvPr>
+            <p:ph type="body" idx="1"/>
+          </p:nvPr>
+        </p:nvSpPr>
+        <p:spPr/>
+        <p:txBody>
+          <a:bodyPr/>
+          <a:lstStyle/>
+          <a:p>
+            <a:endParaRPr lang="en-US" dirty="0"/>
+          </a:p>
+        </p:txBody>
+      </p:sp>
+      <p:sp>
+        <p:nvSpPr>
+          <p:cNvPr id="4" name="Slide Number Placeholder 3"/>
+          <p:cNvSpPr>
+            <a:spLocks noGrp="1"/>
+          </p:cNvSpPr>
+          <p:nvPr>
+            <p:ph type="sldNum" sz="quarter" idx="5"/>
+          </p:nvPr>
+        </p:nvSpPr>
+        <p:spPr/>
+        <p:txBody>
+          <a:bodyPr/>
+          <a:lstStyle/>
+          <a:p>
+            <a:fld id="{09808A04-4F30-4D14-A4A3-903948F17865}" type="slidenum">
+              <a:rPr lang="en-US" smtClean="0"/>
+              <a:t>8</a:t>
+            </a:fld>
+            <a:endParaRPr lang="en-US"/>
+          </a:p>
+        </p:txBody>
+      </p:sp>
+    </p:spTree>
+    <p:extLst>
+      <p:ext uri="{BB962C8B-B14F-4D97-AF65-F5344CB8AC3E}">
+        <p14:creationId xmlns:p14="http://schemas.microsoft.com/office/powerpoint/2010/main" val="2530375778"/>
+      </p:ext>
+    </p:extLst>
+  </p:cSld>
+  <p:clrMapOvr>
+    <a:masterClrMapping/>
+  </p:clrMapOvr>
+</p:notes>
+</file>
+
+<file path=ppt/notesSlides/notesSlide7.xml><?xml version="1.0" encoding="utf-8"?>
+<p:notes xmlns:a="http://schemas.openxmlformats.org/drawingml/2006/main" xmlns:r="http://schemas.openxmlformats.org/officeDocument/2006/relationships" xmlns:p="http://schemas.openxmlformats.org/presentationml/2006/main">
+  <p:cSld>
+    <p:spTree>
+      <p:nvGrpSpPr>
+        <p:cNvPr id="1" name=""/>
+        <p:cNvGrpSpPr/>
+        <p:nvPr/>
+      </p:nvGrpSpPr>
+      <p:grpSpPr>
+        <a:xfrm>
+          <a:off x="0" y="0"/>
+          <a:ext cx="0" cy="0"/>
+          <a:chOff x="0" y="0"/>
+          <a:chExt cx="0" cy="0"/>
+        </a:xfrm>
+      </p:grpSpPr>
+      <p:sp>
+        <p:nvSpPr>
+          <p:cNvPr id="2" name="Slide Image Placeholder 1"/>
+          <p:cNvSpPr>
+            <a:spLocks noGrp="1" noRot="1" noChangeAspect="1"/>
+          </p:cNvSpPr>
+          <p:nvPr>
+            <p:ph type="sldImg"/>
+          </p:nvPr>
+        </p:nvSpPr>
+        <p:spPr/>
+      </p:sp>
+      <p:sp>
+        <p:nvSpPr>
+          <p:cNvPr id="3" name="Notes Placeholder 2"/>
+          <p:cNvSpPr>
+            <a:spLocks noGrp="1"/>
+          </p:cNvSpPr>
+          <p:nvPr>
+            <p:ph type="body" idx="1"/>
+          </p:nvPr>
+        </p:nvSpPr>
+        <p:spPr/>
+        <p:txBody>
+          <a:bodyPr/>
+          <a:lstStyle/>
+          <a:p>
+            <a:r>
+              <a:rPr lang="en-US" dirty="0"/>
+              <a:t>Aim 1: To assess the predictive accuracy of response time models when applied to neuropsychological assessments of attention, executive control, and working memory. This analysis aims to determine the ability of response time models to represent the processes underlying cognitive function.* change to this</a:t>
+            </a:r>
+          </a:p>
+        </p:txBody>
+      </p:sp>
+      <p:sp>
+        <p:nvSpPr>
+          <p:cNvPr id="4" name="Slide Number Placeholder 3"/>
+          <p:cNvSpPr>
+            <a:spLocks noGrp="1"/>
+          </p:cNvSpPr>
+          <p:nvPr>
+            <p:ph type="sldNum" sz="quarter" idx="5"/>
+          </p:nvPr>
+        </p:nvSpPr>
+        <p:spPr/>
+        <p:txBody>
+          <a:bodyPr/>
+          <a:lstStyle/>
+          <a:p>
+            <a:fld id="{09808A04-4F30-4D14-A4A3-903948F17865}" type="slidenum">
+              <a:rPr lang="en-US" smtClean="0"/>
+              <a:t>9</a:t>
+            </a:fld>
+            <a:endParaRPr lang="en-US"/>
+          </a:p>
+        </p:txBody>
+      </p:sp>
+    </p:spTree>
+    <p:extLst>
+      <p:ext uri="{BB962C8B-B14F-4D97-AF65-F5344CB8AC3E}">
+        <p14:creationId xmlns:p14="http://schemas.microsoft.com/office/powerpoint/2010/main" val="166186403"/>
+      </p:ext>
+    </p:extLst>
+  </p:cSld>
+  <p:clrMapOvr>
+    <a:masterClrMapping/>
+  </p:clrMapOvr>
+</p:notes>
+</file>
+
+<file path=ppt/notesSlides/notesSlide8.xml><?xml version="1.0" encoding="utf-8"?>
+<p:notes xmlns:a="http://schemas.openxmlformats.org/drawingml/2006/main" xmlns:r="http://schemas.openxmlformats.org/officeDocument/2006/relationships" xmlns:p="http://schemas.openxmlformats.org/presentationml/2006/main">
+  <p:cSld>
+    <p:spTree>
+      <p:nvGrpSpPr>
+        <p:cNvPr id="1" name=""/>
+        <p:cNvGrpSpPr/>
+        <p:nvPr/>
+      </p:nvGrpSpPr>
+      <p:grpSpPr>
+        <a:xfrm>
+          <a:off x="0" y="0"/>
+          <a:ext cx="0" cy="0"/>
+          <a:chOff x="0" y="0"/>
+          <a:chExt cx="0" cy="0"/>
+        </a:xfrm>
+      </p:grpSpPr>
+      <p:sp>
+        <p:nvSpPr>
+          <p:cNvPr id="2" name="Slide Image Placeholder 1"/>
+          <p:cNvSpPr>
+            <a:spLocks noGrp="1" noRot="1" noChangeAspect="1"/>
+          </p:cNvSpPr>
+          <p:nvPr>
+            <p:ph type="sldImg"/>
+          </p:nvPr>
+        </p:nvSpPr>
+        <p:spPr/>
+      </p:sp>
+      <p:sp>
+        <p:nvSpPr>
+          <p:cNvPr id="3" name="Notes Placeholder 2"/>
+          <p:cNvSpPr>
+            <a:spLocks noGrp="1"/>
+          </p:cNvSpPr>
+          <p:nvPr>
+            <p:ph type="body" idx="1"/>
+          </p:nvPr>
+        </p:nvSpPr>
+        <p:spPr/>
+        <p:txBody>
+          <a:bodyPr/>
+          <a:lstStyle/>
+          <a:p>
+            <a:endParaRPr lang="en-US" dirty="0"/>
+          </a:p>
+        </p:txBody>
+      </p:sp>
+      <p:sp>
+        <p:nvSpPr>
+          <p:cNvPr id="4" name="Slide Number Placeholder 3"/>
+          <p:cNvSpPr>
+            <a:spLocks noGrp="1"/>
+          </p:cNvSpPr>
+          <p:nvPr>
+            <p:ph type="sldNum" sz="quarter" idx="5"/>
+          </p:nvPr>
+        </p:nvSpPr>
+        <p:spPr/>
+        <p:txBody>
+          <a:bodyPr/>
+          <a:lstStyle/>
+          <a:p>
+            <a:fld id="{09808A04-4F30-4D14-A4A3-903948F17865}" type="slidenum">
+              <a:rPr lang="en-US" smtClean="0"/>
+              <a:t>10</a:t>
+            </a:fld>
+            <a:endParaRPr lang="en-US"/>
+          </a:p>
+        </p:txBody>
+      </p:sp>
+    </p:spTree>
+    <p:extLst>
+      <p:ext uri="{BB962C8B-B14F-4D97-AF65-F5344CB8AC3E}">
+        <p14:creationId xmlns:p14="http://schemas.microsoft.com/office/powerpoint/2010/main" val="350248461"/>
+      </p:ext>
+    </p:extLst>
+  </p:cSld>
+  <p:clrMapOvr>
+    <a:masterClrMapping/>
+  </p:clrMapOvr>
+</p:notes>
+</file>
+
+<file path=ppt/notesSlides/notesSlide9.xml><?xml version="1.0" encoding="utf-8"?>
+<p:notes xmlns:a="http://schemas.openxmlformats.org/drawingml/2006/main" xmlns:r="http://schemas.openxmlformats.org/officeDocument/2006/relationships" xmlns:p="http://schemas.openxmlformats.org/presentationml/2006/main">
+  <p:cSld>
+    <p:spTree>
+      <p:nvGrpSpPr>
+        <p:cNvPr id="1" name=""/>
+        <p:cNvGrpSpPr/>
+        <p:nvPr/>
+      </p:nvGrpSpPr>
+      <p:grpSpPr>
+        <a:xfrm>
+          <a:off x="0" y="0"/>
+          <a:ext cx="0" cy="0"/>
+          <a:chOff x="0" y="0"/>
+          <a:chExt cx="0" cy="0"/>
+        </a:xfrm>
+      </p:grpSpPr>
+      <p:sp>
+        <p:nvSpPr>
+          <p:cNvPr id="2" name="Slide Image Placeholder 1"/>
+          <p:cNvSpPr>
+            <a:spLocks noGrp="1" noRot="1" noChangeAspect="1"/>
+          </p:cNvSpPr>
+          <p:nvPr>
+            <p:ph type="sldImg"/>
+          </p:nvPr>
+        </p:nvSpPr>
+        <p:spPr/>
+      </p:sp>
+      <p:sp>
+        <p:nvSpPr>
+          <p:cNvPr id="3" name="Notes Placeholder 2"/>
+          <p:cNvSpPr>
+            <a:spLocks noGrp="1"/>
+          </p:cNvSpPr>
+          <p:nvPr>
+            <p:ph type="body" idx="1"/>
+          </p:nvPr>
+        </p:nvSpPr>
+        <p:spPr/>
+        <p:txBody>
+          <a:bodyPr/>
+          <a:lstStyle/>
+          <a:p>
+            <a:r>
+              <a:rPr lang="en-US" dirty="0"/>
+              <a:t>To utilize response time modeling to evaluate minute changes in the cognitive assessments of attention, executive control and working memory throughout the last four weeks of an academic semester. This analysis aims to capture how cognition changes when participants are experiencing increasing stress as the semester ends.</a:t>
+            </a:r>
+          </a:p>
+        </p:txBody>
+      </p:sp>
+      <p:sp>
+        <p:nvSpPr>
+          <p:cNvPr id="4" name="Slide Number Placeholder 3"/>
+          <p:cNvSpPr>
+            <a:spLocks noGrp="1"/>
+          </p:cNvSpPr>
+          <p:nvPr>
+            <p:ph type="sldNum" sz="quarter" idx="5"/>
+          </p:nvPr>
+        </p:nvSpPr>
+        <p:spPr/>
+        <p:txBody>
+          <a:bodyPr/>
+          <a:lstStyle/>
+          <a:p>
+            <a:fld id="{09808A04-4F30-4D14-A4A3-903948F17865}" type="slidenum">
+              <a:rPr lang="en-US" smtClean="0"/>
+              <a:t>11</a:t>
+            </a:fld>
+            <a:endParaRPr lang="en-US"/>
+          </a:p>
+        </p:txBody>
+      </p:sp>
+    </p:spTree>
+    <p:extLst>
+      <p:ext uri="{BB962C8B-B14F-4D97-AF65-F5344CB8AC3E}">
+        <p14:creationId xmlns:p14="http://schemas.microsoft.com/office/powerpoint/2010/main" val="2737452519"/>
       </p:ext>
     </p:extLst>
   </p:cSld>
@@ -3830,6 +9414,152 @@
         <p:cNvPr id="1" name="">
           <a:extLst>
             <a:ext uri="{FF2B5EF4-FFF2-40B4-BE49-F238E27FC236}">
+              <a16:creationId xmlns:a16="http://schemas.microsoft.com/office/drawing/2014/main" id="{D04891A0-F5F3-E41B-9953-BBE7CE9C29E4}"/>
+            </a:ext>
+          </a:extLst>
+        </p:cNvPr>
+        <p:cNvGrpSpPr/>
+        <p:nvPr/>
+      </p:nvGrpSpPr>
+      <p:grpSpPr>
+        <a:xfrm>
+          <a:off x="0" y="0"/>
+          <a:ext cx="0" cy="0"/>
+          <a:chOff x="0" y="0"/>
+          <a:chExt cx="0" cy="0"/>
+        </a:xfrm>
+      </p:grpSpPr>
+      <p:sp>
+        <p:nvSpPr>
+          <p:cNvPr id="3" name="Title 2">
+            <a:extLst>
+              <a:ext uri="{FF2B5EF4-FFF2-40B4-BE49-F238E27FC236}">
+                <a16:creationId xmlns:a16="http://schemas.microsoft.com/office/drawing/2014/main" id="{2F7311FC-94D7-1A01-2CA0-3BEAB1CF37B7}"/>
+              </a:ext>
+            </a:extLst>
+          </p:cNvPr>
+          <p:cNvSpPr>
+            <a:spLocks noGrp="1"/>
+          </p:cNvSpPr>
+          <p:nvPr>
+            <p:ph type="title"/>
+          </p:nvPr>
+        </p:nvSpPr>
+        <p:spPr>
+          <a:xfrm>
+            <a:off x="313510" y="807031"/>
+            <a:ext cx="11568343" cy="1003481"/>
+          </a:xfrm>
+        </p:spPr>
+        <p:txBody>
+          <a:bodyPr/>
+          <a:lstStyle/>
+          <a:p>
+            <a:r>
+              <a:rPr lang="en-US" dirty="0"/>
+              <a:t>Aim 2</a:t>
+            </a:r>
+          </a:p>
+        </p:txBody>
+      </p:sp>
+      <p:sp>
+        <p:nvSpPr>
+          <p:cNvPr id="4" name="Content Placeholder 3">
+            <a:extLst>
+              <a:ext uri="{FF2B5EF4-FFF2-40B4-BE49-F238E27FC236}">
+                <a16:creationId xmlns:a16="http://schemas.microsoft.com/office/drawing/2014/main" id="{3475AC3C-7D05-2731-7D88-54A8A4C560FF}"/>
+              </a:ext>
+            </a:extLst>
+          </p:cNvPr>
+          <p:cNvSpPr>
+            <a:spLocks noGrp="1"/>
+          </p:cNvSpPr>
+          <p:nvPr>
+            <p:ph idx="1"/>
+          </p:nvPr>
+        </p:nvSpPr>
+        <p:spPr>
+          <a:xfrm>
+            <a:off x="313510" y="1883664"/>
+            <a:ext cx="11568343" cy="4336163"/>
+          </a:xfrm>
+        </p:spPr>
+        <p:txBody>
+          <a:bodyPr>
+            <a:normAutofit/>
+          </a:bodyPr>
+          <a:lstStyle/>
+          <a:p>
+            <a:pPr marL="0" indent="0">
+              <a:buNone/>
+            </a:pPr>
+            <a:r>
+              <a:rPr lang="en-US" dirty="0"/>
+              <a:t>To utilize response time modeling to evaluate minute changes in the cognitive assessments of attention, executive control and working memory throughout the last four weeks of an academic semester. This analysis aims to capture how cognition changes when participants are experiencing increasing stress as the semester ends.</a:t>
+            </a:r>
+          </a:p>
+          <a:p>
+            <a:endParaRPr lang="en-US" dirty="0"/>
+          </a:p>
+          <a:p>
+            <a:endParaRPr lang="en-US" dirty="0"/>
+          </a:p>
+        </p:txBody>
+      </p:sp>
+      <p:sp>
+        <p:nvSpPr>
+          <p:cNvPr id="2" name="Text Placeholder 1">
+            <a:extLst>
+              <a:ext uri="{FF2B5EF4-FFF2-40B4-BE49-F238E27FC236}">
+                <a16:creationId xmlns:a16="http://schemas.microsoft.com/office/drawing/2014/main" id="{C4D6F01F-06F8-EEC3-AF14-51459A26650C}"/>
+              </a:ext>
+            </a:extLst>
+          </p:cNvPr>
+          <p:cNvSpPr>
+            <a:spLocks noGrp="1"/>
+          </p:cNvSpPr>
+          <p:nvPr>
+            <p:ph type="body" sz="quarter" idx="10"/>
+          </p:nvPr>
+        </p:nvSpPr>
+        <p:spPr>
+          <a:xfrm>
+            <a:off x="10070592" y="6489820"/>
+            <a:ext cx="2121408" cy="276740"/>
+          </a:xfrm>
+        </p:spPr>
+        <p:txBody>
+          <a:bodyPr/>
+          <a:lstStyle/>
+          <a:p>
+            <a:r>
+              <a:rPr lang="en-US" sz="1100" dirty="0"/>
+              <a:t>Slide 9 of 19</a:t>
+            </a:r>
+          </a:p>
+        </p:txBody>
+      </p:sp>
+    </p:spTree>
+    <p:extLst>
+      <p:ext uri="{BB962C8B-B14F-4D97-AF65-F5344CB8AC3E}">
+        <p14:creationId xmlns:p14="http://schemas.microsoft.com/office/powerpoint/2010/main" val="2891690780"/>
+      </p:ext>
+    </p:extLst>
+  </p:cSld>
+  <p:clrMapOvr>
+    <a:masterClrMapping/>
+  </p:clrMapOvr>
+</p:sld>
+</file>
+
+<file path=ppt/slides/slide11.xml><?xml version="1.0" encoding="utf-8"?>
+<p:sld xmlns:a="http://schemas.openxmlformats.org/drawingml/2006/main" xmlns:r="http://schemas.openxmlformats.org/officeDocument/2006/relationships" xmlns:p="http://schemas.openxmlformats.org/presentationml/2006/main">
+  <p:cSld>
+    <p:spTree>
+      <p:nvGrpSpPr>
+        <p:cNvPr id="1" name="">
+          <a:extLst>
+            <a:ext uri="{FF2B5EF4-FFF2-40B4-BE49-F238E27FC236}">
               <a16:creationId xmlns:a16="http://schemas.microsoft.com/office/drawing/2014/main" id="{8BCF9CBE-F0A8-FCC4-F818-93C6E66676DF}"/>
             </a:ext>
           </a:extLst>
@@ -3875,7 +9605,7 @@
           <a:p>
             <a:r>
               <a:rPr lang="en-US" dirty="0"/>
-              <a:t>Aim 2: Can we capture longitudinal changes?</a:t>
+              <a:t>Aim 2</a:t>
             </a:r>
           </a:p>
         </p:txBody>
@@ -3917,7 +9647,7 @@
             </a:r>
             <a:r>
               <a:rPr lang="en-US" sz="2400" dirty="0"/>
-              <a:t>. I hypothesize that response time modeling will capture valid, ecological changes in participant cognition at the end of the semester, as measured by posterior estimates of the relevant regression coefficients having greater than 66% of the probability in the appropriate direction. </a:t>
+              <a:t>. I hypothesize that response time modeling will capture valid, ecological changes in participant cognition at the end of the semester, as measured by posterior estimates of the relevant coefficients having greater than 66% of the probability in the appropriate direction. </a:t>
             </a:r>
           </a:p>
           <a:p>
@@ -3992,7 +9722,7 @@
           <a:p>
             <a:r>
               <a:rPr lang="en-US" sz="1100" dirty="0"/>
-              <a:t>Slide 1 of X</a:t>
+              <a:t>Slide 10 of 19</a:t>
             </a:r>
           </a:p>
         </p:txBody>
@@ -4010,7 +9740,156 @@
 </p:sld>
 </file>
 
-<file path=ppt/slides/slide11.xml><?xml version="1.0" encoding="utf-8"?>
+<file path=ppt/slides/slide12.xml><?xml version="1.0" encoding="utf-8"?>
+<p:sld xmlns:a="http://schemas.openxmlformats.org/drawingml/2006/main" xmlns:r="http://schemas.openxmlformats.org/officeDocument/2006/relationships" xmlns:p="http://schemas.openxmlformats.org/presentationml/2006/main">
+  <p:cSld>
+    <p:spTree>
+      <p:nvGrpSpPr>
+        <p:cNvPr id="1" name="">
+          <a:extLst>
+            <a:ext uri="{FF2B5EF4-FFF2-40B4-BE49-F238E27FC236}">
+              <a16:creationId xmlns:a16="http://schemas.microsoft.com/office/drawing/2014/main" id="{D04891A0-F5F3-E41B-9953-BBE7CE9C29E4}"/>
+            </a:ext>
+          </a:extLst>
+        </p:cNvPr>
+        <p:cNvGrpSpPr/>
+        <p:nvPr/>
+      </p:nvGrpSpPr>
+      <p:grpSpPr>
+        <a:xfrm>
+          <a:off x="0" y="0"/>
+          <a:ext cx="0" cy="0"/>
+          <a:chOff x="0" y="0"/>
+          <a:chExt cx="0" cy="0"/>
+        </a:xfrm>
+      </p:grpSpPr>
+      <p:sp>
+        <p:nvSpPr>
+          <p:cNvPr id="3" name="Title 2">
+            <a:extLst>
+              <a:ext uri="{FF2B5EF4-FFF2-40B4-BE49-F238E27FC236}">
+                <a16:creationId xmlns:a16="http://schemas.microsoft.com/office/drawing/2014/main" id="{2F7311FC-94D7-1A01-2CA0-3BEAB1CF37B7}"/>
+              </a:ext>
+            </a:extLst>
+          </p:cNvPr>
+          <p:cNvSpPr>
+            <a:spLocks noGrp="1"/>
+          </p:cNvSpPr>
+          <p:nvPr>
+            <p:ph type="title"/>
+          </p:nvPr>
+        </p:nvSpPr>
+        <p:spPr>
+          <a:xfrm>
+            <a:off x="313510" y="807031"/>
+            <a:ext cx="11568343" cy="1003481"/>
+          </a:xfrm>
+        </p:spPr>
+        <p:txBody>
+          <a:bodyPr/>
+          <a:lstStyle/>
+          <a:p>
+            <a:r>
+              <a:rPr lang="en-US" dirty="0"/>
+              <a:t>Aim 3</a:t>
+            </a:r>
+          </a:p>
+        </p:txBody>
+      </p:sp>
+      <p:sp>
+        <p:nvSpPr>
+          <p:cNvPr id="4" name="Content Placeholder 3">
+            <a:extLst>
+              <a:ext uri="{FF2B5EF4-FFF2-40B4-BE49-F238E27FC236}">
+                <a16:creationId xmlns:a16="http://schemas.microsoft.com/office/drawing/2014/main" id="{3475AC3C-7D05-2731-7D88-54A8A4C560FF}"/>
+              </a:ext>
+            </a:extLst>
+          </p:cNvPr>
+          <p:cNvSpPr>
+            <a:spLocks noGrp="1"/>
+          </p:cNvSpPr>
+          <p:nvPr>
+            <p:ph idx="1"/>
+          </p:nvPr>
+        </p:nvSpPr>
+        <p:spPr>
+          <a:xfrm>
+            <a:off x="313510" y="1883664"/>
+            <a:ext cx="11568343" cy="4336163"/>
+          </a:xfrm>
+        </p:spPr>
+        <p:txBody>
+          <a:bodyPr>
+            <a:normAutofit/>
+          </a:bodyPr>
+          <a:lstStyle/>
+          <a:p>
+            <a:r>
+              <a:rPr lang="en-US" dirty="0"/>
+              <a:t>To evaluate the role of stress on performance for the attention, executive control, and working memory tasks. This analysis aims to evaluate how stress impairs cognitive ability.</a:t>
+            </a:r>
+          </a:p>
+          <a:p>
+            <a:pPr marL="457200" lvl="1" indent="0">
+              <a:buNone/>
+            </a:pPr>
+            <a:endParaRPr lang="en-US" dirty="0"/>
+          </a:p>
+          <a:p>
+            <a:endParaRPr lang="en-US" dirty="0"/>
+          </a:p>
+          <a:p>
+            <a:endParaRPr lang="en-US" dirty="0"/>
+          </a:p>
+        </p:txBody>
+      </p:sp>
+      <p:sp>
+        <p:nvSpPr>
+          <p:cNvPr id="2" name="Text Placeholder 1">
+            <a:extLst>
+              <a:ext uri="{FF2B5EF4-FFF2-40B4-BE49-F238E27FC236}">
+                <a16:creationId xmlns:a16="http://schemas.microsoft.com/office/drawing/2014/main" id="{C4D6F01F-06F8-EEC3-AF14-51459A26650C}"/>
+              </a:ext>
+            </a:extLst>
+          </p:cNvPr>
+          <p:cNvSpPr>
+            <a:spLocks noGrp="1"/>
+          </p:cNvSpPr>
+          <p:nvPr>
+            <p:ph type="body" sz="quarter" idx="10"/>
+          </p:nvPr>
+        </p:nvSpPr>
+        <p:spPr>
+          <a:xfrm>
+            <a:off x="10070592" y="6489820"/>
+            <a:ext cx="2121408" cy="276740"/>
+          </a:xfrm>
+        </p:spPr>
+        <p:txBody>
+          <a:bodyPr/>
+          <a:lstStyle/>
+          <a:p>
+            <a:r>
+              <a:rPr lang="en-US" sz="1100" dirty="0"/>
+              <a:t>Slide 11 of 19</a:t>
+            </a:r>
+          </a:p>
+        </p:txBody>
+      </p:sp>
+    </p:spTree>
+    <p:extLst>
+      <p:ext uri="{BB962C8B-B14F-4D97-AF65-F5344CB8AC3E}">
+        <p14:creationId xmlns:p14="http://schemas.microsoft.com/office/powerpoint/2010/main" val="1846996531"/>
+      </p:ext>
+    </p:extLst>
+  </p:cSld>
+  <p:clrMapOvr>
+    <a:masterClrMapping/>
+  </p:clrMapOvr>
+</p:sld>
+</file>
+
+<file path=ppt/slides/slide13.xml><?xml version="1.0" encoding="utf-8"?>
 <p:sld xmlns:a="http://schemas.openxmlformats.org/drawingml/2006/main" xmlns:r="http://schemas.openxmlformats.org/officeDocument/2006/relationships" xmlns:p="http://schemas.openxmlformats.org/presentationml/2006/main">
   <p:cSld>
     <p:spTree>
@@ -4061,7 +9940,7 @@
           <a:p>
             <a:r>
               <a:rPr lang="en-US" dirty="0"/>
-              <a:t>Aim 3: Is stress driving cognitive changes?</a:t>
+              <a:t>Aim 3</a:t>
             </a:r>
           </a:p>
         </p:txBody>
@@ -4141,7 +10020,7 @@
                 <a:ea typeface="+mn-ea"/>
                 <a:cs typeface="+mn-cs"/>
               </a:rPr>
-              <a:t>. I hypothesize that the data will be at least three times more likely under hierarchical mixed-effect models including stress as a factor impacting cognition than under models that do not include stress (as predicted by Bayes factors).</a:t>
+              <a:t>. I hypothesize that there will be strong evidence in favor of stress as a factor impacting cognition (as predicted by Bayes factors).</a:t>
             </a:r>
           </a:p>
           <a:p>
@@ -4384,7 +10263,7 @@
           <a:p>
             <a:r>
               <a:rPr lang="en-US" sz="1100" dirty="0"/>
-              <a:t>Slide 1 of X</a:t>
+              <a:t>Slide 12 of 19</a:t>
             </a:r>
           </a:p>
         </p:txBody>
@@ -4402,7 +10281,298 @@
 </p:sld>
 </file>
 
-<file path=ppt/slides/slide12.xml><?xml version="1.0" encoding="utf-8"?>
+<file path=ppt/slides/slide14.xml><?xml version="1.0" encoding="utf-8"?>
+<p:sld xmlns:a="http://schemas.openxmlformats.org/drawingml/2006/main" xmlns:r="http://schemas.openxmlformats.org/officeDocument/2006/relationships" xmlns:p="http://schemas.openxmlformats.org/presentationml/2006/main">
+  <p:cSld>
+    <p:spTree>
+      <p:nvGrpSpPr>
+        <p:cNvPr id="1" name="">
+          <a:extLst>
+            <a:ext uri="{FF2B5EF4-FFF2-40B4-BE49-F238E27FC236}">
+              <a16:creationId xmlns:a16="http://schemas.microsoft.com/office/drawing/2014/main" id="{2ABFA4E0-B73A-1187-1FAB-5D0FBDEB916E}"/>
+            </a:ext>
+          </a:extLst>
+        </p:cNvPr>
+        <p:cNvGrpSpPr/>
+        <p:nvPr/>
+      </p:nvGrpSpPr>
+      <p:grpSpPr>
+        <a:xfrm>
+          <a:off x="0" y="0"/>
+          <a:ext cx="0" cy="0"/>
+          <a:chOff x="0" y="0"/>
+          <a:chExt cx="0" cy="0"/>
+        </a:xfrm>
+      </p:grpSpPr>
+      <p:sp>
+        <p:nvSpPr>
+          <p:cNvPr id="3" name="Title 2">
+            <a:extLst>
+              <a:ext uri="{FF2B5EF4-FFF2-40B4-BE49-F238E27FC236}">
+                <a16:creationId xmlns:a16="http://schemas.microsoft.com/office/drawing/2014/main" id="{43EBDAF4-CB47-BCF2-8473-18CC1CFDC57F}"/>
+              </a:ext>
+            </a:extLst>
+          </p:cNvPr>
+          <p:cNvSpPr>
+            <a:spLocks noGrp="1"/>
+          </p:cNvSpPr>
+          <p:nvPr>
+            <p:ph type="title"/>
+          </p:nvPr>
+        </p:nvSpPr>
+        <p:spPr>
+          <a:xfrm>
+            <a:off x="313510" y="807031"/>
+            <a:ext cx="11568343" cy="1003481"/>
+          </a:xfrm>
+        </p:spPr>
+        <p:txBody>
+          <a:bodyPr/>
+          <a:lstStyle/>
+          <a:p>
+            <a:r>
+              <a:rPr lang="en-US" dirty="0"/>
+              <a:t>The Current Project</a:t>
+            </a:r>
+          </a:p>
+        </p:txBody>
+      </p:sp>
+      <p:sp>
+        <p:nvSpPr>
+          <p:cNvPr id="4" name="Content Placeholder 3">
+            <a:extLst>
+              <a:ext uri="{FF2B5EF4-FFF2-40B4-BE49-F238E27FC236}">
+                <a16:creationId xmlns:a16="http://schemas.microsoft.com/office/drawing/2014/main" id="{199BC0C4-F3D2-A86A-6F62-7B881FF504E3}"/>
+              </a:ext>
+            </a:extLst>
+          </p:cNvPr>
+          <p:cNvSpPr>
+            <a:spLocks noGrp="1"/>
+          </p:cNvSpPr>
+          <p:nvPr>
+            <p:ph idx="1"/>
+          </p:nvPr>
+        </p:nvSpPr>
+        <p:spPr>
+          <a:xfrm>
+            <a:off x="313510" y="1883664"/>
+            <a:ext cx="11568343" cy="4336163"/>
+          </a:xfrm>
+        </p:spPr>
+        <p:txBody>
+          <a:bodyPr>
+            <a:normAutofit/>
+          </a:bodyPr>
+          <a:lstStyle/>
+          <a:p>
+            <a:r>
+              <a:rPr lang="en-US" dirty="0"/>
+              <a:t>Measuring cognition parameters and stress across the final four* weeks of the semester</a:t>
+            </a:r>
+          </a:p>
+          <a:p>
+            <a:r>
+              <a:rPr lang="en-US" dirty="0"/>
+              <a:t>The three cognitive response-time tasks and corresponding models from the HEAL study will be tested in a healthy population</a:t>
+            </a:r>
+          </a:p>
+          <a:p>
+            <a:r>
+              <a:rPr lang="en-US" dirty="0"/>
+              <a:t>Perceived Stress Scale will be completed at each time point</a:t>
+            </a:r>
+          </a:p>
+          <a:p>
+            <a:r>
+              <a:rPr lang="en-US" dirty="0"/>
+              <a:t>Participants will be given $15 gift cards for each time point. At the end of the study, participants who completed all four weeks will received an additional $20 gift card</a:t>
+            </a:r>
+          </a:p>
+          <a:p>
+            <a:endParaRPr lang="en-US" dirty="0"/>
+          </a:p>
+        </p:txBody>
+      </p:sp>
+      <p:sp>
+        <p:nvSpPr>
+          <p:cNvPr id="2" name="Text Placeholder 1">
+            <a:extLst>
+              <a:ext uri="{FF2B5EF4-FFF2-40B4-BE49-F238E27FC236}">
+                <a16:creationId xmlns:a16="http://schemas.microsoft.com/office/drawing/2014/main" id="{93FC705A-2D1D-8529-EA0C-52065C4256E8}"/>
+              </a:ext>
+            </a:extLst>
+          </p:cNvPr>
+          <p:cNvSpPr>
+            <a:spLocks noGrp="1"/>
+          </p:cNvSpPr>
+          <p:nvPr>
+            <p:ph type="body" sz="quarter" idx="10"/>
+          </p:nvPr>
+        </p:nvSpPr>
+        <p:spPr>
+          <a:xfrm>
+            <a:off x="10070592" y="6489820"/>
+            <a:ext cx="2121408" cy="276740"/>
+          </a:xfrm>
+        </p:spPr>
+        <p:txBody>
+          <a:bodyPr/>
+          <a:lstStyle/>
+          <a:p>
+            <a:r>
+              <a:rPr lang="en-US" sz="1100" dirty="0"/>
+              <a:t>Slide 13 of 19</a:t>
+            </a:r>
+          </a:p>
+        </p:txBody>
+      </p:sp>
+    </p:spTree>
+    <p:extLst>
+      <p:ext uri="{BB962C8B-B14F-4D97-AF65-F5344CB8AC3E}">
+        <p14:creationId xmlns:p14="http://schemas.microsoft.com/office/powerpoint/2010/main" val="78280888"/>
+      </p:ext>
+    </p:extLst>
+  </p:cSld>
+  <p:clrMapOvr>
+    <a:masterClrMapping/>
+  </p:clrMapOvr>
+</p:sld>
+</file>
+
+<file path=ppt/slides/slide15.xml><?xml version="1.0" encoding="utf-8"?>
+<p:sld xmlns:a="http://schemas.openxmlformats.org/drawingml/2006/main" xmlns:r="http://schemas.openxmlformats.org/officeDocument/2006/relationships" xmlns:p="http://schemas.openxmlformats.org/presentationml/2006/main">
+  <p:cSld>
+    <p:spTree>
+      <p:nvGrpSpPr>
+        <p:cNvPr id="1" name="">
+          <a:extLst>
+            <a:ext uri="{FF2B5EF4-FFF2-40B4-BE49-F238E27FC236}">
+              <a16:creationId xmlns:a16="http://schemas.microsoft.com/office/drawing/2014/main" id="{2ABFA4E0-B73A-1187-1FAB-5D0FBDEB916E}"/>
+            </a:ext>
+          </a:extLst>
+        </p:cNvPr>
+        <p:cNvGrpSpPr/>
+        <p:nvPr/>
+      </p:nvGrpSpPr>
+      <p:grpSpPr>
+        <a:xfrm>
+          <a:off x="0" y="0"/>
+          <a:ext cx="0" cy="0"/>
+          <a:chOff x="0" y="0"/>
+          <a:chExt cx="0" cy="0"/>
+        </a:xfrm>
+      </p:grpSpPr>
+      <p:sp>
+        <p:nvSpPr>
+          <p:cNvPr id="3" name="Title 2">
+            <a:extLst>
+              <a:ext uri="{FF2B5EF4-FFF2-40B4-BE49-F238E27FC236}">
+                <a16:creationId xmlns:a16="http://schemas.microsoft.com/office/drawing/2014/main" id="{43EBDAF4-CB47-BCF2-8473-18CC1CFDC57F}"/>
+              </a:ext>
+            </a:extLst>
+          </p:cNvPr>
+          <p:cNvSpPr>
+            <a:spLocks noGrp="1"/>
+          </p:cNvSpPr>
+          <p:nvPr>
+            <p:ph type="title"/>
+          </p:nvPr>
+        </p:nvSpPr>
+        <p:spPr>
+          <a:xfrm>
+            <a:off x="313510" y="807031"/>
+            <a:ext cx="11568343" cy="1003481"/>
+          </a:xfrm>
+        </p:spPr>
+        <p:txBody>
+          <a:bodyPr/>
+          <a:lstStyle/>
+          <a:p>
+            <a:r>
+              <a:rPr lang="en-US" dirty="0"/>
+              <a:t>Method Section</a:t>
+            </a:r>
+          </a:p>
+        </p:txBody>
+      </p:sp>
+      <p:graphicFrame>
+        <p:nvGraphicFramePr>
+          <p:cNvPr id="8" name="Content Placeholder 7">
+            <a:extLst>
+              <a:ext uri="{FF2B5EF4-FFF2-40B4-BE49-F238E27FC236}">
+                <a16:creationId xmlns:a16="http://schemas.microsoft.com/office/drawing/2014/main" id="{D9D79E2A-9FF2-4AA0-963D-72FBC2978F59}"/>
+              </a:ext>
+            </a:extLst>
+          </p:cNvPr>
+          <p:cNvGraphicFramePr>
+            <a:graphicFrameLocks noGrp="1"/>
+          </p:cNvGraphicFramePr>
+          <p:nvPr>
+            <p:ph idx="1"/>
+            <p:extLst>
+              <p:ext uri="{D42A27DB-BD31-4B8C-83A1-F6EECF244321}">
+                <p14:modId xmlns:p14="http://schemas.microsoft.com/office/powerpoint/2010/main" val="1869453261"/>
+              </p:ext>
+            </p:extLst>
+          </p:nvPr>
+        </p:nvGraphicFramePr>
+        <p:xfrm>
+          <a:off x="312738" y="2266950"/>
+          <a:ext cx="11569700" cy="3952875"/>
+        </p:xfrm>
+        <a:graphic>
+          <a:graphicData uri="http://schemas.openxmlformats.org/drawingml/2006/diagram">
+            <dgm:relIds xmlns:dgm="http://schemas.openxmlformats.org/drawingml/2006/diagram" xmlns:r="http://schemas.openxmlformats.org/officeDocument/2006/relationships" r:dm="rId2" r:lo="rId3" r:qs="rId4" r:cs="rId5"/>
+          </a:graphicData>
+        </a:graphic>
+      </p:graphicFrame>
+      <p:sp>
+        <p:nvSpPr>
+          <p:cNvPr id="2" name="Text Placeholder 1">
+            <a:extLst>
+              <a:ext uri="{FF2B5EF4-FFF2-40B4-BE49-F238E27FC236}">
+                <a16:creationId xmlns:a16="http://schemas.microsoft.com/office/drawing/2014/main" id="{93FC705A-2D1D-8529-EA0C-52065C4256E8}"/>
+              </a:ext>
+            </a:extLst>
+          </p:cNvPr>
+          <p:cNvSpPr>
+            <a:spLocks noGrp="1"/>
+          </p:cNvSpPr>
+          <p:nvPr>
+            <p:ph type="body" sz="quarter" idx="10"/>
+          </p:nvPr>
+        </p:nvSpPr>
+        <p:spPr>
+          <a:xfrm>
+            <a:off x="10070592" y="6489820"/>
+            <a:ext cx="2121408" cy="276740"/>
+          </a:xfrm>
+        </p:spPr>
+        <p:txBody>
+          <a:bodyPr/>
+          <a:lstStyle/>
+          <a:p>
+            <a:r>
+              <a:rPr lang="en-US" sz="1100" dirty="0"/>
+              <a:t>Slide 14 of 19</a:t>
+            </a:r>
+          </a:p>
+        </p:txBody>
+      </p:sp>
+    </p:spTree>
+    <p:extLst>
+      <p:ext uri="{BB962C8B-B14F-4D97-AF65-F5344CB8AC3E}">
+        <p14:creationId xmlns:p14="http://schemas.microsoft.com/office/powerpoint/2010/main" val="475758128"/>
+      </p:ext>
+    </p:extLst>
+  </p:cSld>
+  <p:clrMapOvr>
+    <a:masterClrMapping/>
+  </p:clrMapOvr>
+</p:sld>
+</file>
+
+<file path=ppt/slides/slide16.xml><?xml version="1.0" encoding="utf-8"?>
 <p:sld xmlns:a="http://schemas.openxmlformats.org/drawingml/2006/main" xmlns:r="http://schemas.openxmlformats.org/officeDocument/2006/relationships" xmlns:p="http://schemas.openxmlformats.org/presentationml/2006/main">
   <p:cSld>
     <p:spTree>
@@ -4481,13 +10651,45 @@
           </a:xfrm>
         </p:spPr>
         <p:txBody>
-          <a:bodyPr/>
+          <a:bodyPr>
+            <a:normAutofit/>
+          </a:bodyPr>
           <a:lstStyle/>
           <a:p>
             <a:r>
               <a:rPr lang="en-US" dirty="0"/>
-              <a:t>words</a:t>
-            </a:r>
+              <a:t>Potential for participant drop-out</a:t>
+            </a:r>
+          </a:p>
+          <a:p>
+            <a:pPr lvl="1"/>
+            <a:r>
+              <a:rPr lang="en-US" dirty="0"/>
+              <a:t>$80 incentive</a:t>
+            </a:r>
+          </a:p>
+          <a:p>
+            <a:pPr lvl="1"/>
+            <a:r>
+              <a:rPr lang="en-US" dirty="0"/>
+              <a:t>Use as much of the data as possible</a:t>
+            </a:r>
+          </a:p>
+          <a:p>
+            <a:r>
+              <a:rPr lang="en-US" dirty="0"/>
+              <a:t>As we are not directly manipulating stress, we can’t be certain that changes are driven by stress</a:t>
+            </a:r>
+          </a:p>
+          <a:p>
+            <a:pPr lvl="1"/>
+            <a:r>
+              <a:rPr lang="en-US" dirty="0"/>
+              <a:t>Possible second study: induce acute stress</a:t>
+            </a:r>
+          </a:p>
+          <a:p>
+            <a:endParaRPr lang="en-US" dirty="0"/>
           </a:p>
         </p:txBody>
       </p:sp>
@@ -4519,7 +10721,7 @@
           <a:p>
             <a:r>
               <a:rPr lang="en-US" sz="1100" dirty="0"/>
-              <a:t>Slide 1 of X</a:t>
+              <a:t>Slide 15 of 19</a:t>
             </a:r>
           </a:p>
         </p:txBody>
@@ -4537,7 +10739,7 @@
 </p:sld>
 </file>
 
-<file path=ppt/slides/slide13.xml><?xml version="1.0" encoding="utf-8"?>
+<file path=ppt/slides/slide17.xml><?xml version="1.0" encoding="utf-8"?>
 <p:sld xmlns:a="http://schemas.openxmlformats.org/drawingml/2006/main" xmlns:r="http://schemas.openxmlformats.org/officeDocument/2006/relationships" xmlns:p="http://schemas.openxmlformats.org/presentationml/2006/main">
   <p:cSld>
     <p:spTree>
@@ -4588,7 +10790,7 @@
           <a:p>
             <a:r>
               <a:rPr lang="en-US" dirty="0"/>
-              <a:t>Possible Addition: Induce Acute Stress</a:t>
+              <a:t>Possible Study 2: Induce Acute Stress</a:t>
             </a:r>
           </a:p>
         </p:txBody>
@@ -4616,13 +10818,56 @@
           </a:xfrm>
         </p:spPr>
         <p:txBody>
-          <a:bodyPr/>
+          <a:bodyPr>
+            <a:normAutofit/>
+          </a:bodyPr>
           <a:lstStyle/>
           <a:p>
             <a:r>
               <a:rPr lang="en-US" dirty="0"/>
-              <a:t>words</a:t>
-            </a:r>
+              <a:t>In the Spring 2025 semester, bring in a new group of students to induce stress in a single session</a:t>
+            </a:r>
+          </a:p>
+          <a:p>
+            <a:r>
+              <a:rPr lang="en-US" dirty="0"/>
+              <a:t>For each cognitive task, participants are split between a stress group and a control group</a:t>
+            </a:r>
+          </a:p>
+          <a:p>
+            <a:r>
+              <a:rPr lang="en-US" dirty="0"/>
+              <a:t>Participants in the stress group will complete </a:t>
+            </a:r>
+            <a:r>
+              <a:rPr lang="en-US"/>
+              <a:t>a cold </a:t>
+            </a:r>
+            <a:r>
+              <a:rPr lang="en-US" dirty="0"/>
+              <a:t>pressor task (submerging a non-fisted hand in ice water for three minutes)</a:t>
+            </a:r>
+          </a:p>
+          <a:p>
+            <a:r>
+              <a:rPr lang="en-US" dirty="0"/>
+              <a:t>Both groups will complete their designated cognitive task</a:t>
+            </a:r>
+          </a:p>
+          <a:p>
+            <a:r>
+              <a:rPr lang="en-US" dirty="0"/>
+              <a:t>Fit with cognitive models</a:t>
+            </a:r>
+          </a:p>
+          <a:p>
+            <a:r>
+              <a:rPr lang="en-US" dirty="0"/>
+              <a:t>Assess how acute stress impacts cognition</a:t>
+            </a:r>
+          </a:p>
+          <a:p>
+            <a:endParaRPr lang="en-US" dirty="0"/>
           </a:p>
         </p:txBody>
       </p:sp>
@@ -4654,7 +10899,7 @@
           <a:p>
             <a:r>
               <a:rPr lang="en-US" sz="1100" dirty="0"/>
-              <a:t>Slide 1 of X</a:t>
+              <a:t>Slide 16 of 19</a:t>
             </a:r>
           </a:p>
         </p:txBody>
@@ -4672,7 +10917,997 @@
 </p:sld>
 </file>
 
-<file path=ppt/slides/slide14.xml><?xml version="1.0" encoding="utf-8"?>
+<file path=ppt/slides/slide18.xml><?xml version="1.0" encoding="utf-8"?>
+<p:sld xmlns:a="http://schemas.openxmlformats.org/drawingml/2006/main" xmlns:r="http://schemas.openxmlformats.org/officeDocument/2006/relationships" xmlns:p="http://schemas.openxmlformats.org/presentationml/2006/main">
+  <p:cSld>
+    <p:spTree>
+      <p:nvGrpSpPr>
+        <p:cNvPr id="1" name="">
+          <a:extLst>
+            <a:ext uri="{FF2B5EF4-FFF2-40B4-BE49-F238E27FC236}">
+              <a16:creationId xmlns:a16="http://schemas.microsoft.com/office/drawing/2014/main" id="{1E99BD44-7611-8A36-55F0-8AFA3B4607FF}"/>
+            </a:ext>
+          </a:extLst>
+        </p:cNvPr>
+        <p:cNvGrpSpPr/>
+        <p:nvPr/>
+      </p:nvGrpSpPr>
+      <p:grpSpPr>
+        <a:xfrm>
+          <a:off x="0" y="0"/>
+          <a:ext cx="0" cy="0"/>
+          <a:chOff x="0" y="0"/>
+          <a:chExt cx="0" cy="0"/>
+        </a:xfrm>
+      </p:grpSpPr>
+      <p:sp>
+        <p:nvSpPr>
+          <p:cNvPr id="3" name="Title 2">
+            <a:extLst>
+              <a:ext uri="{FF2B5EF4-FFF2-40B4-BE49-F238E27FC236}">
+                <a16:creationId xmlns:a16="http://schemas.microsoft.com/office/drawing/2014/main" id="{2664C9F2-5255-B279-B2C0-FB8FCDECFAC5}"/>
+              </a:ext>
+            </a:extLst>
+          </p:cNvPr>
+          <p:cNvSpPr>
+            <a:spLocks noGrp="1"/>
+          </p:cNvSpPr>
+          <p:nvPr>
+            <p:ph type="title"/>
+          </p:nvPr>
+        </p:nvSpPr>
+        <p:spPr>
+          <a:xfrm>
+            <a:off x="313510" y="807031"/>
+            <a:ext cx="11568343" cy="1003481"/>
+          </a:xfrm>
+        </p:spPr>
+        <p:txBody>
+          <a:bodyPr/>
+          <a:lstStyle/>
+          <a:p>
+            <a:r>
+              <a:rPr lang="en-US" dirty="0"/>
+              <a:t>Projected Timelines </a:t>
+            </a:r>
+          </a:p>
+        </p:txBody>
+      </p:sp>
+      <p:sp>
+        <p:nvSpPr>
+          <p:cNvPr id="2" name="Text Placeholder 1">
+            <a:extLst>
+              <a:ext uri="{FF2B5EF4-FFF2-40B4-BE49-F238E27FC236}">
+                <a16:creationId xmlns:a16="http://schemas.microsoft.com/office/drawing/2014/main" id="{F46F5141-D30D-B0E0-6998-2F2DBB99847A}"/>
+              </a:ext>
+            </a:extLst>
+          </p:cNvPr>
+          <p:cNvSpPr>
+            <a:spLocks noGrp="1"/>
+          </p:cNvSpPr>
+          <p:nvPr>
+            <p:ph type="body" sz="quarter" idx="10"/>
+          </p:nvPr>
+        </p:nvSpPr>
+        <p:spPr>
+          <a:xfrm>
+            <a:off x="10070592" y="6489820"/>
+            <a:ext cx="2121408" cy="276740"/>
+          </a:xfrm>
+        </p:spPr>
+        <p:txBody>
+          <a:bodyPr/>
+          <a:lstStyle/>
+          <a:p>
+            <a:r>
+              <a:rPr lang="en-US" sz="1100" dirty="0"/>
+              <a:t>Slide 17 of 19</a:t>
+            </a:r>
+          </a:p>
+        </p:txBody>
+      </p:sp>
+      <p:graphicFrame>
+        <p:nvGraphicFramePr>
+          <p:cNvPr id="5" name="Table 5">
+            <a:extLst>
+              <a:ext uri="{FF2B5EF4-FFF2-40B4-BE49-F238E27FC236}">
+                <a16:creationId xmlns:a16="http://schemas.microsoft.com/office/drawing/2014/main" id="{8D6106BC-EFEC-4202-BFFB-D728D8637C18}"/>
+              </a:ext>
+            </a:extLst>
+          </p:cNvPr>
+          <p:cNvGraphicFramePr>
+            <a:graphicFrameLocks noGrp="1"/>
+          </p:cNvGraphicFramePr>
+          <p:nvPr>
+            <p:extLst>
+              <p:ext uri="{D42A27DB-BD31-4B8C-83A1-F6EECF244321}">
+                <p14:modId xmlns:p14="http://schemas.microsoft.com/office/powerpoint/2010/main" val="1557179010"/>
+              </p:ext>
+            </p:extLst>
+          </p:nvPr>
+        </p:nvGraphicFramePr>
+        <p:xfrm>
+          <a:off x="2032000" y="2346473"/>
+          <a:ext cx="8127999" cy="2966720"/>
+        </p:xfrm>
+        <a:graphic>
+          <a:graphicData uri="http://schemas.openxmlformats.org/drawingml/2006/table">
+            <a:tbl>
+              <a:tblPr firstRow="1" bandRow="1">
+                <a:tableStyleId>{5C22544A-7EE6-4342-B048-85BDC9FD1C3A}</a:tableStyleId>
+              </a:tblPr>
+              <a:tblGrid>
+                <a:gridCol w="2709333">
+                  <a:extLst>
+                    <a:ext uri="{9D8B030D-6E8A-4147-A177-3AD203B41FA5}">
+                      <a16:colId xmlns:a16="http://schemas.microsoft.com/office/drawing/2014/main" val="2611368040"/>
+                    </a:ext>
+                  </a:extLst>
+                </a:gridCol>
+                <a:gridCol w="2709333">
+                  <a:extLst>
+                    <a:ext uri="{9D8B030D-6E8A-4147-A177-3AD203B41FA5}">
+                      <a16:colId xmlns:a16="http://schemas.microsoft.com/office/drawing/2014/main" val="1072062356"/>
+                    </a:ext>
+                  </a:extLst>
+                </a:gridCol>
+                <a:gridCol w="2709333">
+                  <a:extLst>
+                    <a:ext uri="{9D8B030D-6E8A-4147-A177-3AD203B41FA5}">
+                      <a16:colId xmlns:a16="http://schemas.microsoft.com/office/drawing/2014/main" val="2376320121"/>
+                    </a:ext>
+                  </a:extLst>
+                </a:gridCol>
+              </a:tblGrid>
+              <a:tr h="370840">
+                <a:tc>
+                  <a:txBody>
+                    <a:bodyPr/>
+                    <a:lstStyle/>
+                    <a:p>
+                      <a:r>
+                        <a:rPr lang="en-US" dirty="0"/>
+                        <a:t>Timeframe</a:t>
+                      </a:r>
+                    </a:p>
+                  </a:txBody>
+                  <a:tcPr/>
+                </a:tc>
+                <a:tc>
+                  <a:txBody>
+                    <a:bodyPr/>
+                    <a:lstStyle/>
+                    <a:p>
+                      <a:r>
+                        <a:rPr lang="en-US" dirty="0"/>
+                        <a:t>Longitudinal Study</a:t>
+                      </a:r>
+                    </a:p>
+                  </a:txBody>
+                  <a:tcPr/>
+                </a:tc>
+                <a:tc>
+                  <a:txBody>
+                    <a:bodyPr/>
+                    <a:lstStyle/>
+                    <a:p>
+                      <a:r>
+                        <a:rPr lang="en-US" dirty="0"/>
+                        <a:t>Acute Stress Addition</a:t>
+                      </a:r>
+                    </a:p>
+                  </a:txBody>
+                  <a:tcPr/>
+                </a:tc>
+                <a:extLst>
+                  <a:ext uri="{0D108BD9-81ED-4DB2-BD59-A6C34878D82A}">
+                    <a16:rowId xmlns:a16="http://schemas.microsoft.com/office/drawing/2014/main" val="3399828714"/>
+                  </a:ext>
+                </a:extLst>
+              </a:tr>
+              <a:tr h="370840">
+                <a:tc>
+                  <a:txBody>
+                    <a:bodyPr/>
+                    <a:lstStyle/>
+                    <a:p>
+                      <a:r>
+                        <a:rPr lang="en-US" dirty="0"/>
+                        <a:t>Week of Nov 11</a:t>
+                      </a:r>
+                    </a:p>
+                  </a:txBody>
+                  <a:tcPr/>
+                </a:tc>
+                <a:tc>
+                  <a:txBody>
+                    <a:bodyPr/>
+                    <a:lstStyle/>
+                    <a:p>
+                      <a:r>
+                        <a:rPr lang="en-US" dirty="0"/>
+                        <a:t>IRB adjustments</a:t>
+                      </a:r>
+                    </a:p>
+                  </a:txBody>
+                  <a:tcPr/>
+                </a:tc>
+                <a:tc>
+                  <a:txBody>
+                    <a:bodyPr/>
+                    <a:lstStyle/>
+                    <a:p>
+                      <a:endParaRPr lang="en-US"/>
+                    </a:p>
+                  </a:txBody>
+                  <a:tcPr/>
+                </a:tc>
+                <a:extLst>
+                  <a:ext uri="{0D108BD9-81ED-4DB2-BD59-A6C34878D82A}">
+                    <a16:rowId xmlns:a16="http://schemas.microsoft.com/office/drawing/2014/main" val="715509783"/>
+                  </a:ext>
+                </a:extLst>
+              </a:tr>
+              <a:tr h="370840">
+                <a:tc>
+                  <a:txBody>
+                    <a:bodyPr/>
+                    <a:lstStyle/>
+                    <a:p>
+                      <a:r>
+                        <a:rPr lang="en-US" dirty="0"/>
+                        <a:t>Nov 18 – Dec 13 </a:t>
+                      </a:r>
+                    </a:p>
+                  </a:txBody>
+                  <a:tcPr/>
+                </a:tc>
+                <a:tc>
+                  <a:txBody>
+                    <a:bodyPr/>
+                    <a:lstStyle/>
+                    <a:p>
+                      <a:r>
+                        <a:rPr lang="en-US" dirty="0"/>
+                        <a:t>Data collection</a:t>
+                      </a:r>
+                    </a:p>
+                  </a:txBody>
+                  <a:tcPr/>
+                </a:tc>
+                <a:tc>
+                  <a:txBody>
+                    <a:bodyPr/>
+                    <a:lstStyle/>
+                    <a:p>
+                      <a:endParaRPr lang="en-US"/>
+                    </a:p>
+                  </a:txBody>
+                  <a:tcPr/>
+                </a:tc>
+                <a:extLst>
+                  <a:ext uri="{0D108BD9-81ED-4DB2-BD59-A6C34878D82A}">
+                    <a16:rowId xmlns:a16="http://schemas.microsoft.com/office/drawing/2014/main" val="2225941043"/>
+                  </a:ext>
+                </a:extLst>
+              </a:tr>
+              <a:tr h="370840">
+                <a:tc>
+                  <a:txBody>
+                    <a:bodyPr/>
+                    <a:lstStyle/>
+                    <a:p>
+                      <a:r>
+                        <a:rPr lang="en-US" dirty="0"/>
+                        <a:t>January (2025)</a:t>
+                      </a:r>
+                    </a:p>
+                  </a:txBody>
+                  <a:tcPr/>
+                </a:tc>
+                <a:tc>
+                  <a:txBody>
+                    <a:bodyPr/>
+                    <a:lstStyle/>
+                    <a:p>
+                      <a:r>
+                        <a:rPr lang="en-US" dirty="0"/>
+                        <a:t>Data analysis</a:t>
+                      </a:r>
+                    </a:p>
+                  </a:txBody>
+                  <a:tcPr/>
+                </a:tc>
+                <a:tc>
+                  <a:txBody>
+                    <a:bodyPr/>
+                    <a:lstStyle/>
+                    <a:p>
+                      <a:r>
+                        <a:rPr lang="en-US" dirty="0"/>
+                        <a:t>IRB submission</a:t>
+                      </a:r>
+                    </a:p>
+                  </a:txBody>
+                  <a:tcPr/>
+                </a:tc>
+                <a:extLst>
+                  <a:ext uri="{0D108BD9-81ED-4DB2-BD59-A6C34878D82A}">
+                    <a16:rowId xmlns:a16="http://schemas.microsoft.com/office/drawing/2014/main" val="2160216250"/>
+                  </a:ext>
+                </a:extLst>
+              </a:tr>
+              <a:tr h="370840">
+                <a:tc>
+                  <a:txBody>
+                    <a:bodyPr/>
+                    <a:lstStyle/>
+                    <a:p>
+                      <a:r>
+                        <a:rPr lang="en-US" dirty="0"/>
+                        <a:t>February</a:t>
+                      </a:r>
+                    </a:p>
+                  </a:txBody>
+                  <a:tcPr/>
+                </a:tc>
+                <a:tc>
+                  <a:txBody>
+                    <a:bodyPr/>
+                    <a:lstStyle/>
+                    <a:p>
+                      <a:r>
+                        <a:rPr lang="en-US" dirty="0"/>
+                        <a:t>Data analysis</a:t>
+                      </a:r>
+                    </a:p>
+                  </a:txBody>
+                  <a:tcPr/>
+                </a:tc>
+                <a:tc>
+                  <a:txBody>
+                    <a:bodyPr/>
+                    <a:lstStyle/>
+                    <a:p>
+                      <a:r>
+                        <a:rPr lang="en-US" dirty="0"/>
+                        <a:t>Data collection</a:t>
+                      </a:r>
+                    </a:p>
+                  </a:txBody>
+                  <a:tcPr/>
+                </a:tc>
+                <a:extLst>
+                  <a:ext uri="{0D108BD9-81ED-4DB2-BD59-A6C34878D82A}">
+                    <a16:rowId xmlns:a16="http://schemas.microsoft.com/office/drawing/2014/main" val="268467363"/>
+                  </a:ext>
+                </a:extLst>
+              </a:tr>
+              <a:tr h="370840">
+                <a:tc>
+                  <a:txBody>
+                    <a:bodyPr/>
+                    <a:lstStyle/>
+                    <a:p>
+                      <a:r>
+                        <a:rPr lang="en-US" dirty="0"/>
+                        <a:t>March</a:t>
+                      </a:r>
+                    </a:p>
+                  </a:txBody>
+                  <a:tcPr/>
+                </a:tc>
+                <a:tc>
+                  <a:txBody>
+                    <a:bodyPr/>
+                    <a:lstStyle/>
+                    <a:p>
+                      <a:r>
+                        <a:rPr lang="en-US" dirty="0"/>
+                        <a:t>Dissertation writing</a:t>
+                      </a:r>
+                    </a:p>
+                  </a:txBody>
+                  <a:tcPr/>
+                </a:tc>
+                <a:tc>
+                  <a:txBody>
+                    <a:bodyPr/>
+                    <a:lstStyle/>
+                    <a:p>
+                      <a:r>
+                        <a:rPr lang="en-US" dirty="0"/>
+                        <a:t>Data analysis</a:t>
+                      </a:r>
+                    </a:p>
+                  </a:txBody>
+                  <a:tcPr/>
+                </a:tc>
+                <a:extLst>
+                  <a:ext uri="{0D108BD9-81ED-4DB2-BD59-A6C34878D82A}">
+                    <a16:rowId xmlns:a16="http://schemas.microsoft.com/office/drawing/2014/main" val="2603607320"/>
+                  </a:ext>
+                </a:extLst>
+              </a:tr>
+              <a:tr h="370840">
+                <a:tc>
+                  <a:txBody>
+                    <a:bodyPr/>
+                    <a:lstStyle/>
+                    <a:p>
+                      <a:r>
+                        <a:rPr lang="en-US" dirty="0"/>
+                        <a:t>April</a:t>
+                      </a:r>
+                    </a:p>
+                  </a:txBody>
+                  <a:tcPr/>
+                </a:tc>
+                <a:tc>
+                  <a:txBody>
+                    <a:bodyPr/>
+                    <a:lstStyle/>
+                    <a:p>
+                      <a:r>
+                        <a:rPr lang="en-US" dirty="0"/>
+                        <a:t>Editing and defense</a:t>
+                      </a:r>
+                    </a:p>
+                  </a:txBody>
+                  <a:tcPr/>
+                </a:tc>
+                <a:tc>
+                  <a:txBody>
+                    <a:bodyPr/>
+                    <a:lstStyle/>
+                    <a:p>
+                      <a:r>
+                        <a:rPr lang="en-US" dirty="0"/>
+                        <a:t>Dissertation writing</a:t>
+                      </a:r>
+                    </a:p>
+                  </a:txBody>
+                  <a:tcPr/>
+                </a:tc>
+                <a:extLst>
+                  <a:ext uri="{0D108BD9-81ED-4DB2-BD59-A6C34878D82A}">
+                    <a16:rowId xmlns:a16="http://schemas.microsoft.com/office/drawing/2014/main" val="451990152"/>
+                  </a:ext>
+                </a:extLst>
+              </a:tr>
+              <a:tr h="370840">
+                <a:tc>
+                  <a:txBody>
+                    <a:bodyPr/>
+                    <a:lstStyle/>
+                    <a:p>
+                      <a:r>
+                        <a:rPr lang="en-US" dirty="0"/>
+                        <a:t>End of April</a:t>
+                      </a:r>
+                    </a:p>
+                  </a:txBody>
+                  <a:tcPr/>
+                </a:tc>
+                <a:tc>
+                  <a:txBody>
+                    <a:bodyPr/>
+                    <a:lstStyle/>
+                    <a:p>
+                      <a:endParaRPr lang="en-US" dirty="0"/>
+                    </a:p>
+                  </a:txBody>
+                  <a:tcPr/>
+                </a:tc>
+                <a:tc>
+                  <a:txBody>
+                    <a:bodyPr/>
+                    <a:lstStyle/>
+                    <a:p>
+                      <a:r>
+                        <a:rPr lang="en-US" dirty="0"/>
+                        <a:t>Editing and defense</a:t>
+                      </a:r>
+                    </a:p>
+                  </a:txBody>
+                  <a:tcPr/>
+                </a:tc>
+                <a:extLst>
+                  <a:ext uri="{0D108BD9-81ED-4DB2-BD59-A6C34878D82A}">
+                    <a16:rowId xmlns:a16="http://schemas.microsoft.com/office/drawing/2014/main" val="2156689004"/>
+                  </a:ext>
+                </a:extLst>
+              </a:tr>
+            </a:tbl>
+          </a:graphicData>
+        </a:graphic>
+      </p:graphicFrame>
+    </p:spTree>
+    <p:extLst>
+      <p:ext uri="{BB962C8B-B14F-4D97-AF65-F5344CB8AC3E}">
+        <p14:creationId xmlns:p14="http://schemas.microsoft.com/office/powerpoint/2010/main" val="3657101099"/>
+      </p:ext>
+    </p:extLst>
+  </p:cSld>
+  <p:clrMapOvr>
+    <a:masterClrMapping/>
+  </p:clrMapOvr>
+</p:sld>
+</file>
+
+<file path=ppt/slides/slide19.xml><?xml version="1.0" encoding="utf-8"?>
+<p:sld xmlns:a="http://schemas.openxmlformats.org/drawingml/2006/main" xmlns:r="http://schemas.openxmlformats.org/officeDocument/2006/relationships" xmlns:p="http://schemas.openxmlformats.org/presentationml/2006/main">
+  <p:cSld>
+    <p:spTree>
+      <p:nvGrpSpPr>
+        <p:cNvPr id="1" name="">
+          <a:extLst>
+            <a:ext uri="{FF2B5EF4-FFF2-40B4-BE49-F238E27FC236}">
+              <a16:creationId xmlns:a16="http://schemas.microsoft.com/office/drawing/2014/main" id="{1E99BD44-7611-8A36-55F0-8AFA3B4607FF}"/>
+            </a:ext>
+          </a:extLst>
+        </p:cNvPr>
+        <p:cNvGrpSpPr/>
+        <p:nvPr/>
+      </p:nvGrpSpPr>
+      <p:grpSpPr>
+        <a:xfrm>
+          <a:off x="0" y="0"/>
+          <a:ext cx="0" cy="0"/>
+          <a:chOff x="0" y="0"/>
+          <a:chExt cx="0" cy="0"/>
+        </a:xfrm>
+      </p:grpSpPr>
+      <p:sp>
+        <p:nvSpPr>
+          <p:cNvPr id="3" name="Title 2">
+            <a:extLst>
+              <a:ext uri="{FF2B5EF4-FFF2-40B4-BE49-F238E27FC236}">
+                <a16:creationId xmlns:a16="http://schemas.microsoft.com/office/drawing/2014/main" id="{2664C9F2-5255-B279-B2C0-FB8FCDECFAC5}"/>
+              </a:ext>
+            </a:extLst>
+          </p:cNvPr>
+          <p:cNvSpPr>
+            <a:spLocks noGrp="1"/>
+          </p:cNvSpPr>
+          <p:nvPr>
+            <p:ph type="title"/>
+          </p:nvPr>
+        </p:nvSpPr>
+        <p:spPr>
+          <a:xfrm>
+            <a:off x="313510" y="807031"/>
+            <a:ext cx="11568343" cy="1003481"/>
+          </a:xfrm>
+        </p:spPr>
+        <p:txBody>
+          <a:bodyPr/>
+          <a:lstStyle/>
+          <a:p>
+            <a:r>
+              <a:rPr lang="en-US" dirty="0"/>
+              <a:t>Committee Questions</a:t>
+            </a:r>
+          </a:p>
+        </p:txBody>
+      </p:sp>
+      <p:sp>
+        <p:nvSpPr>
+          <p:cNvPr id="4" name="Content Placeholder 3">
+            <a:extLst>
+              <a:ext uri="{FF2B5EF4-FFF2-40B4-BE49-F238E27FC236}">
+                <a16:creationId xmlns:a16="http://schemas.microsoft.com/office/drawing/2014/main" id="{8B76A8B4-2EDA-894F-C9E0-7F6FF003495C}"/>
+              </a:ext>
+            </a:extLst>
+          </p:cNvPr>
+          <p:cNvSpPr>
+            <a:spLocks noGrp="1"/>
+          </p:cNvSpPr>
+          <p:nvPr>
+            <p:ph idx="1"/>
+          </p:nvPr>
+        </p:nvSpPr>
+        <p:spPr>
+          <a:xfrm>
+            <a:off x="313510" y="1883664"/>
+            <a:ext cx="11568343" cy="4336163"/>
+          </a:xfrm>
+        </p:spPr>
+        <p:txBody>
+          <a:bodyPr/>
+          <a:lstStyle/>
+          <a:p>
+            <a:r>
+              <a:rPr lang="en-US" dirty="0"/>
+              <a:t>Shift the longitudinal study from four weeks to three weeks?</a:t>
+            </a:r>
+          </a:p>
+          <a:p>
+            <a:r>
+              <a:rPr lang="en-US" dirty="0"/>
+              <a:t>Induce acute stress study?</a:t>
+            </a:r>
+          </a:p>
+          <a:p>
+            <a:pPr lvl="1"/>
+            <a:r>
+              <a:rPr lang="en-US" dirty="0"/>
+              <a:t>If yes, sample size? </a:t>
+            </a:r>
+          </a:p>
+          <a:p>
+            <a:pPr lvl="1"/>
+            <a:r>
+              <a:rPr lang="en-US" dirty="0"/>
+              <a:t>Shields et al. (2019) utilized 50 participants per group</a:t>
+            </a:r>
+          </a:p>
+          <a:p>
+            <a:pPr marL="457200" lvl="1" indent="0">
+              <a:buNone/>
+            </a:pPr>
+            <a:endParaRPr lang="en-US" dirty="0"/>
+          </a:p>
+        </p:txBody>
+      </p:sp>
+      <p:sp>
+        <p:nvSpPr>
+          <p:cNvPr id="2" name="Text Placeholder 1">
+            <a:extLst>
+              <a:ext uri="{FF2B5EF4-FFF2-40B4-BE49-F238E27FC236}">
+                <a16:creationId xmlns:a16="http://schemas.microsoft.com/office/drawing/2014/main" id="{F46F5141-D30D-B0E0-6998-2F2DBB99847A}"/>
+              </a:ext>
+            </a:extLst>
+          </p:cNvPr>
+          <p:cNvSpPr>
+            <a:spLocks noGrp="1"/>
+          </p:cNvSpPr>
+          <p:nvPr>
+            <p:ph type="body" sz="quarter" idx="10"/>
+          </p:nvPr>
+        </p:nvSpPr>
+        <p:spPr>
+          <a:xfrm>
+            <a:off x="10070592" y="6489820"/>
+            <a:ext cx="2121408" cy="276740"/>
+          </a:xfrm>
+        </p:spPr>
+        <p:txBody>
+          <a:bodyPr/>
+          <a:lstStyle/>
+          <a:p>
+            <a:r>
+              <a:rPr lang="en-US" sz="1100" dirty="0"/>
+              <a:t>Slide 18 of 19</a:t>
+            </a:r>
+          </a:p>
+        </p:txBody>
+      </p:sp>
+    </p:spTree>
+    <p:extLst>
+      <p:ext uri="{BB962C8B-B14F-4D97-AF65-F5344CB8AC3E}">
+        <p14:creationId xmlns:p14="http://schemas.microsoft.com/office/powerpoint/2010/main" val="1775688661"/>
+      </p:ext>
+    </p:extLst>
+  </p:cSld>
+  <p:clrMapOvr>
+    <a:masterClrMapping/>
+  </p:clrMapOvr>
+</p:sld>
+</file>
+
+<file path=ppt/slides/slide2.xml><?xml version="1.0" encoding="utf-8"?>
+<p:sld xmlns:a="http://schemas.openxmlformats.org/drawingml/2006/main" xmlns:r="http://schemas.openxmlformats.org/officeDocument/2006/relationships" xmlns:p="http://schemas.openxmlformats.org/presentationml/2006/main">
+  <p:cSld>
+    <p:spTree>
+      <p:nvGrpSpPr>
+        <p:cNvPr id="1" name=""/>
+        <p:cNvGrpSpPr/>
+        <p:nvPr/>
+      </p:nvGrpSpPr>
+      <p:grpSpPr>
+        <a:xfrm>
+          <a:off x="0" y="0"/>
+          <a:ext cx="0" cy="0"/>
+          <a:chOff x="0" y="0"/>
+          <a:chExt cx="0" cy="0"/>
+        </a:xfrm>
+      </p:grpSpPr>
+      <p:sp>
+        <p:nvSpPr>
+          <p:cNvPr id="3" name="Title 2">
+            <a:extLst>
+              <a:ext uri="{FF2B5EF4-FFF2-40B4-BE49-F238E27FC236}">
+                <a16:creationId xmlns:a16="http://schemas.microsoft.com/office/drawing/2014/main" id="{464CF4B1-5E77-03ED-C14F-2CB50F091363}"/>
+              </a:ext>
+            </a:extLst>
+          </p:cNvPr>
+          <p:cNvSpPr>
+            <a:spLocks noGrp="1"/>
+          </p:cNvSpPr>
+          <p:nvPr>
+            <p:ph type="title"/>
+          </p:nvPr>
+        </p:nvSpPr>
+        <p:spPr>
+          <a:xfrm>
+            <a:off x="313510" y="807031"/>
+            <a:ext cx="11568343" cy="1003481"/>
+          </a:xfrm>
+        </p:spPr>
+        <p:txBody>
+          <a:bodyPr/>
+          <a:lstStyle/>
+          <a:p>
+            <a:r>
+              <a:rPr lang="en-US" dirty="0"/>
+              <a:t>Cancer-Related Cognitive Decline</a:t>
+            </a:r>
+          </a:p>
+        </p:txBody>
+      </p:sp>
+      <p:sp>
+        <p:nvSpPr>
+          <p:cNvPr id="4" name="Content Placeholder 3">
+            <a:extLst>
+              <a:ext uri="{FF2B5EF4-FFF2-40B4-BE49-F238E27FC236}">
+                <a16:creationId xmlns:a16="http://schemas.microsoft.com/office/drawing/2014/main" id="{212450BB-C7C6-4845-F0D9-C5FB65AB08A6}"/>
+              </a:ext>
+            </a:extLst>
+          </p:cNvPr>
+          <p:cNvSpPr>
+            <a:spLocks noGrp="1"/>
+          </p:cNvSpPr>
+          <p:nvPr>
+            <p:ph idx="1"/>
+          </p:nvPr>
+        </p:nvSpPr>
+        <p:spPr>
+          <a:xfrm>
+            <a:off x="313510" y="1883664"/>
+            <a:ext cx="6704823" cy="4336163"/>
+          </a:xfrm>
+        </p:spPr>
+        <p:txBody>
+          <a:bodyPr/>
+          <a:lstStyle/>
+          <a:p>
+            <a:r>
+              <a:rPr lang="en-US" dirty="0"/>
+              <a:t>Deficits in attention, executive control, and working memory</a:t>
+            </a:r>
+          </a:p>
+          <a:p>
+            <a:r>
+              <a:rPr lang="en-US" dirty="0"/>
+              <a:t>Reported occurrence rates range between 15% and 75%</a:t>
+            </a:r>
+          </a:p>
+          <a:p>
+            <a:r>
+              <a:rPr lang="en-US" dirty="0"/>
+              <a:t>Strong theoretical rationale for the role of inflammation as a biological mechanism underlying CRCD</a:t>
+            </a:r>
+          </a:p>
+        </p:txBody>
+      </p:sp>
+      <p:sp>
+        <p:nvSpPr>
+          <p:cNvPr id="2" name="Text Placeholder 1"/>
+          <p:cNvSpPr>
+            <a:spLocks noGrp="1"/>
+          </p:cNvSpPr>
+          <p:nvPr>
+            <p:ph type="body" sz="quarter" idx="10"/>
+          </p:nvPr>
+        </p:nvSpPr>
+        <p:spPr>
+          <a:xfrm>
+            <a:off x="10070592" y="6489820"/>
+            <a:ext cx="2121408" cy="276740"/>
+          </a:xfrm>
+        </p:spPr>
+        <p:txBody>
+          <a:bodyPr/>
+          <a:lstStyle/>
+          <a:p>
+            <a:r>
+              <a:rPr lang="en-US" sz="1100" dirty="0"/>
+              <a:t>Slide 1 of 19</a:t>
+            </a:r>
+          </a:p>
+        </p:txBody>
+      </p:sp>
+      <p:pic>
+        <p:nvPicPr>
+          <p:cNvPr id="6" name="Picture 5">
+            <a:extLst>
+              <a:ext uri="{FF2B5EF4-FFF2-40B4-BE49-F238E27FC236}">
+                <a16:creationId xmlns:a16="http://schemas.microsoft.com/office/drawing/2014/main" id="{712D641E-2B88-4725-61BC-087097451CF5}"/>
+              </a:ext>
+            </a:extLst>
+          </p:cNvPr>
+          <p:cNvPicPr>
+            <a:picLocks noChangeAspect="1"/>
+          </p:cNvPicPr>
+          <p:nvPr/>
+        </p:nvPicPr>
+        <p:blipFill>
+          <a:blip r:embed="rId3" cstate="print">
+            <a:extLst>
+              <a:ext uri="{28A0092B-C50C-407E-A947-70E740481C1C}">
+                <a14:useLocalDpi xmlns:a14="http://schemas.microsoft.com/office/drawing/2010/main" val="0"/>
+              </a:ext>
+            </a:extLst>
+          </a:blip>
+          <a:srcRect/>
+          <a:stretch>
+            <a:fillRect/>
+          </a:stretch>
+        </p:blipFill>
+        <p:spPr bwMode="auto">
+          <a:xfrm>
+            <a:off x="7381921" y="1883664"/>
+            <a:ext cx="4499932" cy="4336162"/>
+          </a:xfrm>
+          <a:prstGeom prst="rect">
+            <a:avLst/>
+          </a:prstGeom>
+          <a:noFill/>
+        </p:spPr>
+      </p:pic>
+    </p:spTree>
+    <p:extLst>
+      <p:ext uri="{BB962C8B-B14F-4D97-AF65-F5344CB8AC3E}">
+        <p14:creationId xmlns:p14="http://schemas.microsoft.com/office/powerpoint/2010/main" val="3513751890"/>
+      </p:ext>
+    </p:extLst>
+  </p:cSld>
+  <p:clrMapOvr>
+    <a:masterClrMapping/>
+  </p:clrMapOvr>
+</p:sld>
+</file>
+
+<file path=ppt/slides/slide20.xml><?xml version="1.0" encoding="utf-8"?>
+<p:sld xmlns:a="http://schemas.openxmlformats.org/drawingml/2006/main" xmlns:r="http://schemas.openxmlformats.org/officeDocument/2006/relationships" xmlns:p="http://schemas.openxmlformats.org/presentationml/2006/main">
+  <p:cSld>
+    <p:spTree>
+      <p:nvGrpSpPr>
+        <p:cNvPr id="1" name="">
+          <a:extLst>
+            <a:ext uri="{FF2B5EF4-FFF2-40B4-BE49-F238E27FC236}">
+              <a16:creationId xmlns:a16="http://schemas.microsoft.com/office/drawing/2014/main" id="{1E99BD44-7611-8A36-55F0-8AFA3B4607FF}"/>
+            </a:ext>
+          </a:extLst>
+        </p:cNvPr>
+        <p:cNvGrpSpPr/>
+        <p:nvPr/>
+      </p:nvGrpSpPr>
+      <p:grpSpPr>
+        <a:xfrm>
+          <a:off x="0" y="0"/>
+          <a:ext cx="0" cy="0"/>
+          <a:chOff x="0" y="0"/>
+          <a:chExt cx="0" cy="0"/>
+        </a:xfrm>
+      </p:grpSpPr>
+      <p:sp>
+        <p:nvSpPr>
+          <p:cNvPr id="3" name="Title 2">
+            <a:extLst>
+              <a:ext uri="{FF2B5EF4-FFF2-40B4-BE49-F238E27FC236}">
+                <a16:creationId xmlns:a16="http://schemas.microsoft.com/office/drawing/2014/main" id="{2664C9F2-5255-B279-B2C0-FB8FCDECFAC5}"/>
+              </a:ext>
+            </a:extLst>
+          </p:cNvPr>
+          <p:cNvSpPr>
+            <a:spLocks noGrp="1"/>
+          </p:cNvSpPr>
+          <p:nvPr>
+            <p:ph type="title"/>
+          </p:nvPr>
+        </p:nvSpPr>
+        <p:spPr>
+          <a:xfrm>
+            <a:off x="313510" y="807031"/>
+            <a:ext cx="11568343" cy="1003481"/>
+          </a:xfrm>
+        </p:spPr>
+        <p:txBody>
+          <a:bodyPr/>
+          <a:lstStyle/>
+          <a:p>
+            <a:r>
+              <a:rPr lang="en-US" dirty="0"/>
+              <a:t>A Note To My Committee Members</a:t>
+            </a:r>
+          </a:p>
+        </p:txBody>
+      </p:sp>
+      <p:sp>
+        <p:nvSpPr>
+          <p:cNvPr id="4" name="Content Placeholder 3">
+            <a:extLst>
+              <a:ext uri="{FF2B5EF4-FFF2-40B4-BE49-F238E27FC236}">
+                <a16:creationId xmlns:a16="http://schemas.microsoft.com/office/drawing/2014/main" id="{8B76A8B4-2EDA-894F-C9E0-7F6FF003495C}"/>
+              </a:ext>
+            </a:extLst>
+          </p:cNvPr>
+          <p:cNvSpPr>
+            <a:spLocks noGrp="1"/>
+          </p:cNvSpPr>
+          <p:nvPr>
+            <p:ph idx="1"/>
+          </p:nvPr>
+        </p:nvSpPr>
+        <p:spPr>
+          <a:xfrm>
+            <a:off x="313510" y="2379945"/>
+            <a:ext cx="11568343" cy="3839882"/>
+          </a:xfrm>
+        </p:spPr>
+        <p:txBody>
+          <a:bodyPr/>
+          <a:lstStyle/>
+          <a:p>
+            <a:pPr marL="0" indent="0">
+              <a:buNone/>
+            </a:pPr>
+            <a:r>
+              <a:rPr lang="en-US" i="1" dirty="0"/>
+              <a:t>Thank you for your continued guidance, patience, and support. </a:t>
+            </a:r>
+          </a:p>
+        </p:txBody>
+      </p:sp>
+      <p:sp>
+        <p:nvSpPr>
+          <p:cNvPr id="2" name="Text Placeholder 1">
+            <a:extLst>
+              <a:ext uri="{FF2B5EF4-FFF2-40B4-BE49-F238E27FC236}">
+                <a16:creationId xmlns:a16="http://schemas.microsoft.com/office/drawing/2014/main" id="{F46F5141-D30D-B0E0-6998-2F2DBB99847A}"/>
+              </a:ext>
+            </a:extLst>
+          </p:cNvPr>
+          <p:cNvSpPr>
+            <a:spLocks noGrp="1"/>
+          </p:cNvSpPr>
+          <p:nvPr>
+            <p:ph type="body" sz="quarter" idx="10"/>
+          </p:nvPr>
+        </p:nvSpPr>
+        <p:spPr>
+          <a:xfrm>
+            <a:off x="10070592" y="6489820"/>
+            <a:ext cx="2121408" cy="276740"/>
+          </a:xfrm>
+        </p:spPr>
+        <p:txBody>
+          <a:bodyPr/>
+          <a:lstStyle/>
+          <a:p>
+            <a:r>
+              <a:rPr lang="en-US" sz="1100" dirty="0"/>
+              <a:t>Slide 19 of 19</a:t>
+            </a:r>
+          </a:p>
+        </p:txBody>
+      </p:sp>
+    </p:spTree>
+    <p:extLst>
+      <p:ext uri="{BB962C8B-B14F-4D97-AF65-F5344CB8AC3E}">
+        <p14:creationId xmlns:p14="http://schemas.microsoft.com/office/powerpoint/2010/main" val="1874907984"/>
+      </p:ext>
+    </p:extLst>
+  </p:cSld>
+  <p:clrMapOvr>
+    <a:masterClrMapping/>
+  </p:clrMapOvr>
+</p:sld>
+</file>
+
+<file path=ppt/slides/slide21.xml><?xml version="1.0" encoding="utf-8"?>
 <p:sld xmlns:a="http://schemas.openxmlformats.org/drawingml/2006/main" xmlns:r="http://schemas.openxmlformats.org/officeDocument/2006/relationships" xmlns:p="http://schemas.openxmlformats.org/presentationml/2006/main">
   <p:cSld>
     <p:spTree>
@@ -4837,167 +12072,6 @@
 </p:sld>
 </file>
 
-<file path=ppt/slides/slide2.xml><?xml version="1.0" encoding="utf-8"?>
-<p:sld xmlns:a="http://schemas.openxmlformats.org/drawingml/2006/main" xmlns:r="http://schemas.openxmlformats.org/officeDocument/2006/relationships" xmlns:p="http://schemas.openxmlformats.org/presentationml/2006/main">
-  <p:cSld>
-    <p:spTree>
-      <p:nvGrpSpPr>
-        <p:cNvPr id="1" name=""/>
-        <p:cNvGrpSpPr/>
-        <p:nvPr/>
-      </p:nvGrpSpPr>
-      <p:grpSpPr>
-        <a:xfrm>
-          <a:off x="0" y="0"/>
-          <a:ext cx="0" cy="0"/>
-          <a:chOff x="0" y="0"/>
-          <a:chExt cx="0" cy="0"/>
-        </a:xfrm>
-      </p:grpSpPr>
-      <p:sp>
-        <p:nvSpPr>
-          <p:cNvPr id="3" name="Title 2">
-            <a:extLst>
-              <a:ext uri="{FF2B5EF4-FFF2-40B4-BE49-F238E27FC236}">
-                <a16:creationId xmlns:a16="http://schemas.microsoft.com/office/drawing/2014/main" id="{464CF4B1-5E77-03ED-C14F-2CB50F091363}"/>
-              </a:ext>
-            </a:extLst>
-          </p:cNvPr>
-          <p:cNvSpPr>
-            <a:spLocks noGrp="1"/>
-          </p:cNvSpPr>
-          <p:nvPr>
-            <p:ph type="title"/>
-          </p:nvPr>
-        </p:nvSpPr>
-        <p:spPr>
-          <a:xfrm>
-            <a:off x="313510" y="807031"/>
-            <a:ext cx="11568343" cy="1003481"/>
-          </a:xfrm>
-        </p:spPr>
-        <p:txBody>
-          <a:bodyPr/>
-          <a:lstStyle/>
-          <a:p>
-            <a:r>
-              <a:rPr lang="en-US" dirty="0"/>
-              <a:t>Cancer-Related Cognitive Decline</a:t>
-            </a:r>
-          </a:p>
-        </p:txBody>
-      </p:sp>
-      <p:sp>
-        <p:nvSpPr>
-          <p:cNvPr id="4" name="Content Placeholder 3">
-            <a:extLst>
-              <a:ext uri="{FF2B5EF4-FFF2-40B4-BE49-F238E27FC236}">
-                <a16:creationId xmlns:a16="http://schemas.microsoft.com/office/drawing/2014/main" id="{212450BB-C7C6-4845-F0D9-C5FB65AB08A6}"/>
-              </a:ext>
-            </a:extLst>
-          </p:cNvPr>
-          <p:cNvSpPr>
-            <a:spLocks noGrp="1"/>
-          </p:cNvSpPr>
-          <p:nvPr>
-            <p:ph idx="1"/>
-          </p:nvPr>
-        </p:nvSpPr>
-        <p:spPr>
-          <a:xfrm>
-            <a:off x="313510" y="1883664"/>
-            <a:ext cx="11568343" cy="4336163"/>
-          </a:xfrm>
-        </p:spPr>
-        <p:txBody>
-          <a:bodyPr/>
-          <a:lstStyle/>
-          <a:p>
-            <a:r>
-              <a:rPr lang="en-US" dirty="0"/>
-              <a:t>Words</a:t>
-            </a:r>
-          </a:p>
-        </p:txBody>
-      </p:sp>
-      <p:sp>
-        <p:nvSpPr>
-          <p:cNvPr id="2" name="Text Placeholder 1"/>
-          <p:cNvSpPr>
-            <a:spLocks noGrp="1"/>
-          </p:cNvSpPr>
-          <p:nvPr>
-            <p:ph type="body" sz="quarter" idx="10"/>
-          </p:nvPr>
-        </p:nvSpPr>
-        <p:spPr>
-          <a:xfrm>
-            <a:off x="10070592" y="6489820"/>
-            <a:ext cx="2121408" cy="276740"/>
-          </a:xfrm>
-        </p:spPr>
-        <p:txBody>
-          <a:bodyPr/>
-          <a:lstStyle/>
-          <a:p>
-            <a:r>
-              <a:rPr lang="en-US" sz="1100" dirty="0"/>
-              <a:t>Slide 1 of X</a:t>
-            </a:r>
-          </a:p>
-        </p:txBody>
-      </p:sp>
-      <p:pic>
-        <p:nvPicPr>
-          <p:cNvPr id="6" name="Picture 5">
-            <a:extLst>
-              <a:ext uri="{FF2B5EF4-FFF2-40B4-BE49-F238E27FC236}">
-                <a16:creationId xmlns:a16="http://schemas.microsoft.com/office/drawing/2014/main" id="{712D641E-2B88-4725-61BC-087097451CF5}"/>
-              </a:ext>
-            </a:extLst>
-          </p:cNvPr>
-          <p:cNvPicPr>
-            <a:picLocks noChangeAspect="1"/>
-          </p:cNvPicPr>
-          <p:nvPr/>
-        </p:nvPicPr>
-        <p:blipFill>
-          <a:blip r:embed="rId2" cstate="print">
-            <a:extLst>
-              <a:ext uri="{28A0092B-C50C-407E-A947-70E740481C1C}">
-                <a14:useLocalDpi xmlns:a14="http://schemas.microsoft.com/office/drawing/2010/main" val="0"/>
-              </a:ext>
-            </a:extLst>
-          </a:blip>
-          <a:srcRect/>
-          <a:stretch>
-            <a:fillRect/>
-          </a:stretch>
-        </p:blipFill>
-        <p:spPr bwMode="auto">
-          <a:xfrm>
-            <a:off x="7018333" y="1883664"/>
-            <a:ext cx="4499932" cy="4336162"/>
-          </a:xfrm>
-          <a:prstGeom prst="rect">
-            <a:avLst/>
-          </a:prstGeom>
-          <a:noFill/>
-        </p:spPr>
-      </p:pic>
-    </p:spTree>
-    <p:extLst>
-      <p:ext uri="{BB962C8B-B14F-4D97-AF65-F5344CB8AC3E}">
-        <p14:creationId xmlns:p14="http://schemas.microsoft.com/office/powerpoint/2010/main" val="3513751890"/>
-      </p:ext>
-    </p:extLst>
-  </p:cSld>
-  <p:clrMapOvr>
-    <a:masterClrMapping/>
-  </p:clrMapOvr>
-</p:sld>
-</file>
-
 <file path=ppt/slides/slide3.xml><?xml version="1.0" encoding="utf-8"?>
 <p:sld xmlns:a="http://schemas.openxmlformats.org/drawingml/2006/main" xmlns:r="http://schemas.openxmlformats.org/officeDocument/2006/relationships" xmlns:p="http://schemas.openxmlformats.org/presentationml/2006/main">
   <p:cSld>
@@ -5049,7 +12123,7 @@
           <a:p>
             <a:r>
               <a:rPr lang="en-US" dirty="0"/>
-              <a:t>CRCD and Stress</a:t>
+              <a:t>CRCD and Chronic Stress</a:t>
             </a:r>
           </a:p>
         </p:txBody>
@@ -5072,8 +12146,8 @@
         </p:nvSpPr>
         <p:spPr>
           <a:xfrm>
-            <a:off x="313510" y="1883664"/>
-            <a:ext cx="11568343" cy="4336163"/>
+            <a:off x="313511" y="1883664"/>
+            <a:ext cx="8141558" cy="4336163"/>
           </a:xfrm>
         </p:spPr>
         <p:txBody>
@@ -5082,7 +12156,19 @@
           <a:p>
             <a:r>
               <a:rPr lang="en-US" dirty="0"/>
-              <a:t>Explain similarity to inflammation</a:t>
+              <a:t>DSM-IV and DSM-V have recognized that illnesses, like cancer, can be preceptors of PTSD</a:t>
+            </a:r>
+          </a:p>
+          <a:p>
+            <a:r>
+              <a:rPr lang="en-US" dirty="0"/>
+              <a:t>Chronic stress has been linked to tumorigenesis and cancer progression</a:t>
+            </a:r>
+          </a:p>
+          <a:p>
+            <a:r>
+              <a:rPr lang="en-US" dirty="0"/>
+              <a:t>Chronic stress triggers a consistent inflammatory response, disrupting the negative feedback loop of a healthy system</a:t>
             </a:r>
           </a:p>
         </p:txBody>
@@ -5115,7 +12201,7 @@
           <a:p>
             <a:r>
               <a:rPr lang="en-US" sz="1100" dirty="0"/>
-              <a:t>Slide 1 of X</a:t>
+              <a:t>Slide 2 of 19</a:t>
             </a:r>
           </a:p>
         </p:txBody>
@@ -5147,8 +12233,8 @@
         </p:blipFill>
         <p:spPr bwMode="auto">
           <a:xfrm>
-            <a:off x="9255125" y="2681478"/>
-            <a:ext cx="2094230" cy="2171700"/>
+            <a:off x="8558732" y="2582379"/>
+            <a:ext cx="3023720" cy="3135574"/>
           </a:xfrm>
           <a:prstGeom prst="rect">
             <a:avLst/>
@@ -5256,12 +12342,53 @@
           </a:xfrm>
         </p:spPr>
         <p:txBody>
-          <a:bodyPr/>
+          <a:bodyPr>
+            <a:normAutofit/>
+          </a:bodyPr>
           <a:lstStyle/>
           <a:p>
             <a:r>
               <a:rPr lang="en-US" dirty="0"/>
-              <a:t>Words</a:t>
+              <a:t>Across the 32 articles used for the literature review (that reported a cognitive task), 61 different assessments were used</a:t>
+            </a:r>
+          </a:p>
+          <a:p>
+            <a:r>
+              <a:rPr lang="en-US" dirty="0"/>
+              <a:t>Variety of research designs, time constraints, and measurement tools</a:t>
+            </a:r>
+          </a:p>
+          <a:p>
+            <a:r>
+              <a:rPr lang="en-US" dirty="0"/>
+              <a:t>The FACT-Cog is the most common assessment utilized </a:t>
+            </a:r>
+          </a:p>
+          <a:p>
+            <a:pPr lvl="1"/>
+            <a:r>
+              <a:rPr lang="en-US" dirty="0"/>
+              <a:t>Mood and awareness vs cognitive impairment</a:t>
+            </a:r>
+          </a:p>
+          <a:p>
+            <a:pPr lvl="1"/>
+            <a:r>
+              <a:rPr lang="en-US" dirty="0"/>
+              <a:t>Subjective and objective measures frequently lack correlation</a:t>
+            </a:r>
+          </a:p>
+          <a:p>
+            <a:pPr lvl="1"/>
+            <a:r>
+              <a:rPr lang="en-US" dirty="0"/>
+              <a:t>International Cognition and Cancer Task Force recommend against using subjective measures </a:t>
+            </a:r>
+          </a:p>
+          <a:p>
+            <a:r>
+              <a:rPr lang="en-US" dirty="0"/>
+              <a:t>When objective measures have been used, they have relied on incorrect assumptions about linearity and normality</a:t>
             </a:r>
           </a:p>
         </p:txBody>
@@ -5294,7 +12421,7 @@
           <a:p>
             <a:r>
               <a:rPr lang="en-US" sz="1100" dirty="0"/>
-              <a:t>Slide 1 of X</a:t>
+              <a:t>Slide 3 of 19</a:t>
             </a:r>
           </a:p>
         </p:txBody>
@@ -5396,7 +12523,33 @@
           <a:p>
             <a:r>
               <a:rPr lang="en-US" dirty="0"/>
-              <a:t>words</a:t>
+              <a:t>Provides a non-linear approach that is a reasonable representation of actual processes (based in theory), allowing us to capture meaningful changes</a:t>
+            </a:r>
+          </a:p>
+          <a:p>
+            <a:r>
+              <a:rPr lang="en-US" dirty="0"/>
+              <a:t>The ability of RT models to account for noise allow researchers to parcel out the changes in the cognitive </a:t>
+            </a:r>
+            <a:br>
+              <a:rPr lang="en-US" dirty="0"/>
+            </a:br>
+            <a:r>
+              <a:rPr lang="en-US" dirty="0"/>
+              <a:t>processes, creating an approach that is </a:t>
+            </a:r>
+            <a:br>
+              <a:rPr lang="en-US" dirty="0"/>
+            </a:br>
+            <a:r>
+              <a:rPr lang="en-US" dirty="0"/>
+              <a:t>very sensitive to slight changes</a:t>
+            </a:r>
+          </a:p>
+          <a:p>
+            <a:r>
+              <a:rPr lang="en-US" dirty="0"/>
+              <a:t>Limits the reverse-inference problem</a:t>
             </a:r>
           </a:p>
         </p:txBody>
@@ -5429,7 +12582,7 @@
           <a:p>
             <a:r>
               <a:rPr lang="en-US" sz="1100" dirty="0"/>
-              <a:t>Slide 1 of X</a:t>
+              <a:t>Slide 4 of 19</a:t>
             </a:r>
           </a:p>
         </p:txBody>
@@ -5449,7 +12602,7 @@
           <p:nvPr/>
         </p:nvPicPr>
         <p:blipFill>
-          <a:blip r:embed="rId2">
+          <a:blip r:embed="rId3">
             <a:extLst>
               <a:ext uri="{28A0092B-C50C-407E-A947-70E740481C1C}">
                 <a14:useLocalDpi xmlns:a14="http://schemas.microsoft.com/office/drawing/2010/main" val="0"/>
@@ -5491,6 +12644,200 @@
         <p:cNvPr id="1" name="">
           <a:extLst>
             <a:ext uri="{FF2B5EF4-FFF2-40B4-BE49-F238E27FC236}">
+              <a16:creationId xmlns:a16="http://schemas.microsoft.com/office/drawing/2014/main" id="{53BF96CF-49CA-BAB5-EB8B-CC0FC0B745FF}"/>
+            </a:ext>
+          </a:extLst>
+        </p:cNvPr>
+        <p:cNvGrpSpPr/>
+        <p:nvPr/>
+      </p:nvGrpSpPr>
+      <p:grpSpPr>
+        <a:xfrm>
+          <a:off x="0" y="0"/>
+          <a:ext cx="0" cy="0"/>
+          <a:chOff x="0" y="0"/>
+          <a:chExt cx="0" cy="0"/>
+        </a:xfrm>
+      </p:grpSpPr>
+      <p:sp>
+        <p:nvSpPr>
+          <p:cNvPr id="3" name="Title 2">
+            <a:extLst>
+              <a:ext uri="{FF2B5EF4-FFF2-40B4-BE49-F238E27FC236}">
+                <a16:creationId xmlns:a16="http://schemas.microsoft.com/office/drawing/2014/main" id="{1C324FEE-3E13-0B07-9588-BDAE147A3CE8}"/>
+              </a:ext>
+            </a:extLst>
+          </p:cNvPr>
+          <p:cNvSpPr>
+            <a:spLocks noGrp="1"/>
+          </p:cNvSpPr>
+          <p:nvPr>
+            <p:ph type="title"/>
+          </p:nvPr>
+        </p:nvSpPr>
+        <p:spPr>
+          <a:xfrm>
+            <a:off x="313510" y="807031"/>
+            <a:ext cx="11568343" cy="1003481"/>
+          </a:xfrm>
+        </p:spPr>
+        <p:txBody>
+          <a:bodyPr/>
+          <a:lstStyle/>
+          <a:p>
+            <a:r>
+              <a:rPr lang="en-US" dirty="0"/>
+              <a:t>The Cognitive Assessments and Models</a:t>
+            </a:r>
+          </a:p>
+        </p:txBody>
+      </p:sp>
+      <p:sp>
+        <p:nvSpPr>
+          <p:cNvPr id="4" name="Content Placeholder 3">
+            <a:extLst>
+              <a:ext uri="{FF2B5EF4-FFF2-40B4-BE49-F238E27FC236}">
+                <a16:creationId xmlns:a16="http://schemas.microsoft.com/office/drawing/2014/main" id="{E5084377-6A22-221F-7EC6-C8E81DD08163}"/>
+              </a:ext>
+            </a:extLst>
+          </p:cNvPr>
+          <p:cNvSpPr>
+            <a:spLocks noGrp="1"/>
+          </p:cNvSpPr>
+          <p:nvPr>
+            <p:ph idx="1"/>
+          </p:nvPr>
+        </p:nvSpPr>
+        <p:spPr>
+          <a:xfrm>
+            <a:off x="313510" y="1883664"/>
+            <a:ext cx="11568343" cy="4336163"/>
+          </a:xfrm>
+        </p:spPr>
+        <p:txBody>
+          <a:bodyPr>
+            <a:normAutofit lnSpcReduction="10000"/>
+          </a:bodyPr>
+          <a:lstStyle/>
+          <a:p>
+            <a:r>
+              <a:rPr lang="en-US" dirty="0"/>
+              <a:t>Attention</a:t>
+            </a:r>
+          </a:p>
+          <a:p>
+            <a:pPr lvl="1"/>
+            <a:r>
+              <a:rPr lang="en-US" dirty="0"/>
+              <a:t>Task: Attention Network Test</a:t>
+            </a:r>
+          </a:p>
+          <a:p>
+            <a:pPr lvl="1"/>
+            <a:r>
+              <a:rPr lang="en-US" dirty="0"/>
+              <a:t>Model: Shrinking spotlight model (White &amp; Curl, 2018)</a:t>
+            </a:r>
+          </a:p>
+          <a:p>
+            <a:r>
+              <a:rPr lang="en-US" dirty="0"/>
+              <a:t>Executive Control</a:t>
+            </a:r>
+          </a:p>
+          <a:p>
+            <a:pPr lvl="1"/>
+            <a:r>
+              <a:rPr lang="en-US" dirty="0"/>
+              <a:t>Task: Open-Source Anticipated Response Inhibition Task (OSARI)</a:t>
+            </a:r>
+          </a:p>
+          <a:p>
+            <a:pPr lvl="1"/>
+            <a:r>
+              <a:rPr lang="en-US" dirty="0"/>
+              <a:t>Model: Bayesian Estimation of Ex-Gaussian Stop-Signal (BEESTS) model (He et al., 2022)</a:t>
+            </a:r>
+          </a:p>
+          <a:p>
+            <a:r>
+              <a:rPr lang="en-US" dirty="0"/>
+              <a:t>Working Memory</a:t>
+            </a:r>
+          </a:p>
+          <a:p>
+            <a:pPr lvl="1"/>
+            <a:r>
+              <a:rPr lang="en-US" dirty="0"/>
+              <a:t>Task: Dual N-Back Task</a:t>
+            </a:r>
+          </a:p>
+          <a:p>
+            <a:pPr lvl="1"/>
+            <a:r>
+              <a:rPr lang="en-US" dirty="0"/>
+              <a:t>Model: Linear ballistic accumulator model and workload capacity (Heathcote et al., 2015)</a:t>
+            </a:r>
+          </a:p>
+          <a:p>
+            <a:endParaRPr lang="en-US" dirty="0"/>
+          </a:p>
+        </p:txBody>
+      </p:sp>
+      <p:sp>
+        <p:nvSpPr>
+          <p:cNvPr id="2" name="Text Placeholder 1">
+            <a:extLst>
+              <a:ext uri="{FF2B5EF4-FFF2-40B4-BE49-F238E27FC236}">
+                <a16:creationId xmlns:a16="http://schemas.microsoft.com/office/drawing/2014/main" id="{05E8862E-631A-AEAE-9954-A392C36CBB2F}"/>
+              </a:ext>
+            </a:extLst>
+          </p:cNvPr>
+          <p:cNvSpPr>
+            <a:spLocks noGrp="1"/>
+          </p:cNvSpPr>
+          <p:nvPr>
+            <p:ph type="body" sz="quarter" idx="10"/>
+          </p:nvPr>
+        </p:nvSpPr>
+        <p:spPr>
+          <a:xfrm>
+            <a:off x="10070592" y="6489820"/>
+            <a:ext cx="2121408" cy="276740"/>
+          </a:xfrm>
+        </p:spPr>
+        <p:txBody>
+          <a:bodyPr/>
+          <a:lstStyle/>
+          <a:p>
+            <a:r>
+              <a:rPr lang="en-US" sz="1100" dirty="0"/>
+              <a:t>Slide 5 of 19</a:t>
+            </a:r>
+          </a:p>
+        </p:txBody>
+      </p:sp>
+    </p:spTree>
+    <p:extLst>
+      <p:ext uri="{BB962C8B-B14F-4D97-AF65-F5344CB8AC3E}">
+        <p14:creationId xmlns:p14="http://schemas.microsoft.com/office/powerpoint/2010/main" val="2220703466"/>
+      </p:ext>
+    </p:extLst>
+  </p:cSld>
+  <p:clrMapOvr>
+    <a:masterClrMapping/>
+  </p:clrMapOvr>
+</p:sld>
+</file>
+
+<file path=ppt/slides/slide7.xml><?xml version="1.0" encoding="utf-8"?>
+<p:sld xmlns:a="http://schemas.openxmlformats.org/drawingml/2006/main" xmlns:r="http://schemas.openxmlformats.org/officeDocument/2006/relationships" xmlns:p="http://schemas.openxmlformats.org/presentationml/2006/main">
+  <p:cSld>
+    <p:spTree>
+      <p:nvGrpSpPr>
+        <p:cNvPr id="1" name="">
+          <a:extLst>
+            <a:ext uri="{FF2B5EF4-FFF2-40B4-BE49-F238E27FC236}">
               <a16:creationId xmlns:a16="http://schemas.microsoft.com/office/drawing/2014/main" id="{D04891A0-F5F3-E41B-9953-BBE7CE9C29E4}"/>
             </a:ext>
           </a:extLst>
@@ -5577,6 +12924,21 @@
             </a:r>
           </a:p>
           <a:p>
+            <a:r>
+              <a:rPr lang="en-US" dirty="0"/>
+              <a:t>Plan to evaluate every sector of cancer survivor health </a:t>
+            </a:r>
+          </a:p>
+          <a:p>
+            <a:r>
+              <a:rPr lang="en-US" dirty="0"/>
+              <a:t>Will be the first time RT modeling is used in a longitudinal, clinical study (to the best of our current knowledge)</a:t>
+            </a:r>
+          </a:p>
+          <a:p>
+            <a:endParaRPr lang="en-US" dirty="0"/>
+          </a:p>
+          <a:p>
             <a:endParaRPr lang="en-US" dirty="0"/>
           </a:p>
         </p:txBody>
@@ -5609,7 +12971,7 @@
           <a:p>
             <a:r>
               <a:rPr lang="en-US" sz="1100" dirty="0"/>
-              <a:t>Slide 1 of X</a:t>
+              <a:t>Slide 6 of 19</a:t>
             </a:r>
           </a:p>
         </p:txBody>
@@ -5629,7 +12991,7 @@
           <p:nvPr/>
         </p:nvPicPr>
         <p:blipFill>
-          <a:blip r:embed="rId2"/>
+          <a:blip r:embed="rId3"/>
           <a:stretch>
             <a:fillRect/>
           </a:stretch>
@@ -5657,7 +13019,7 @@
 </p:sld>
 </file>
 
-<file path=ppt/slides/slide7.xml><?xml version="1.0" encoding="utf-8"?>
+<file path=ppt/slides/slide8.xml><?xml version="1.0" encoding="utf-8"?>
 <p:sld xmlns:a="http://schemas.openxmlformats.org/drawingml/2006/main" xmlns:r="http://schemas.openxmlformats.org/officeDocument/2006/relationships" xmlns:p="http://schemas.openxmlformats.org/presentationml/2006/main">
   <p:cSld>
     <p:spTree>
@@ -5665,7 +13027,7 @@
         <p:cNvPr id="1" name="">
           <a:extLst>
             <a:ext uri="{FF2B5EF4-FFF2-40B4-BE49-F238E27FC236}">
-              <a16:creationId xmlns:a16="http://schemas.microsoft.com/office/drawing/2014/main" id="{2ABFA4E0-B73A-1187-1FAB-5D0FBDEB916E}"/>
+              <a16:creationId xmlns:a16="http://schemas.microsoft.com/office/drawing/2014/main" id="{D04891A0-F5F3-E41B-9953-BBE7CE9C29E4}"/>
             </a:ext>
           </a:extLst>
         </p:cNvPr>
@@ -5685,7 +13047,7 @@
           <p:cNvPr id="3" name="Title 2">
             <a:extLst>
               <a:ext uri="{FF2B5EF4-FFF2-40B4-BE49-F238E27FC236}">
-                <a16:creationId xmlns:a16="http://schemas.microsoft.com/office/drawing/2014/main" id="{43EBDAF4-CB47-BCF2-8473-18CC1CFDC57F}"/>
+                <a16:creationId xmlns:a16="http://schemas.microsoft.com/office/drawing/2014/main" id="{2F7311FC-94D7-1A01-2CA0-3BEAB1CF37B7}"/>
               </a:ext>
             </a:extLst>
           </p:cNvPr>
@@ -5708,7 +13070,7 @@
           <a:p>
             <a:r>
               <a:rPr lang="en-US" dirty="0"/>
-              <a:t>The Current Project</a:t>
+              <a:t>Aim 1</a:t>
             </a:r>
           </a:p>
         </p:txBody>
@@ -5718,7 +13080,7 @@
           <p:cNvPr id="4" name="Content Placeholder 3">
             <a:extLst>
               <a:ext uri="{FF2B5EF4-FFF2-40B4-BE49-F238E27FC236}">
-                <a16:creationId xmlns:a16="http://schemas.microsoft.com/office/drawing/2014/main" id="{199BC0C4-F3D2-A86A-6F62-7B881FF504E3}"/>
+                <a16:creationId xmlns:a16="http://schemas.microsoft.com/office/drawing/2014/main" id="{3475AC3C-7D05-2731-7D88-54A8A4C560FF}"/>
               </a:ext>
             </a:extLst>
           </p:cNvPr>
@@ -5736,37 +13098,21 @@
           </a:xfrm>
         </p:spPr>
         <p:txBody>
-          <a:bodyPr/>
+          <a:bodyPr>
+            <a:normAutofit/>
+          </a:bodyPr>
           <a:lstStyle/>
           <a:p>
+            <a:pPr marL="0" indent="0">
+              <a:buNone/>
+            </a:pPr>
             <a:r>
               <a:rPr lang="en-US" dirty="0"/>
-              <a:t>Fifteen undergrads</a:t>
-            </a:r>
-          </a:p>
-          <a:p>
-            <a:r>
-              <a:rPr lang="en-US" dirty="0"/>
-              <a:t>4-week*</a:t>
-            </a:r>
-          </a:p>
-          <a:p>
-            <a:r>
-              <a:rPr lang="en-US" dirty="0"/>
-              <a:t>End-of-semester stress</a:t>
-            </a:r>
-          </a:p>
-          <a:p>
-            <a:r>
-              <a:rPr lang="en-US" dirty="0"/>
-              <a:t>Perceived Stress Scale</a:t>
-            </a:r>
-          </a:p>
-          <a:p>
-            <a:r>
-              <a:rPr lang="en-US" dirty="0"/>
-              <a:t>Three cognitive response-time tasks</a:t>
-            </a:r>
+              <a:t>To assess the predictive accuracy of response time models when applied to neuropsychological assessments of attention, executive control, and working memory. This analysis aims to determine the ability of response time models to represent the processes underlying cognitive function.</a:t>
+            </a:r>
+          </a:p>
+          <a:p>
+            <a:endParaRPr lang="en-US" dirty="0"/>
           </a:p>
           <a:p>
             <a:endParaRPr lang="en-US" dirty="0"/>
@@ -5778,7 +13124,7 @@
           <p:cNvPr id="2" name="Text Placeholder 1">
             <a:extLst>
               <a:ext uri="{FF2B5EF4-FFF2-40B4-BE49-F238E27FC236}">
-                <a16:creationId xmlns:a16="http://schemas.microsoft.com/office/drawing/2014/main" id="{93FC705A-2D1D-8529-EA0C-52065C4256E8}"/>
+                <a16:creationId xmlns:a16="http://schemas.microsoft.com/office/drawing/2014/main" id="{C4D6F01F-06F8-EEC3-AF14-51459A26650C}"/>
               </a:ext>
             </a:extLst>
           </p:cNvPr>
@@ -5801,7 +13147,7 @@
           <a:p>
             <a:r>
               <a:rPr lang="en-US" sz="1100" dirty="0"/>
-              <a:t>Slide 1 of X</a:t>
+              <a:t>Slide 7 of 19</a:t>
             </a:r>
           </a:p>
         </p:txBody>
@@ -5809,199 +13155,7 @@
     </p:spTree>
     <p:extLst>
       <p:ext uri="{BB962C8B-B14F-4D97-AF65-F5344CB8AC3E}">
-        <p14:creationId xmlns:p14="http://schemas.microsoft.com/office/powerpoint/2010/main" val="78280888"/>
-      </p:ext>
-    </p:extLst>
-  </p:cSld>
-  <p:clrMapOvr>
-    <a:masterClrMapping/>
-  </p:clrMapOvr>
-</p:sld>
-</file>
-
-<file path=ppt/slides/slide8.xml><?xml version="1.0" encoding="utf-8"?>
-<p:sld xmlns:a="http://schemas.openxmlformats.org/drawingml/2006/main" xmlns:r="http://schemas.openxmlformats.org/officeDocument/2006/relationships" xmlns:p="http://schemas.openxmlformats.org/presentationml/2006/main">
-  <p:cSld>
-    <p:spTree>
-      <p:nvGrpSpPr>
-        <p:cNvPr id="1" name="">
-          <a:extLst>
-            <a:ext uri="{FF2B5EF4-FFF2-40B4-BE49-F238E27FC236}">
-              <a16:creationId xmlns:a16="http://schemas.microsoft.com/office/drawing/2014/main" id="{53BF96CF-49CA-BAB5-EB8B-CC0FC0B745FF}"/>
-            </a:ext>
-          </a:extLst>
-        </p:cNvPr>
-        <p:cNvGrpSpPr/>
-        <p:nvPr/>
-      </p:nvGrpSpPr>
-      <p:grpSpPr>
-        <a:xfrm>
-          <a:off x="0" y="0"/>
-          <a:ext cx="0" cy="0"/>
-          <a:chOff x="0" y="0"/>
-          <a:chExt cx="0" cy="0"/>
-        </a:xfrm>
-      </p:grpSpPr>
-      <p:sp>
-        <p:nvSpPr>
-          <p:cNvPr id="3" name="Title 2">
-            <a:extLst>
-              <a:ext uri="{FF2B5EF4-FFF2-40B4-BE49-F238E27FC236}">
-                <a16:creationId xmlns:a16="http://schemas.microsoft.com/office/drawing/2014/main" id="{1C324FEE-3E13-0B07-9588-BDAE147A3CE8}"/>
-              </a:ext>
-            </a:extLst>
-          </p:cNvPr>
-          <p:cNvSpPr>
-            <a:spLocks noGrp="1"/>
-          </p:cNvSpPr>
-          <p:nvPr>
-            <p:ph type="title"/>
-          </p:nvPr>
-        </p:nvSpPr>
-        <p:spPr>
-          <a:xfrm>
-            <a:off x="313510" y="807031"/>
-            <a:ext cx="11568343" cy="1003481"/>
-          </a:xfrm>
-        </p:spPr>
-        <p:txBody>
-          <a:bodyPr/>
-          <a:lstStyle/>
-          <a:p>
-            <a:r>
-              <a:rPr lang="en-US" dirty="0"/>
-              <a:t>The Cognitive Assessments and Models</a:t>
-            </a:r>
-          </a:p>
-        </p:txBody>
-      </p:sp>
-      <p:sp>
-        <p:nvSpPr>
-          <p:cNvPr id="4" name="Content Placeholder 3">
-            <a:extLst>
-              <a:ext uri="{FF2B5EF4-FFF2-40B4-BE49-F238E27FC236}">
-                <a16:creationId xmlns:a16="http://schemas.microsoft.com/office/drawing/2014/main" id="{E5084377-6A22-221F-7EC6-C8E81DD08163}"/>
-              </a:ext>
-            </a:extLst>
-          </p:cNvPr>
-          <p:cNvSpPr>
-            <a:spLocks noGrp="1"/>
-          </p:cNvSpPr>
-          <p:nvPr>
-            <p:ph idx="1"/>
-          </p:nvPr>
-        </p:nvSpPr>
-        <p:spPr>
-          <a:xfrm>
-            <a:off x="313510" y="1883664"/>
-            <a:ext cx="11568343" cy="4336163"/>
-          </a:xfrm>
-        </p:spPr>
-        <p:txBody>
-          <a:bodyPr/>
-          <a:lstStyle/>
-          <a:p>
-            <a:r>
-              <a:rPr lang="en-US" dirty="0"/>
-              <a:t>Attention</a:t>
-            </a:r>
-          </a:p>
-          <a:p>
-            <a:pPr lvl="1"/>
-            <a:r>
-              <a:rPr lang="en-US" dirty="0"/>
-              <a:t>Attention Network Test</a:t>
-            </a:r>
-          </a:p>
-          <a:p>
-            <a:pPr lvl="1"/>
-            <a:r>
-              <a:rPr lang="en-US" dirty="0"/>
-              <a:t>Shrinking spotlight model</a:t>
-            </a:r>
-          </a:p>
-          <a:p>
-            <a:r>
-              <a:rPr lang="en-US" dirty="0"/>
-              <a:t>Executive Control</a:t>
-            </a:r>
-          </a:p>
-          <a:p>
-            <a:pPr lvl="1"/>
-            <a:r>
-              <a:rPr lang="en-US" dirty="0"/>
-              <a:t>Open-Source Anticipated Response Inhibition Task (OSARI)</a:t>
-            </a:r>
-          </a:p>
-          <a:p>
-            <a:pPr lvl="1"/>
-            <a:r>
-              <a:rPr lang="en-US" dirty="0"/>
-              <a:t>Bayesian Estimation of Ex-Gaussian Stop-Signal(BEESTS) model</a:t>
-            </a:r>
-          </a:p>
-          <a:p>
-            <a:r>
-              <a:rPr lang="en-US" dirty="0"/>
-              <a:t>Working Memory</a:t>
-            </a:r>
-          </a:p>
-          <a:p>
-            <a:pPr lvl="1"/>
-            <a:r>
-              <a:rPr lang="en-US" dirty="0"/>
-              <a:t>Dual N-Back Task</a:t>
-            </a:r>
-          </a:p>
-          <a:p>
-            <a:pPr lvl="1"/>
-            <a:r>
-              <a:rPr lang="en-US" dirty="0"/>
-              <a:t>Linear ballistic accumulator model and workload capacity</a:t>
-            </a:r>
-          </a:p>
-          <a:p>
-            <a:endParaRPr lang="en-US" dirty="0"/>
-          </a:p>
-        </p:txBody>
-      </p:sp>
-      <p:sp>
-        <p:nvSpPr>
-          <p:cNvPr id="2" name="Text Placeholder 1">
-            <a:extLst>
-              <a:ext uri="{FF2B5EF4-FFF2-40B4-BE49-F238E27FC236}">
-                <a16:creationId xmlns:a16="http://schemas.microsoft.com/office/drawing/2014/main" id="{05E8862E-631A-AEAE-9954-A392C36CBB2F}"/>
-              </a:ext>
-            </a:extLst>
-          </p:cNvPr>
-          <p:cNvSpPr>
-            <a:spLocks noGrp="1"/>
-          </p:cNvSpPr>
-          <p:nvPr>
-            <p:ph type="body" sz="quarter" idx="10"/>
-          </p:nvPr>
-        </p:nvSpPr>
-        <p:spPr>
-          <a:xfrm>
-            <a:off x="10070592" y="6489820"/>
-            <a:ext cx="2121408" cy="276740"/>
-          </a:xfrm>
-        </p:spPr>
-        <p:txBody>
-          <a:bodyPr/>
-          <a:lstStyle/>
-          <a:p>
-            <a:r>
-              <a:rPr lang="en-US" sz="1100" dirty="0"/>
-              <a:t>Slide 1 of X</a:t>
-            </a:r>
-          </a:p>
-        </p:txBody>
-      </p:sp>
-    </p:spTree>
-    <p:extLst>
-      <p:ext uri="{BB962C8B-B14F-4D97-AF65-F5344CB8AC3E}">
-        <p14:creationId xmlns:p14="http://schemas.microsoft.com/office/powerpoint/2010/main" val="2220703466"/>
+        <p14:creationId xmlns:p14="http://schemas.microsoft.com/office/powerpoint/2010/main" val="1986872297"/>
       </p:ext>
     </p:extLst>
   </p:cSld>
@@ -6062,7 +13216,7 @@
           <a:p>
             <a:r>
               <a:rPr lang="en-US" dirty="0"/>
-              <a:t>Aim 1: Does the approach “work”?</a:t>
+              <a:t>Aim 1</a:t>
             </a:r>
           </a:p>
         </p:txBody>
@@ -6179,7 +13333,7 @@
           <a:p>
             <a:r>
               <a:rPr lang="en-US" sz="1100" dirty="0"/>
-              <a:t>Slide 1 of X</a:t>
+              <a:t>Slide 8 of 19</a:t>
             </a:r>
           </a:p>
         </p:txBody>
@@ -6720,6 +13874,12 @@
 </file>
 
 <file path=customXml/item1.xml><?xml version="1.0" encoding="utf-8"?>
+<p:properties xmlns:p="http://schemas.microsoft.com/office/2006/metadata/properties" xmlns:xsi="http://www.w3.org/2001/XMLSchema-instance" xmlns:pc="http://schemas.microsoft.com/office/infopath/2007/PartnerControls">
+  <documentManagement/>
+</p:properties>
+</file>
+
+<file path=customXml/item2.xml><?xml version="1.0" encoding="utf-8"?>
 <ct:contentTypeSchema xmlns:ct="http://schemas.microsoft.com/office/2006/metadata/contentType" xmlns:ma="http://schemas.microsoft.com/office/2006/metadata/properties/metaAttributes" ct:_="" ma:_="" ma:contentTypeName="Document" ma:contentTypeID="0x010100B5EEB1A569F5B945847AE8D5F41B0AD6" ma:contentTypeVersion="9" ma:contentTypeDescription="Create a new document." ma:contentTypeScope="" ma:versionID="61150cfd308bc0815f47483aace43543">
   <xsd:schema xmlns:xsd="http://www.w3.org/2001/XMLSchema" xmlns:xs="http://www.w3.org/2001/XMLSchema" xmlns:p="http://schemas.microsoft.com/office/2006/metadata/properties" xmlns:ns2="009da255-3a39-4c37-a648-a96b0720b977" xmlns:ns3="82fe6e00-d737-49ac-bfae-29e51574dafa" targetNamespace="http://schemas.microsoft.com/office/2006/metadata/properties" ma:root="true" ma:fieldsID="cbdbe6721a854787322107e80e0b90bd" ns2:_="" ns3:_="">
     <xsd:import namespace="009da255-3a39-4c37-a648-a96b0720b977"/>
@@ -6916,7 +14076,7 @@
 </ct:contentTypeSchema>
 </file>
 
-<file path=customXml/item2.xml><?xml version="1.0" encoding="utf-8"?>
+<file path=customXml/item3.xml><?xml version="1.0" encoding="utf-8"?>
 <?mso-contentType ?>
 <FormTemplates xmlns="http://schemas.microsoft.com/sharepoint/v3/contenttype/forms">
   <Display>DocumentLibraryForm</Display>
@@ -6925,13 +14085,16 @@
 </FormTemplates>
 </file>
 
-<file path=customXml/item3.xml><?xml version="1.0" encoding="utf-8"?>
-<p:properties xmlns:p="http://schemas.microsoft.com/office/2006/metadata/properties" xmlns:xsi="http://www.w3.org/2001/XMLSchema-instance" xmlns:pc="http://schemas.microsoft.com/office/infopath/2007/PartnerControls">
-  <documentManagement/>
-</p:properties>
+<file path=customXml/itemProps1.xml><?xml version="1.0" encoding="utf-8"?>
+<ds:datastoreItem xmlns:ds="http://schemas.openxmlformats.org/officeDocument/2006/customXml" ds:itemID="{591A4200-AA6C-452E-8EFA-BFF3E6BE85CD}">
+  <ds:schemaRefs>
+    <ds:schemaRef ds:uri="http://schemas.microsoft.com/office/2006/metadata/properties"/>
+    <ds:schemaRef ds:uri="http://schemas.microsoft.com/office/infopath/2007/PartnerControls"/>
+  </ds:schemaRefs>
+</ds:datastoreItem>
 </file>
 
-<file path=customXml/itemProps1.xml><?xml version="1.0" encoding="utf-8"?>
+<file path=customXml/itemProps2.xml><?xml version="1.0" encoding="utf-8"?>
 <ds:datastoreItem xmlns:ds="http://schemas.openxmlformats.org/officeDocument/2006/customXml" ds:itemID="{C4909BBA-B786-4E51-84AE-FB0AA73C5646}">
   <ds:schemaRefs>
     <ds:schemaRef ds:uri="http://schemas.microsoft.com/office/2006/metadata/contentType"/>
@@ -6950,19 +14113,10 @@
 </ds:datastoreItem>
 </file>
 
-<file path=customXml/itemProps2.xml><?xml version="1.0" encoding="utf-8"?>
+<file path=customXml/itemProps3.xml><?xml version="1.0" encoding="utf-8"?>
 <ds:datastoreItem xmlns:ds="http://schemas.openxmlformats.org/officeDocument/2006/customXml" ds:itemID="{8C7EF50E-5EFB-405E-AF9A-A4145532C987}">
   <ds:schemaRefs>
     <ds:schemaRef ds:uri="http://schemas.microsoft.com/sharepoint/v3/contenttype/forms"/>
   </ds:schemaRefs>
 </ds:datastoreItem>
-</file>
-
-<file path=customXml/itemProps3.xml><?xml version="1.0" encoding="utf-8"?>
-<ds:datastoreItem xmlns:ds="http://schemas.openxmlformats.org/officeDocument/2006/customXml" ds:itemID="{591A4200-AA6C-452E-8EFA-BFF3E6BE85CD}">
-  <ds:schemaRefs>
-    <ds:schemaRef ds:uri="http://schemas.microsoft.com/office/2006/metadata/properties"/>
-    <ds:schemaRef ds:uri="http://schemas.microsoft.com/office/infopath/2007/PartnerControls"/>
-  </ds:schemaRefs>
-</ds:datastoreItem>
 </file>